--- a/卒研発表/卒論発表0119.pptx
+++ b/卒研発表/卒論発表0119.pptx
@@ -5,12 +5,12 @@
     <p:sldMasterId id="2147483660" r:id="rId1"/>
   </p:sldMasterIdLst>
   <p:notesMasterIdLst>
-    <p:notesMasterId r:id="rId56"/>
+    <p:notesMasterId r:id="rId57"/>
   </p:notesMasterIdLst>
   <p:sldIdLst>
     <p:sldId id="256" r:id="rId2"/>
-    <p:sldId id="258" r:id="rId3"/>
-    <p:sldId id="259" r:id="rId4"/>
+    <p:sldId id="259" r:id="rId3"/>
+    <p:sldId id="258" r:id="rId4"/>
     <p:sldId id="312" r:id="rId5"/>
     <p:sldId id="263" r:id="rId6"/>
     <p:sldId id="265" r:id="rId7"/>
@@ -18,7 +18,7 @@
     <p:sldId id="309" r:id="rId9"/>
     <p:sldId id="293" r:id="rId10"/>
     <p:sldId id="295" r:id="rId11"/>
-    <p:sldId id="310" r:id="rId12"/>
+    <p:sldId id="321" r:id="rId12"/>
     <p:sldId id="301" r:id="rId13"/>
     <p:sldId id="296" r:id="rId14"/>
     <p:sldId id="320" r:id="rId15"/>
@@ -32,36 +32,37 @@
     <p:sldId id="317" r:id="rId23"/>
     <p:sldId id="319" r:id="rId24"/>
     <p:sldId id="314" r:id="rId25"/>
-    <p:sldId id="307" r:id="rId26"/>
-    <p:sldId id="308" r:id="rId27"/>
-    <p:sldId id="266" r:id="rId28"/>
-    <p:sldId id="272" r:id="rId29"/>
-    <p:sldId id="304" r:id="rId30"/>
-    <p:sldId id="306" r:id="rId31"/>
-    <p:sldId id="290" r:id="rId32"/>
-    <p:sldId id="283" r:id="rId33"/>
-    <p:sldId id="257" r:id="rId34"/>
-    <p:sldId id="280" r:id="rId35"/>
-    <p:sldId id="305" r:id="rId36"/>
-    <p:sldId id="294" r:id="rId37"/>
-    <p:sldId id="289" r:id="rId38"/>
-    <p:sldId id="275" r:id="rId39"/>
-    <p:sldId id="277" r:id="rId40"/>
-    <p:sldId id="278" r:id="rId41"/>
-    <p:sldId id="279" r:id="rId42"/>
-    <p:sldId id="281" r:id="rId43"/>
-    <p:sldId id="282" r:id="rId44"/>
-    <p:sldId id="285" r:id="rId45"/>
-    <p:sldId id="287" r:id="rId46"/>
-    <p:sldId id="291" r:id="rId47"/>
-    <p:sldId id="269" r:id="rId48"/>
-    <p:sldId id="260" r:id="rId49"/>
-    <p:sldId id="262" r:id="rId50"/>
-    <p:sldId id="264" r:id="rId51"/>
-    <p:sldId id="267" r:id="rId52"/>
-    <p:sldId id="271" r:id="rId53"/>
-    <p:sldId id="273" r:id="rId54"/>
-    <p:sldId id="274" r:id="rId55"/>
+    <p:sldId id="310" r:id="rId26"/>
+    <p:sldId id="307" r:id="rId27"/>
+    <p:sldId id="308" r:id="rId28"/>
+    <p:sldId id="266" r:id="rId29"/>
+    <p:sldId id="272" r:id="rId30"/>
+    <p:sldId id="304" r:id="rId31"/>
+    <p:sldId id="306" r:id="rId32"/>
+    <p:sldId id="290" r:id="rId33"/>
+    <p:sldId id="283" r:id="rId34"/>
+    <p:sldId id="257" r:id="rId35"/>
+    <p:sldId id="280" r:id="rId36"/>
+    <p:sldId id="305" r:id="rId37"/>
+    <p:sldId id="294" r:id="rId38"/>
+    <p:sldId id="289" r:id="rId39"/>
+    <p:sldId id="275" r:id="rId40"/>
+    <p:sldId id="277" r:id="rId41"/>
+    <p:sldId id="278" r:id="rId42"/>
+    <p:sldId id="279" r:id="rId43"/>
+    <p:sldId id="281" r:id="rId44"/>
+    <p:sldId id="282" r:id="rId45"/>
+    <p:sldId id="285" r:id="rId46"/>
+    <p:sldId id="287" r:id="rId47"/>
+    <p:sldId id="291" r:id="rId48"/>
+    <p:sldId id="269" r:id="rId49"/>
+    <p:sldId id="260" r:id="rId50"/>
+    <p:sldId id="262" r:id="rId51"/>
+    <p:sldId id="264" r:id="rId52"/>
+    <p:sldId id="267" r:id="rId53"/>
+    <p:sldId id="271" r:id="rId54"/>
+    <p:sldId id="273" r:id="rId55"/>
+    <p:sldId id="274" r:id="rId56"/>
   </p:sldIdLst>
   <p:sldSz cx="9144000" cy="6858000" type="screen4x3"/>
   <p:notesSz cx="6858000" cy="9144000"/>
@@ -250,7 +251,7 @@
           <a:p>
             <a:fld id="{D359827B-A45A-42A3-8D19-3E0C9B79B6AF}" type="datetimeFigureOut">
               <a:rPr kumimoji="1" lang="ja-JP" altLang="en-US" smtClean="0"/>
-              <a:t>2022/1/10</a:t>
+              <a:t>2022/1/19</a:t>
             </a:fld>
             <a:endParaRPr kumimoji="1" lang="ja-JP" altLang="en-US"/>
           </a:p>
@@ -1005,6 +1006,37 @@
               <a:defRPr/>
             </a:pPr>
             <a:r>
+              <a:rPr lang="ja-JP" altLang="en-US" dirty="0" smtClean="0"/>
+              <a:t>各</a:t>
+            </a:r>
+            <a:r>
+              <a:rPr lang="ja-JP" altLang="ja-JP" dirty="0" smtClean="0"/>
+              <a:t>ラベル</a:t>
+            </a:r>
+            <a:r>
+              <a:rPr lang="ja-JP" altLang="en-US" dirty="0" smtClean="0"/>
+              <a:t>の正答率に差があるか，また，</a:t>
+            </a:r>
+            <a:r>
+              <a:rPr lang="ja-JP" altLang="ja-JP" dirty="0" smtClean="0"/>
+              <a:t>次元数</a:t>
+            </a:r>
+            <a:r>
+              <a:rPr lang="ja-JP" altLang="en-US" dirty="0" smtClean="0"/>
+              <a:t>を変更したことによる</a:t>
+            </a:r>
+            <a:r>
+              <a:rPr lang="ja-JP" altLang="ja-JP" dirty="0" smtClean="0"/>
+              <a:t>影響を受けて</a:t>
+            </a:r>
+            <a:r>
+              <a:rPr lang="ja-JP" altLang="en-US" dirty="0" smtClean="0"/>
+              <a:t>いるのか．</a:t>
+            </a:r>
+            <a:endParaRPr lang="en-US" altLang="ja-JP" dirty="0" smtClean="0"/>
+          </a:p>
+          <a:p>
+            <a:r>
               <a:rPr kumimoji="1" lang="ja-JP" altLang="ja-JP" sz="1200" kern="1200" dirty="0" smtClean="0">
                 <a:solidFill>
                   <a:schemeClr val="tx1"/>
@@ -1014,10 +1046,10 @@
                 <a:ea typeface="+mn-ea"/>
                 <a:cs typeface="+mn-cs"/>
               </a:rPr>
-              <a:t>実験</a:t>
-            </a:r>
-            <a:r>
-              <a:rPr kumimoji="1" lang="en-US" altLang="ja-JP" sz="1200" kern="1200" dirty="0" smtClean="0">
+              <a:t>検索結果の</a:t>
+            </a:r>
+            <a:r>
+              <a:rPr kumimoji="1" lang="ja-JP" altLang="en-US" sz="1200" kern="1200" dirty="0" smtClean="0">
                 <a:solidFill>
                   <a:schemeClr val="tx1"/>
                 </a:solidFill>
@@ -1026,7 +1058,7 @@
                 <a:ea typeface="+mn-ea"/>
                 <a:cs typeface="+mn-cs"/>
               </a:rPr>
-              <a:t>2</a:t>
+              <a:t>上位に表示された</a:t>
             </a:r>
             <a:r>
               <a:rPr kumimoji="1" lang="ja-JP" altLang="ja-JP" sz="1200" kern="1200" dirty="0" smtClean="0">
@@ -1038,34 +1070,8 @@
                 <a:ea typeface="+mn-ea"/>
                 <a:cs typeface="+mn-cs"/>
               </a:rPr>
-              <a:t>では，類似度の高いとされた上位</a:t>
-            </a:r>
-            <a:r>
-              <a:rPr kumimoji="1" lang="en-US" altLang="ja-JP" sz="1200" kern="1200" dirty="0" smtClean="0">
-                <a:solidFill>
-                  <a:schemeClr val="tx1"/>
-                </a:solidFill>
-                <a:effectLst/>
-                <a:latin typeface="+mn-lt"/>
-                <a:ea typeface="+mn-ea"/>
-                <a:cs typeface="+mn-cs"/>
-              </a:rPr>
-              <a:t>20</a:t>
-            </a:r>
-            <a:r>
-              <a:rPr kumimoji="1" lang="ja-JP" altLang="ja-JP" sz="1200" kern="1200" dirty="0" smtClean="0">
-                <a:solidFill>
-                  <a:schemeClr val="tx1"/>
-                </a:solidFill>
-                <a:effectLst/>
-                <a:latin typeface="+mn-lt"/>
-                <a:ea typeface="+mn-ea"/>
-                <a:cs typeface="+mn-cs"/>
-              </a:rPr>
-              <a:t>件の画像を表示した．そして，視覚的な特徴に類似している点があるかを評価した．その過程で，ラベルによって検索精度に大きく違いが出ていることが確認できたので，各ラベルの正答回数についても確認しようと考えた．</a:t>
-            </a:r>
-          </a:p>
-          <a:p>
+              <a:t>画像の共通点を調査することを目的とする．</a:t>
+            </a:r>
             <a:endParaRPr kumimoji="1" lang="ja-JP" altLang="en-US" dirty="0"/>
           </a:p>
         </p:txBody>
@@ -1096,7 +1102,7 @@
     </p:spTree>
     <p:extLst>
       <p:ext uri="{BB962C8B-B14F-4D97-AF65-F5344CB8AC3E}">
-        <p14:creationId xmlns:p14="http://schemas.microsoft.com/office/powerpoint/2010/main" val="3570689175"/>
+        <p14:creationId xmlns:p14="http://schemas.microsoft.com/office/powerpoint/2010/main" val="807805479"/>
       </p:ext>
     </p:extLst>
   </p:cSld>
@@ -2055,80 +2061,83 @@
           <a:bodyPr/>
           <a:lstStyle/>
           <a:p>
-            <a:r>
-              <a:rPr kumimoji="1" lang="ja-JP" altLang="en-US" dirty="0" smtClean="0"/>
-              <a:t>研究の方法としては，中間層の次元数を変化させて作成した深層学習モデルを複数用意し，</a:t>
-            </a:r>
-            <a:endParaRPr kumimoji="1" lang="en-US" altLang="ja-JP" dirty="0" smtClean="0"/>
-          </a:p>
-          <a:p>
-            <a:r>
-              <a:rPr kumimoji="1" lang="ja-JP" altLang="en-US" dirty="0" smtClean="0"/>
-              <a:t>それぞれのモデルを学習させる．学習には，</a:t>
-            </a:r>
-            <a:r>
-              <a:rPr kumimoji="1" lang="en-US" altLang="ja-JP" dirty="0" smtClean="0"/>
-              <a:t>CIFER-10</a:t>
-            </a:r>
-            <a:r>
-              <a:rPr kumimoji="1" lang="ja-JP" altLang="en-US" dirty="0" smtClean="0"/>
-              <a:t>データセットを使用する．</a:t>
-            </a:r>
-            <a:endParaRPr kumimoji="1" lang="en-US" altLang="ja-JP" dirty="0" smtClean="0"/>
-          </a:p>
-          <a:p>
-            <a:r>
-              <a:rPr kumimoji="1" lang="ja-JP" altLang="en-US" dirty="0" smtClean="0"/>
-              <a:t>画像集合を用意する．ここでは，</a:t>
-            </a:r>
-            <a:r>
-              <a:rPr kumimoji="1" lang="en-US" altLang="ja-JP" dirty="0" smtClean="0"/>
-              <a:t>CIFER-10</a:t>
-            </a:r>
-            <a:r>
-              <a:rPr kumimoji="1" lang="ja-JP" altLang="en-US" dirty="0" smtClean="0"/>
-              <a:t>のテストデータ</a:t>
-            </a:r>
-            <a:r>
-              <a:rPr kumimoji="1" lang="en-US" altLang="ja-JP" dirty="0" smtClean="0"/>
-              <a:t>1</a:t>
-            </a:r>
-            <a:r>
-              <a:rPr kumimoji="1" lang="ja-JP" altLang="en-US" dirty="0" smtClean="0"/>
-              <a:t>万件を使用する．</a:t>
-            </a:r>
-            <a:endParaRPr kumimoji="1" lang="en-US" altLang="ja-JP" dirty="0" smtClean="0"/>
-          </a:p>
-          <a:p>
-            <a:r>
-              <a:rPr kumimoji="1" lang="ja-JP" altLang="en-US" dirty="0" smtClean="0"/>
-              <a:t>その画像集合を利用して，作成したモデルを用いて特徴ベクトルを抽出する。</a:t>
-            </a:r>
-            <a:endParaRPr kumimoji="1" lang="en-US" altLang="ja-JP" dirty="0" smtClean="0"/>
-          </a:p>
-          <a:p>
-            <a:r>
-              <a:rPr kumimoji="1" lang="ja-JP" altLang="en-US" dirty="0" smtClean="0"/>
-              <a:t>抽出は識別層の手前の全結合層から行う．</a:t>
-            </a:r>
-            <a:endParaRPr kumimoji="1" lang="en-US" altLang="ja-JP" dirty="0" smtClean="0"/>
-          </a:p>
-          <a:p>
-            <a:r>
-              <a:rPr kumimoji="1" lang="ja-JP" altLang="en-US" dirty="0" smtClean="0"/>
-              <a:t>抽出した特徴ベクトルを使い，類似度を測る．</a:t>
-            </a:r>
-            <a:endParaRPr kumimoji="1" lang="en-US" altLang="ja-JP" dirty="0" smtClean="0"/>
-          </a:p>
-          <a:p>
-            <a:r>
-              <a:rPr kumimoji="1" lang="ja-JP" altLang="en-US" dirty="0" smtClean="0"/>
-              <a:t>その時の検索精度と計算時間について評価する．</a:t>
-            </a:r>
-            <a:endParaRPr kumimoji="1" lang="en-US" altLang="ja-JP" dirty="0" smtClean="0"/>
-          </a:p>
-          <a:p>
-            <a:endParaRPr kumimoji="1" lang="en-US" altLang="ja-JP" dirty="0"/>
+            <a:pPr marL="0" marR="0" indent="0" algn="l" defTabSz="914400" rtl="0" eaLnBrk="1" fontAlgn="auto" latinLnBrk="0" hangingPunct="1">
+              <a:lnSpc>
+                <a:spcPct val="100000"/>
+              </a:lnSpc>
+              <a:spcBef>
+                <a:spcPts val="0"/>
+              </a:spcBef>
+              <a:spcAft>
+                <a:spcPts val="0"/>
+              </a:spcAft>
+              <a:buClrTx/>
+              <a:buSzTx/>
+              <a:buFontTx/>
+              <a:buNone/>
+              <a:tabLst/>
+              <a:defRPr/>
+            </a:pPr>
+            <a:r>
+              <a:rPr kumimoji="1" lang="ja-JP" altLang="ja-JP" sz="1200" kern="1200" dirty="0" smtClean="0">
+                <a:solidFill>
+                  <a:schemeClr val="tx1"/>
+                </a:solidFill>
+                <a:effectLst/>
+                <a:latin typeface="+mn-lt"/>
+                <a:ea typeface="+mn-ea"/>
+                <a:cs typeface="+mn-cs"/>
+              </a:rPr>
+              <a:t>実験</a:t>
+            </a:r>
+            <a:r>
+              <a:rPr kumimoji="1" lang="en-US" altLang="ja-JP" sz="1200" kern="1200" dirty="0" smtClean="0">
+                <a:solidFill>
+                  <a:schemeClr val="tx1"/>
+                </a:solidFill>
+                <a:effectLst/>
+                <a:latin typeface="+mn-lt"/>
+                <a:ea typeface="+mn-ea"/>
+                <a:cs typeface="+mn-cs"/>
+              </a:rPr>
+              <a:t>2</a:t>
+            </a:r>
+            <a:r>
+              <a:rPr kumimoji="1" lang="ja-JP" altLang="ja-JP" sz="1200" kern="1200" dirty="0" smtClean="0">
+                <a:solidFill>
+                  <a:schemeClr val="tx1"/>
+                </a:solidFill>
+                <a:effectLst/>
+                <a:latin typeface="+mn-lt"/>
+                <a:ea typeface="+mn-ea"/>
+                <a:cs typeface="+mn-cs"/>
+              </a:rPr>
+              <a:t>では，類似度の高いとされた上位</a:t>
+            </a:r>
+            <a:r>
+              <a:rPr kumimoji="1" lang="en-US" altLang="ja-JP" sz="1200" kern="1200" dirty="0" smtClean="0">
+                <a:solidFill>
+                  <a:schemeClr val="tx1"/>
+                </a:solidFill>
+                <a:effectLst/>
+                <a:latin typeface="+mn-lt"/>
+                <a:ea typeface="+mn-ea"/>
+                <a:cs typeface="+mn-cs"/>
+              </a:rPr>
+              <a:t>20</a:t>
+            </a:r>
+            <a:r>
+              <a:rPr kumimoji="1" lang="ja-JP" altLang="ja-JP" sz="1200" kern="1200" dirty="0" smtClean="0">
+                <a:solidFill>
+                  <a:schemeClr val="tx1"/>
+                </a:solidFill>
+                <a:effectLst/>
+                <a:latin typeface="+mn-lt"/>
+                <a:ea typeface="+mn-ea"/>
+                <a:cs typeface="+mn-cs"/>
+              </a:rPr>
+              <a:t>件の画像を表示した．そして，視覚的な特徴に類似している点があるかを評価した．その過程で，ラベルによって検索精度に大きく違いが出ていることが確認できたので，各ラベルの正答回数についても確認しようと考えた．</a:t>
+            </a:r>
           </a:p>
           <a:p>
             <a:endParaRPr kumimoji="1" lang="ja-JP" altLang="en-US" dirty="0"/>
@@ -2150,9 +2159,9 @@
           <a:bodyPr/>
           <a:lstStyle/>
           <a:p>
-            <a:fld id="{9D828324-DCC9-430F-AD2C-1DD1805E2C40}" type="slidenum">
+            <a:fld id="{4443CE40-FC38-4584-BE39-B2B04D0D6E7E}" type="slidenum">
               <a:rPr kumimoji="1" lang="ja-JP" altLang="en-US" smtClean="0"/>
-              <a:t>27</a:t>
+              <a:t>25</a:t>
             </a:fld>
             <a:endParaRPr kumimoji="1" lang="ja-JP" altLang="en-US"/>
           </a:p>
@@ -2161,7 +2170,7 @@
     </p:spTree>
     <p:extLst>
       <p:ext uri="{BB962C8B-B14F-4D97-AF65-F5344CB8AC3E}">
-        <p14:creationId xmlns:p14="http://schemas.microsoft.com/office/powerpoint/2010/main" val="3414813227"/>
+        <p14:creationId xmlns:p14="http://schemas.microsoft.com/office/powerpoint/2010/main" val="3570689175"/>
       </p:ext>
     </p:extLst>
   </p:cSld>
@@ -2216,114 +2225,79 @@
           <a:lstStyle/>
           <a:p>
             <a:r>
-              <a:rPr kumimoji="1" lang="ja-JP" altLang="ja-JP" sz="1200" kern="1200" dirty="0" smtClean="0">
-                <a:solidFill>
-                  <a:schemeClr val="tx1"/>
-                </a:solidFill>
-                <a:effectLst/>
-                <a:latin typeface="+mn-lt"/>
-                <a:ea typeface="+mn-ea"/>
-                <a:cs typeface="+mn-cs"/>
-              </a:rPr>
-              <a:t>実験システムの概要について説明します．</a:t>
-            </a:r>
-          </a:p>
-          <a:p>
-            <a:r>
-              <a:rPr kumimoji="1" lang="ja-JP" altLang="ja-JP" sz="1200" kern="1200" dirty="0" smtClean="0">
-                <a:solidFill>
-                  <a:schemeClr val="tx1"/>
-                </a:solidFill>
-                <a:effectLst/>
-                <a:latin typeface="+mn-lt"/>
-                <a:ea typeface="+mn-ea"/>
-                <a:cs typeface="+mn-cs"/>
-              </a:rPr>
-              <a:t>まず，特徴ベクトル間のユークリッド距離を測ります．</a:t>
-            </a:r>
-            <a:endParaRPr kumimoji="1" lang="en-US" altLang="ja-JP" sz="1200" kern="1200" dirty="0" smtClean="0">
-              <a:solidFill>
-                <a:schemeClr val="tx1"/>
-              </a:solidFill>
-              <a:effectLst/>
-              <a:latin typeface="+mn-lt"/>
-              <a:ea typeface="+mn-ea"/>
-              <a:cs typeface="+mn-cs"/>
-            </a:endParaRPr>
-          </a:p>
-          <a:p>
-            <a:r>
-              <a:rPr kumimoji="1" lang="ja-JP" altLang="ja-JP" sz="1200" kern="1200" dirty="0" smtClean="0">
-                <a:solidFill>
-                  <a:schemeClr val="tx1"/>
-                </a:solidFill>
-                <a:effectLst/>
-                <a:latin typeface="+mn-lt"/>
-                <a:ea typeface="+mn-ea"/>
-                <a:cs typeface="+mn-cs"/>
-              </a:rPr>
-              <a:t>距離が近い順に画像の類似度が高いとして指定した数取得します．</a:t>
-            </a:r>
-          </a:p>
-          <a:p>
-            <a:r>
-              <a:rPr kumimoji="1" lang="ja-JP" altLang="ja-JP" sz="1200" kern="1200" dirty="0" smtClean="0">
-                <a:solidFill>
-                  <a:schemeClr val="tx1"/>
-                </a:solidFill>
-                <a:effectLst/>
-                <a:latin typeface="+mn-lt"/>
-                <a:ea typeface="+mn-ea"/>
-                <a:cs typeface="+mn-cs"/>
-              </a:rPr>
-              <a:t>取得した画像について，基準の画像のラベルと同じラベルの物を数えます．</a:t>
-            </a:r>
-            <a:endParaRPr kumimoji="1" lang="en-US" altLang="ja-JP" sz="1200" kern="1200" dirty="0" smtClean="0">
-              <a:solidFill>
-                <a:schemeClr val="tx1"/>
-              </a:solidFill>
-              <a:effectLst/>
-              <a:latin typeface="+mn-lt"/>
-              <a:ea typeface="+mn-ea"/>
-              <a:cs typeface="+mn-cs"/>
-            </a:endParaRPr>
-          </a:p>
-          <a:p>
-            <a:r>
-              <a:rPr kumimoji="1" lang="ja-JP" altLang="ja-JP" sz="1200" kern="1200" dirty="0" smtClean="0">
-                <a:solidFill>
-                  <a:schemeClr val="tx1"/>
-                </a:solidFill>
-                <a:effectLst/>
-                <a:latin typeface="+mn-lt"/>
-                <a:ea typeface="+mn-ea"/>
-                <a:cs typeface="+mn-cs"/>
-              </a:rPr>
-              <a:t>その正答回数から正答率を求めます．</a:t>
-            </a:r>
-          </a:p>
-          <a:p>
-            <a:r>
-              <a:rPr kumimoji="1" lang="en-US" altLang="ja-JP" sz="1200" kern="1200" dirty="0" smtClean="0">
-                <a:solidFill>
-                  <a:schemeClr val="tx1"/>
-                </a:solidFill>
-                <a:effectLst/>
-                <a:latin typeface="+mn-lt"/>
-                <a:ea typeface="+mn-ea"/>
-                <a:cs typeface="+mn-cs"/>
-              </a:rPr>
-              <a:t> </a:t>
-            </a:r>
-            <a:endParaRPr kumimoji="1" lang="ja-JP" altLang="ja-JP" sz="1200" kern="1200" dirty="0" smtClean="0">
-              <a:solidFill>
-                <a:schemeClr val="tx1"/>
-              </a:solidFill>
-              <a:effectLst/>
-              <a:latin typeface="+mn-lt"/>
-              <a:ea typeface="+mn-ea"/>
-              <a:cs typeface="+mn-cs"/>
-            </a:endParaRPr>
+              <a:rPr kumimoji="1" lang="ja-JP" altLang="en-US" dirty="0" smtClean="0"/>
+              <a:t>研究の方法としては，中間層の次元数を変化させて作成した深層学習モデルを複数用意し，</a:t>
+            </a:r>
+            <a:endParaRPr kumimoji="1" lang="en-US" altLang="ja-JP" dirty="0" smtClean="0"/>
+          </a:p>
+          <a:p>
+            <a:r>
+              <a:rPr kumimoji="1" lang="ja-JP" altLang="en-US" dirty="0" smtClean="0"/>
+              <a:t>それぞれのモデルを学習させる．学習には，</a:t>
+            </a:r>
+            <a:r>
+              <a:rPr kumimoji="1" lang="en-US" altLang="ja-JP" dirty="0" smtClean="0"/>
+              <a:t>CIFER-10</a:t>
+            </a:r>
+            <a:r>
+              <a:rPr kumimoji="1" lang="ja-JP" altLang="en-US" dirty="0" smtClean="0"/>
+              <a:t>データセットを使用する．</a:t>
+            </a:r>
+            <a:endParaRPr kumimoji="1" lang="en-US" altLang="ja-JP" dirty="0" smtClean="0"/>
+          </a:p>
+          <a:p>
+            <a:r>
+              <a:rPr kumimoji="1" lang="ja-JP" altLang="en-US" dirty="0" smtClean="0"/>
+              <a:t>画像集合を用意する．ここでは，</a:t>
+            </a:r>
+            <a:r>
+              <a:rPr kumimoji="1" lang="en-US" altLang="ja-JP" dirty="0" smtClean="0"/>
+              <a:t>CIFER-10</a:t>
+            </a:r>
+            <a:r>
+              <a:rPr kumimoji="1" lang="ja-JP" altLang="en-US" dirty="0" smtClean="0"/>
+              <a:t>のテストデータ</a:t>
+            </a:r>
+            <a:r>
+              <a:rPr kumimoji="1" lang="en-US" altLang="ja-JP" dirty="0" smtClean="0"/>
+              <a:t>1</a:t>
+            </a:r>
+            <a:r>
+              <a:rPr kumimoji="1" lang="ja-JP" altLang="en-US" dirty="0" smtClean="0"/>
+              <a:t>万件を使用する．</a:t>
+            </a:r>
+            <a:endParaRPr kumimoji="1" lang="en-US" altLang="ja-JP" dirty="0" smtClean="0"/>
+          </a:p>
+          <a:p>
+            <a:r>
+              <a:rPr kumimoji="1" lang="ja-JP" altLang="en-US" dirty="0" smtClean="0"/>
+              <a:t>その画像集合を利用して，作成したモデルを用いて特徴ベクトルを抽出する。</a:t>
+            </a:r>
+            <a:endParaRPr kumimoji="1" lang="en-US" altLang="ja-JP" dirty="0" smtClean="0"/>
+          </a:p>
+          <a:p>
+            <a:r>
+              <a:rPr kumimoji="1" lang="ja-JP" altLang="en-US" dirty="0" smtClean="0"/>
+              <a:t>抽出は識別層の手前の全結合層から行う．</a:t>
+            </a:r>
+            <a:endParaRPr kumimoji="1" lang="en-US" altLang="ja-JP" dirty="0" smtClean="0"/>
+          </a:p>
+          <a:p>
+            <a:r>
+              <a:rPr kumimoji="1" lang="ja-JP" altLang="en-US" dirty="0" smtClean="0"/>
+              <a:t>抽出した特徴ベクトルを使い，類似度を測る．</a:t>
+            </a:r>
+            <a:endParaRPr kumimoji="1" lang="en-US" altLang="ja-JP" dirty="0" smtClean="0"/>
+          </a:p>
+          <a:p>
+            <a:r>
+              <a:rPr kumimoji="1" lang="ja-JP" altLang="en-US" dirty="0" smtClean="0"/>
+              <a:t>その時の検索精度と計算時間について評価する．</a:t>
+            </a:r>
+            <a:endParaRPr kumimoji="1" lang="en-US" altLang="ja-JP" dirty="0" smtClean="0"/>
+          </a:p>
+          <a:p>
+            <a:endParaRPr kumimoji="1" lang="en-US" altLang="ja-JP" dirty="0"/>
           </a:p>
           <a:p>
             <a:endParaRPr kumimoji="1" lang="ja-JP" altLang="en-US" dirty="0"/>
@@ -2345,9 +2319,9 @@
           <a:bodyPr/>
           <a:lstStyle/>
           <a:p>
-            <a:fld id="{4443CE40-FC38-4584-BE39-B2B04D0D6E7E}" type="slidenum">
+            <a:fld id="{9D828324-DCC9-430F-AD2C-1DD1805E2C40}" type="slidenum">
               <a:rPr kumimoji="1" lang="ja-JP" altLang="en-US" smtClean="0"/>
-              <a:t>32</a:t>
+              <a:t>28</a:t>
             </a:fld>
             <a:endParaRPr kumimoji="1" lang="ja-JP" altLang="en-US"/>
           </a:p>
@@ -2356,7 +2330,7 @@
     </p:spTree>
     <p:extLst>
       <p:ext uri="{BB962C8B-B14F-4D97-AF65-F5344CB8AC3E}">
-        <p14:creationId xmlns:p14="http://schemas.microsoft.com/office/powerpoint/2010/main" val="469185378"/>
+        <p14:creationId xmlns:p14="http://schemas.microsoft.com/office/powerpoint/2010/main" val="3414813227"/>
       </p:ext>
     </p:extLst>
   </p:cSld>
@@ -2420,7 +2394,7 @@
                 <a:ea typeface="+mn-ea"/>
                 <a:cs typeface="+mn-cs"/>
               </a:rPr>
-              <a:t>次に，研究課題についてです．</a:t>
+              <a:t>実験システムの概要について説明します．</a:t>
             </a:r>
           </a:p>
           <a:p>
@@ -2434,7 +2408,7 @@
                 <a:ea typeface="+mn-ea"/>
                 <a:cs typeface="+mn-cs"/>
               </a:rPr>
-              <a:t>特徴ベクトルは，画像認識において，高次元になるほど検索精度が良くなるが計算時間が増加してしまいます．</a:t>
+              <a:t>まず，特徴ベクトル間のユークリッド距離を測ります．</a:t>
             </a:r>
             <a:endParaRPr kumimoji="1" lang="en-US" altLang="ja-JP" sz="1200" kern="1200" dirty="0" smtClean="0">
               <a:solidFill>
@@ -2457,7 +2431,7 @@
                 <a:ea typeface="+mn-ea"/>
                 <a:cs typeface="+mn-cs"/>
               </a:rPr>
-              <a:t>反対に，低次元になるほど計算時間は早くなるが検索精度が落ちてしまうことがわかっています．</a:t>
+              <a:t>距離が近い順に画像の類似度が高いとして指定した数取得します．</a:t>
             </a:r>
           </a:p>
           <a:p>
@@ -2471,9 +2445,9 @@
                 <a:ea typeface="+mn-ea"/>
                 <a:cs typeface="+mn-cs"/>
               </a:rPr>
-              <a:t>このように特徴ベクトルにおける画像検索精度と計算時間は両立できない関係性にあります．</a:t>
-            </a:r>
-            <a:endParaRPr kumimoji="1" lang="ja-JP" altLang="ja-JP" sz="1200" kern="1200" dirty="0">
+              <a:t>取得した画像について，基準の画像のラベルと同じラベルの物を数えます．</a:t>
+            </a:r>
+            <a:endParaRPr kumimoji="1" lang="en-US" altLang="ja-JP" sz="1200" kern="1200" dirty="0" smtClean="0">
               <a:solidFill>
                 <a:schemeClr val="tx1"/>
               </a:solidFill>
@@ -2483,6 +2457,46 @@
               <a:cs typeface="+mn-cs"/>
             </a:endParaRPr>
           </a:p>
+          <a:p>
+            <a:r>
+              <a:rPr kumimoji="1" lang="ja-JP" altLang="ja-JP" sz="1200" kern="1200" dirty="0" smtClean="0">
+                <a:solidFill>
+                  <a:schemeClr val="tx1"/>
+                </a:solidFill>
+                <a:effectLst/>
+                <a:latin typeface="+mn-lt"/>
+                <a:ea typeface="+mn-ea"/>
+                <a:cs typeface="+mn-cs"/>
+              </a:rPr>
+              <a:t>その正答回数から正答率を求めます．</a:t>
+            </a:r>
+          </a:p>
+          <a:p>
+            <a:r>
+              <a:rPr kumimoji="1" lang="en-US" altLang="ja-JP" sz="1200" kern="1200" dirty="0" smtClean="0">
+                <a:solidFill>
+                  <a:schemeClr val="tx1"/>
+                </a:solidFill>
+                <a:effectLst/>
+                <a:latin typeface="+mn-lt"/>
+                <a:ea typeface="+mn-ea"/>
+                <a:cs typeface="+mn-cs"/>
+              </a:rPr>
+              <a:t> </a:t>
+            </a:r>
+            <a:endParaRPr kumimoji="1" lang="ja-JP" altLang="ja-JP" sz="1200" kern="1200" dirty="0" smtClean="0">
+              <a:solidFill>
+                <a:schemeClr val="tx1"/>
+              </a:solidFill>
+              <a:effectLst/>
+              <a:latin typeface="+mn-lt"/>
+              <a:ea typeface="+mn-ea"/>
+              <a:cs typeface="+mn-cs"/>
+            </a:endParaRPr>
+          </a:p>
+          <a:p>
+            <a:endParaRPr kumimoji="1" lang="ja-JP" altLang="en-US" dirty="0"/>
+          </a:p>
         </p:txBody>
       </p:sp>
       <p:sp>
@@ -2511,7 +2525,7 @@
     </p:spTree>
     <p:extLst>
       <p:ext uri="{BB962C8B-B14F-4D97-AF65-F5344CB8AC3E}">
-        <p14:creationId xmlns:p14="http://schemas.microsoft.com/office/powerpoint/2010/main" val="3587573550"/>
+        <p14:creationId xmlns:p14="http://schemas.microsoft.com/office/powerpoint/2010/main" val="469185378"/>
       </p:ext>
     </p:extLst>
   </p:cSld>
@@ -2566,29 +2580,77 @@
           <a:lstStyle/>
           <a:p>
             <a:r>
-              <a:rPr kumimoji="1" lang="en-US" altLang="ja-JP" dirty="0" err="1" smtClean="0"/>
-              <a:t>AlexNet</a:t>
-            </a:r>
-            <a:r>
-              <a:rPr kumimoji="1" lang="ja-JP" altLang="en-US" dirty="0" smtClean="0"/>
-              <a:t>の構造をもとにしたモデルを作成，中間層の次元数を変化させて複数作成した．</a:t>
-            </a:r>
-            <a:endParaRPr kumimoji="1" lang="en-US" altLang="ja-JP" dirty="0" smtClean="0"/>
-          </a:p>
-          <a:p>
-            <a:r>
-              <a:rPr kumimoji="1" lang="ja-JP" altLang="en-US" dirty="0" smtClean="0"/>
-              <a:t>学習には</a:t>
-            </a:r>
-            <a:r>
-              <a:rPr kumimoji="1" lang="en-US" altLang="ja-JP" dirty="0" smtClean="0"/>
-              <a:t>CIFER-10</a:t>
-            </a:r>
-            <a:r>
-              <a:rPr kumimoji="1" lang="ja-JP" altLang="en-US" dirty="0" smtClean="0"/>
-              <a:t>のデータセットを使用する．</a:t>
-            </a:r>
-            <a:endParaRPr kumimoji="1" lang="ja-JP" altLang="en-US" dirty="0"/>
+              <a:rPr kumimoji="1" lang="ja-JP" altLang="ja-JP" sz="1200" kern="1200" dirty="0" smtClean="0">
+                <a:solidFill>
+                  <a:schemeClr val="tx1"/>
+                </a:solidFill>
+                <a:effectLst/>
+                <a:latin typeface="+mn-lt"/>
+                <a:ea typeface="+mn-ea"/>
+                <a:cs typeface="+mn-cs"/>
+              </a:rPr>
+              <a:t>次に，研究課題についてです．</a:t>
+            </a:r>
+          </a:p>
+          <a:p>
+            <a:r>
+              <a:rPr kumimoji="1" lang="ja-JP" altLang="ja-JP" sz="1200" kern="1200" dirty="0" smtClean="0">
+                <a:solidFill>
+                  <a:schemeClr val="tx1"/>
+                </a:solidFill>
+                <a:effectLst/>
+                <a:latin typeface="+mn-lt"/>
+                <a:ea typeface="+mn-ea"/>
+                <a:cs typeface="+mn-cs"/>
+              </a:rPr>
+              <a:t>特徴ベクトルは，画像認識において，高次元になるほど検索精度が良くなるが計算時間が増加してしまいます．</a:t>
+            </a:r>
+            <a:endParaRPr kumimoji="1" lang="en-US" altLang="ja-JP" sz="1200" kern="1200" dirty="0" smtClean="0">
+              <a:solidFill>
+                <a:schemeClr val="tx1"/>
+              </a:solidFill>
+              <a:effectLst/>
+              <a:latin typeface="+mn-lt"/>
+              <a:ea typeface="+mn-ea"/>
+              <a:cs typeface="+mn-cs"/>
+            </a:endParaRPr>
+          </a:p>
+          <a:p>
+            <a:r>
+              <a:rPr kumimoji="1" lang="ja-JP" altLang="ja-JP" sz="1200" kern="1200" dirty="0" smtClean="0">
+                <a:solidFill>
+                  <a:schemeClr val="tx1"/>
+                </a:solidFill>
+                <a:effectLst/>
+                <a:latin typeface="+mn-lt"/>
+                <a:ea typeface="+mn-ea"/>
+                <a:cs typeface="+mn-cs"/>
+              </a:rPr>
+              <a:t>反対に，低次元になるほど計算時間は早くなるが検索精度が落ちてしまうことがわかっています．</a:t>
+            </a:r>
+          </a:p>
+          <a:p>
+            <a:r>
+              <a:rPr kumimoji="1" lang="ja-JP" altLang="ja-JP" sz="1200" kern="1200" dirty="0" smtClean="0">
+                <a:solidFill>
+                  <a:schemeClr val="tx1"/>
+                </a:solidFill>
+                <a:effectLst/>
+                <a:latin typeface="+mn-lt"/>
+                <a:ea typeface="+mn-ea"/>
+                <a:cs typeface="+mn-cs"/>
+              </a:rPr>
+              <a:t>このように特徴ベクトルにおける画像検索精度と計算時間は両立できない関係性にあります．</a:t>
+            </a:r>
+            <a:endParaRPr kumimoji="1" lang="ja-JP" altLang="ja-JP" sz="1200" kern="1200" dirty="0">
+              <a:solidFill>
+                <a:schemeClr val="tx1"/>
+              </a:solidFill>
+              <a:effectLst/>
+              <a:latin typeface="+mn-lt"/>
+              <a:ea typeface="+mn-ea"/>
+              <a:cs typeface="+mn-cs"/>
+            </a:endParaRPr>
           </a:p>
         </p:txBody>
       </p:sp>
@@ -2609,7 +2671,7 @@
           <a:p>
             <a:fld id="{4443CE40-FC38-4584-BE39-B2B04D0D6E7E}" type="slidenum">
               <a:rPr kumimoji="1" lang="ja-JP" altLang="en-US" smtClean="0"/>
-              <a:t>36</a:t>
+              <a:t>34</a:t>
             </a:fld>
             <a:endParaRPr kumimoji="1" lang="ja-JP" altLang="en-US"/>
           </a:p>
@@ -2618,7 +2680,7 @@
     </p:spTree>
     <p:extLst>
       <p:ext uri="{BB962C8B-B14F-4D97-AF65-F5344CB8AC3E}">
-        <p14:creationId xmlns:p14="http://schemas.microsoft.com/office/powerpoint/2010/main" val="3781070957"/>
+        <p14:creationId xmlns:p14="http://schemas.microsoft.com/office/powerpoint/2010/main" val="3587573550"/>
       </p:ext>
     </p:extLst>
   </p:cSld>
@@ -2672,9 +2734,6 @@
           <a:bodyPr/>
           <a:lstStyle/>
           <a:p>
-            <a:endParaRPr kumimoji="1" lang="en-US" altLang="ja-JP" dirty="0"/>
-          </a:p>
-          <a:p>
             <a:r>
               <a:rPr kumimoji="1" lang="ja-JP" altLang="ja-JP" sz="1200" kern="1200" dirty="0" smtClean="0">
                 <a:solidFill>
@@ -2685,7 +2744,81 @@
                 <a:ea typeface="+mn-ea"/>
                 <a:cs typeface="+mn-cs"/>
               </a:rPr>
-              <a:t>関連研究については，</a:t>
+              <a:t>研究背景です．</a:t>
+            </a:r>
+          </a:p>
+          <a:p>
+            <a:r>
+              <a:rPr kumimoji="1" lang="ja-JP" altLang="ja-JP" sz="1200" kern="1200" dirty="0" smtClean="0">
+                <a:solidFill>
+                  <a:schemeClr val="tx1"/>
+                </a:solidFill>
+                <a:effectLst/>
+                <a:latin typeface="+mn-lt"/>
+                <a:ea typeface="+mn-ea"/>
+                <a:cs typeface="+mn-cs"/>
+              </a:rPr>
+              <a:t>ソーシャルネットワーキングサービスや写真共有サービスの普及により写真や画像の投稿が盛んになっており，</a:t>
+            </a:r>
+            <a:endParaRPr kumimoji="1" lang="en-US" altLang="ja-JP" sz="1200" kern="1200" dirty="0" smtClean="0">
+              <a:solidFill>
+                <a:schemeClr val="tx1"/>
+              </a:solidFill>
+              <a:effectLst/>
+              <a:latin typeface="+mn-lt"/>
+              <a:ea typeface="+mn-ea"/>
+              <a:cs typeface="+mn-cs"/>
+            </a:endParaRPr>
+          </a:p>
+          <a:p>
+            <a:r>
+              <a:rPr kumimoji="1" lang="ja-JP" altLang="ja-JP" sz="1200" kern="1200" dirty="0" smtClean="0">
+                <a:solidFill>
+                  <a:schemeClr val="tx1"/>
+                </a:solidFill>
+                <a:effectLst/>
+                <a:latin typeface="+mn-lt"/>
+                <a:ea typeface="+mn-ea"/>
+                <a:cs typeface="+mn-cs"/>
+              </a:rPr>
+              <a:t>大量の画像や写真が蓄積されています．</a:t>
+            </a:r>
+          </a:p>
+          <a:p>
+            <a:r>
+              <a:rPr kumimoji="1" lang="ja-JP" altLang="ja-JP" sz="1200" kern="1200" dirty="0" smtClean="0">
+                <a:solidFill>
+                  <a:schemeClr val="tx1"/>
+                </a:solidFill>
+                <a:effectLst/>
+                <a:latin typeface="+mn-lt"/>
+                <a:ea typeface="+mn-ea"/>
+                <a:cs typeface="+mn-cs"/>
+              </a:rPr>
+              <a:t>ユーザが目的の画像に辿り着くために画像検索機能の重要性が増しています．</a:t>
+            </a:r>
+            <a:endParaRPr kumimoji="1" lang="en-US" altLang="ja-JP" sz="1200" kern="1200" dirty="0" smtClean="0">
+              <a:solidFill>
+                <a:schemeClr val="tx1"/>
+              </a:solidFill>
+              <a:effectLst/>
+              <a:latin typeface="+mn-lt"/>
+              <a:ea typeface="+mn-ea"/>
+              <a:cs typeface="+mn-cs"/>
+            </a:endParaRPr>
+          </a:p>
+          <a:p>
+            <a:r>
+              <a:rPr kumimoji="1" lang="ja-JP" altLang="ja-JP" sz="1200" kern="1200" dirty="0" smtClean="0">
+                <a:solidFill>
+                  <a:schemeClr val="tx1"/>
+                </a:solidFill>
+                <a:effectLst/>
+                <a:latin typeface="+mn-lt"/>
+                <a:ea typeface="+mn-ea"/>
+                <a:cs typeface="+mn-cs"/>
+              </a:rPr>
+              <a:t>このような状況において，深層学習による</a:t>
             </a:r>
             <a:r>
               <a:rPr kumimoji="1" lang="en-US" altLang="ja-JP" sz="1200" kern="1200" dirty="0" smtClean="0">
@@ -2697,7 +2830,7 @@
                 <a:ea typeface="+mn-ea"/>
                 <a:cs typeface="+mn-cs"/>
               </a:rPr>
-              <a:t>1</a:t>
+              <a:t>CNN</a:t>
             </a:r>
             <a:r>
               <a:rPr kumimoji="1" lang="ja-JP" altLang="ja-JP" sz="1200" kern="1200" dirty="0" smtClean="0">
@@ -2709,20 +2842,19 @@
                 <a:ea typeface="+mn-ea"/>
                 <a:cs typeface="+mn-cs"/>
               </a:rPr>
-              <a:t>つ目は，</a:t>
-            </a:r>
-            <a:r>
-              <a:rPr kumimoji="1" lang="en-US" altLang="ja-JP" sz="1200" kern="1200" dirty="0" err="1" smtClean="0">
-                <a:solidFill>
-                  <a:schemeClr val="tx1"/>
-                </a:solidFill>
-                <a:effectLst/>
-                <a:latin typeface="+mn-lt"/>
-                <a:ea typeface="+mn-ea"/>
-                <a:cs typeface="+mn-cs"/>
-              </a:rPr>
-              <a:t>AlexNet</a:t>
-            </a:r>
+              <a:t>の登場により画像検索機能は劇的に向上し，</a:t>
+            </a:r>
+            <a:endParaRPr kumimoji="1" lang="en-US" altLang="ja-JP" sz="1200" kern="1200" dirty="0" smtClean="0">
+              <a:solidFill>
+                <a:schemeClr val="tx1"/>
+              </a:solidFill>
+              <a:effectLst/>
+              <a:latin typeface="+mn-lt"/>
+              <a:ea typeface="+mn-ea"/>
+              <a:cs typeface="+mn-cs"/>
+            </a:endParaRPr>
+          </a:p>
+          <a:p>
             <a:r>
               <a:rPr kumimoji="1" lang="ja-JP" altLang="ja-JP" sz="1200" kern="1200" dirty="0" smtClean="0">
                 <a:solidFill>
@@ -2733,112 +2865,7 @@
                 <a:ea typeface="+mn-ea"/>
                 <a:cs typeface="+mn-cs"/>
               </a:rPr>
-              <a:t>の構造についてです．</a:t>
-            </a:r>
-            <a:endParaRPr kumimoji="1" lang="en-US" altLang="ja-JP" sz="1200" kern="1200" dirty="0" smtClean="0">
-              <a:solidFill>
-                <a:schemeClr val="tx1"/>
-              </a:solidFill>
-              <a:effectLst/>
-              <a:latin typeface="+mn-lt"/>
-              <a:ea typeface="+mn-ea"/>
-              <a:cs typeface="+mn-cs"/>
-            </a:endParaRPr>
-          </a:p>
-          <a:p>
-            <a:r>
-              <a:rPr kumimoji="1" lang="en-US" altLang="ja-JP" sz="1200" kern="1200" dirty="0" smtClean="0">
-                <a:solidFill>
-                  <a:schemeClr val="tx1"/>
-                </a:solidFill>
-                <a:effectLst/>
-                <a:latin typeface="+mn-lt"/>
-                <a:ea typeface="+mn-ea"/>
-                <a:cs typeface="+mn-cs"/>
-              </a:rPr>
-              <a:t>2</a:t>
-            </a:r>
-            <a:r>
-              <a:rPr kumimoji="1" lang="ja-JP" altLang="ja-JP" sz="1200" kern="1200" dirty="0" smtClean="0">
-                <a:solidFill>
-                  <a:schemeClr val="tx1"/>
-                </a:solidFill>
-                <a:effectLst/>
-                <a:latin typeface="+mn-lt"/>
-                <a:ea typeface="+mn-ea"/>
-                <a:cs typeface="+mn-cs"/>
-              </a:rPr>
-              <a:t>つ目は，特徴ベクトルの抽出について関連されたことが書かれています．</a:t>
-            </a:r>
-            <a:endParaRPr kumimoji="1" lang="en-US" altLang="ja-JP" sz="1200" kern="1200" dirty="0" smtClean="0">
-              <a:solidFill>
-                <a:schemeClr val="tx1"/>
-              </a:solidFill>
-              <a:effectLst/>
-              <a:latin typeface="+mn-lt"/>
-              <a:ea typeface="+mn-ea"/>
-              <a:cs typeface="+mn-cs"/>
-            </a:endParaRPr>
-          </a:p>
-          <a:p>
-            <a:r>
-              <a:rPr kumimoji="1" lang="en-US" altLang="ja-JP" sz="1200" kern="1200" dirty="0" smtClean="0">
-                <a:solidFill>
-                  <a:schemeClr val="tx1"/>
-                </a:solidFill>
-                <a:effectLst/>
-                <a:latin typeface="+mn-lt"/>
-                <a:ea typeface="+mn-ea"/>
-                <a:cs typeface="+mn-cs"/>
-              </a:rPr>
-              <a:t>3</a:t>
-            </a:r>
-            <a:r>
-              <a:rPr kumimoji="1" lang="ja-JP" altLang="ja-JP" sz="1200" kern="1200" dirty="0" smtClean="0">
-                <a:solidFill>
-                  <a:schemeClr val="tx1"/>
-                </a:solidFill>
-                <a:effectLst/>
-                <a:latin typeface="+mn-lt"/>
-                <a:ea typeface="+mn-ea"/>
-                <a:cs typeface="+mn-cs"/>
-              </a:rPr>
-              <a:t>つ目は，特徴ベクトルの類似度を測る際の手段についてです．</a:t>
-            </a:r>
-            <a:endParaRPr kumimoji="1" lang="en-US" altLang="ja-JP" sz="1200" kern="1200" dirty="0" smtClean="0">
-              <a:solidFill>
-                <a:schemeClr val="tx1"/>
-              </a:solidFill>
-              <a:effectLst/>
-              <a:latin typeface="+mn-lt"/>
-              <a:ea typeface="+mn-ea"/>
-              <a:cs typeface="+mn-cs"/>
-            </a:endParaRPr>
-          </a:p>
-          <a:p>
-            <a:r>
-              <a:rPr kumimoji="1" lang="en-US" altLang="ja-JP" sz="1200" kern="1200" dirty="0" smtClean="0">
-                <a:solidFill>
-                  <a:schemeClr val="tx1"/>
-                </a:solidFill>
-                <a:effectLst/>
-                <a:latin typeface="+mn-lt"/>
-                <a:ea typeface="+mn-ea"/>
-                <a:cs typeface="+mn-cs"/>
-              </a:rPr>
-              <a:t>4</a:t>
-            </a:r>
-            <a:r>
-              <a:rPr kumimoji="1" lang="ja-JP" altLang="ja-JP" sz="1200" kern="1200" dirty="0" smtClean="0">
-                <a:solidFill>
-                  <a:schemeClr val="tx1"/>
-                </a:solidFill>
-                <a:effectLst/>
-                <a:latin typeface="+mn-lt"/>
-                <a:ea typeface="+mn-ea"/>
-                <a:cs typeface="+mn-cs"/>
-              </a:rPr>
-              <a:t>つ目は，次元の呪いについての関連研究です．</a:t>
+              <a:t>深層学習モデルの中間層から抽出できる特徴が注目されています．</a:t>
             </a:r>
             <a:endParaRPr kumimoji="1" lang="ja-JP" altLang="ja-JP" sz="1200" kern="1200" dirty="0">
               <a:solidFill>
@@ -2867,7 +2894,7 @@
           <a:bodyPr/>
           <a:lstStyle/>
           <a:p>
-            <a:fld id="{9D828324-DCC9-430F-AD2C-1DD1805E2C40}" type="slidenum">
+            <a:fld id="{4443CE40-FC38-4584-BE39-B2B04D0D6E7E}" type="slidenum">
               <a:rPr kumimoji="1" lang="ja-JP" altLang="en-US" smtClean="0"/>
               <a:t>2</a:t>
             </a:fld>
@@ -2878,7 +2905,114 @@
     </p:spTree>
     <p:extLst>
       <p:ext uri="{BB962C8B-B14F-4D97-AF65-F5344CB8AC3E}">
-        <p14:creationId xmlns:p14="http://schemas.microsoft.com/office/powerpoint/2010/main" val="801605572"/>
+        <p14:creationId xmlns:p14="http://schemas.microsoft.com/office/powerpoint/2010/main" val="1742916863"/>
+      </p:ext>
+    </p:extLst>
+  </p:cSld>
+  <p:clrMapOvr>
+    <a:masterClrMapping/>
+  </p:clrMapOvr>
+</p:notes>
+</file>
+
+<file path=ppt/notesSlides/notesSlide20.xml><?xml version="1.0" encoding="utf-8"?>
+<p:notes xmlns:a="http://schemas.openxmlformats.org/drawingml/2006/main" xmlns:r="http://schemas.openxmlformats.org/officeDocument/2006/relationships" xmlns:p="http://schemas.openxmlformats.org/presentationml/2006/main">
+  <p:cSld>
+    <p:spTree>
+      <p:nvGrpSpPr>
+        <p:cNvPr id="1" name=""/>
+        <p:cNvGrpSpPr/>
+        <p:nvPr/>
+      </p:nvGrpSpPr>
+      <p:grpSpPr>
+        <a:xfrm>
+          <a:off x="0" y="0"/>
+          <a:ext cx="0" cy="0"/>
+          <a:chOff x="0" y="0"/>
+          <a:chExt cx="0" cy="0"/>
+        </a:xfrm>
+      </p:grpSpPr>
+      <p:sp>
+        <p:nvSpPr>
+          <p:cNvPr id="2" name="スライド イメージ プレースホルダー 1"/>
+          <p:cNvSpPr>
+            <a:spLocks noGrp="1" noRot="1" noChangeAspect="1"/>
+          </p:cNvSpPr>
+          <p:nvPr>
+            <p:ph type="sldImg"/>
+          </p:nvPr>
+        </p:nvSpPr>
+        <p:spPr/>
+      </p:sp>
+      <p:sp>
+        <p:nvSpPr>
+          <p:cNvPr id="3" name="ノート プレースホルダー 2"/>
+          <p:cNvSpPr>
+            <a:spLocks noGrp="1"/>
+          </p:cNvSpPr>
+          <p:nvPr>
+            <p:ph type="body" idx="1"/>
+          </p:nvPr>
+        </p:nvSpPr>
+        <p:spPr/>
+        <p:txBody>
+          <a:bodyPr/>
+          <a:lstStyle/>
+          <a:p>
+            <a:r>
+              <a:rPr kumimoji="1" lang="en-US" altLang="ja-JP" dirty="0" err="1" smtClean="0"/>
+              <a:t>AlexNet</a:t>
+            </a:r>
+            <a:r>
+              <a:rPr kumimoji="1" lang="ja-JP" altLang="en-US" dirty="0" smtClean="0"/>
+              <a:t>の構造をもとにしたモデルを作成，中間層の次元数を変化させて複数作成した．</a:t>
+            </a:r>
+            <a:endParaRPr kumimoji="1" lang="en-US" altLang="ja-JP" dirty="0" smtClean="0"/>
+          </a:p>
+          <a:p>
+            <a:r>
+              <a:rPr kumimoji="1" lang="ja-JP" altLang="en-US" dirty="0" smtClean="0"/>
+              <a:t>学習には</a:t>
+            </a:r>
+            <a:r>
+              <a:rPr kumimoji="1" lang="en-US" altLang="ja-JP" dirty="0" smtClean="0"/>
+              <a:t>CIFER-10</a:t>
+            </a:r>
+            <a:r>
+              <a:rPr kumimoji="1" lang="ja-JP" altLang="en-US" dirty="0" smtClean="0"/>
+              <a:t>のデータセットを使用する．</a:t>
+            </a:r>
+            <a:endParaRPr kumimoji="1" lang="ja-JP" altLang="en-US" dirty="0"/>
+          </a:p>
+        </p:txBody>
+      </p:sp>
+      <p:sp>
+        <p:nvSpPr>
+          <p:cNvPr id="4" name="スライド番号プレースホルダー 3"/>
+          <p:cNvSpPr>
+            <a:spLocks noGrp="1"/>
+          </p:cNvSpPr>
+          <p:nvPr>
+            <p:ph type="sldNum" sz="quarter" idx="10"/>
+          </p:nvPr>
+        </p:nvSpPr>
+        <p:spPr/>
+        <p:txBody>
+          <a:bodyPr/>
+          <a:lstStyle/>
+          <a:p>
+            <a:fld id="{4443CE40-FC38-4584-BE39-B2B04D0D6E7E}" type="slidenum">
+              <a:rPr kumimoji="1" lang="ja-JP" altLang="en-US" smtClean="0"/>
+              <a:t>37</a:t>
+            </a:fld>
+            <a:endParaRPr kumimoji="1" lang="ja-JP" altLang="en-US"/>
+          </a:p>
+        </p:txBody>
+      </p:sp>
+    </p:spTree>
+    <p:extLst>
+      <p:ext uri="{BB962C8B-B14F-4D97-AF65-F5344CB8AC3E}">
+        <p14:creationId xmlns:p14="http://schemas.microsoft.com/office/powerpoint/2010/main" val="3781070957"/>
       </p:ext>
     </p:extLst>
   </p:cSld>
@@ -2932,6 +3066,9 @@
           <a:bodyPr/>
           <a:lstStyle/>
           <a:p>
+            <a:endParaRPr kumimoji="1" lang="en-US" altLang="ja-JP" dirty="0"/>
+          </a:p>
+          <a:p>
             <a:r>
               <a:rPr kumimoji="1" lang="ja-JP" altLang="ja-JP" sz="1200" kern="1200" dirty="0" smtClean="0">
                 <a:solidFill>
@@ -2942,10 +3079,20 @@
                 <a:ea typeface="+mn-ea"/>
                 <a:cs typeface="+mn-cs"/>
               </a:rPr>
-              <a:t>研究背景です．</a:t>
-            </a:r>
-          </a:p>
-          <a:p>
+              <a:t>関連研究については，</a:t>
+            </a:r>
+            <a:r>
+              <a:rPr kumimoji="1" lang="en-US" altLang="ja-JP" sz="1200" kern="1200" dirty="0" smtClean="0">
+                <a:solidFill>
+                  <a:schemeClr val="tx1"/>
+                </a:solidFill>
+                <a:effectLst/>
+                <a:latin typeface="+mn-lt"/>
+                <a:ea typeface="+mn-ea"/>
+                <a:cs typeface="+mn-cs"/>
+              </a:rPr>
+              <a:t>1</a:t>
+            </a:r>
             <a:r>
               <a:rPr kumimoji="1" lang="ja-JP" altLang="ja-JP" sz="1200" kern="1200" dirty="0" smtClean="0">
                 <a:solidFill>
@@ -2956,7 +3103,31 @@
                 <a:ea typeface="+mn-ea"/>
                 <a:cs typeface="+mn-cs"/>
               </a:rPr>
-              <a:t>ソーシャルネットワーキングサービスや写真共有サービスの普及により写真や画像の投稿が盛んになっており，</a:t>
+              <a:t>つ目は，</a:t>
+            </a:r>
+            <a:r>
+              <a:rPr kumimoji="1" lang="en-US" altLang="ja-JP" sz="1200" kern="1200" dirty="0" err="1" smtClean="0">
+                <a:solidFill>
+                  <a:schemeClr val="tx1"/>
+                </a:solidFill>
+                <a:effectLst/>
+                <a:latin typeface="+mn-lt"/>
+                <a:ea typeface="+mn-ea"/>
+                <a:cs typeface="+mn-cs"/>
+              </a:rPr>
+              <a:t>AlexNet</a:t>
+            </a:r>
+            <a:r>
+              <a:rPr kumimoji="1" lang="ja-JP" altLang="ja-JP" sz="1200" kern="1200" dirty="0" smtClean="0">
+                <a:solidFill>
+                  <a:schemeClr val="tx1"/>
+                </a:solidFill>
+                <a:effectLst/>
+                <a:latin typeface="+mn-lt"/>
+                <a:ea typeface="+mn-ea"/>
+                <a:cs typeface="+mn-cs"/>
+              </a:rPr>
+              <a:t>の構造についてです．</a:t>
             </a:r>
             <a:endParaRPr kumimoji="1" lang="en-US" altLang="ja-JP" sz="1200" kern="1200" dirty="0" smtClean="0">
               <a:solidFill>
@@ -2970,6 +3141,18 @@
           </a:p>
           <a:p>
             <a:r>
+              <a:rPr kumimoji="1" lang="en-US" altLang="ja-JP" sz="1200" kern="1200" dirty="0" smtClean="0">
+                <a:solidFill>
+                  <a:schemeClr val="tx1"/>
+                </a:solidFill>
+                <a:effectLst/>
+                <a:latin typeface="+mn-lt"/>
+                <a:ea typeface="+mn-ea"/>
+                <a:cs typeface="+mn-cs"/>
+              </a:rPr>
+              <a:t>2</a:t>
+            </a:r>
+            <a:r>
               <a:rPr kumimoji="1" lang="ja-JP" altLang="ja-JP" sz="1200" kern="1200" dirty="0" smtClean="0">
                 <a:solidFill>
                   <a:schemeClr val="tx1"/>
@@ -2979,10 +3162,31 @@
                 <a:ea typeface="+mn-ea"/>
                 <a:cs typeface="+mn-cs"/>
               </a:rPr>
-              <a:t>大量の画像や写真が蓄積されています．</a:t>
-            </a:r>
-          </a:p>
-          <a:p>
+              <a:t>つ目は，特徴ベクトルの抽出について関連されたことが書かれています．</a:t>
+            </a:r>
+            <a:endParaRPr kumimoji="1" lang="en-US" altLang="ja-JP" sz="1200" kern="1200" dirty="0" smtClean="0">
+              <a:solidFill>
+                <a:schemeClr val="tx1"/>
+              </a:solidFill>
+              <a:effectLst/>
+              <a:latin typeface="+mn-lt"/>
+              <a:ea typeface="+mn-ea"/>
+              <a:cs typeface="+mn-cs"/>
+            </a:endParaRPr>
+          </a:p>
+          <a:p>
+            <a:r>
+              <a:rPr kumimoji="1" lang="en-US" altLang="ja-JP" sz="1200" kern="1200" dirty="0" smtClean="0">
+                <a:solidFill>
+                  <a:schemeClr val="tx1"/>
+                </a:solidFill>
+                <a:effectLst/>
+                <a:latin typeface="+mn-lt"/>
+                <a:ea typeface="+mn-ea"/>
+                <a:cs typeface="+mn-cs"/>
+              </a:rPr>
+              <a:t>3</a:t>
+            </a:r>
             <a:r>
               <a:rPr kumimoji="1" lang="ja-JP" altLang="ja-JP" sz="1200" kern="1200" dirty="0" smtClean="0">
                 <a:solidFill>
@@ -2993,7 +3197,7 @@
                 <a:ea typeface="+mn-ea"/>
                 <a:cs typeface="+mn-cs"/>
               </a:rPr>
-              <a:t>ユーザが目的の画像に辿り着くために画像検索機能の重要性が増しています．</a:t>
+              <a:t>つ目は，特徴ベクトルの類似度を測る際の手段についてです．</a:t>
             </a:r>
             <a:endParaRPr kumimoji="1" lang="en-US" altLang="ja-JP" sz="1200" kern="1200" dirty="0" smtClean="0">
               <a:solidFill>
@@ -3007,6 +3211,18 @@
           </a:p>
           <a:p>
             <a:r>
+              <a:rPr kumimoji="1" lang="en-US" altLang="ja-JP" sz="1200" kern="1200" dirty="0" smtClean="0">
+                <a:solidFill>
+                  <a:schemeClr val="tx1"/>
+                </a:solidFill>
+                <a:effectLst/>
+                <a:latin typeface="+mn-lt"/>
+                <a:ea typeface="+mn-ea"/>
+                <a:cs typeface="+mn-cs"/>
+              </a:rPr>
+              <a:t>4</a:t>
+            </a:r>
+            <a:r>
               <a:rPr kumimoji="1" lang="ja-JP" altLang="ja-JP" sz="1200" kern="1200" dirty="0" smtClean="0">
                 <a:solidFill>
                   <a:schemeClr val="tx1"/>
@@ -3016,54 +3232,7 @@
                 <a:ea typeface="+mn-ea"/>
                 <a:cs typeface="+mn-cs"/>
               </a:rPr>
-              <a:t>このような状況において，深層学習による</a:t>
-            </a:r>
-            <a:r>
-              <a:rPr kumimoji="1" lang="en-US" altLang="ja-JP" sz="1200" kern="1200" dirty="0" smtClean="0">
-                <a:solidFill>
-                  <a:schemeClr val="tx1"/>
-                </a:solidFill>
-                <a:effectLst/>
-                <a:latin typeface="+mn-lt"/>
-                <a:ea typeface="+mn-ea"/>
-                <a:cs typeface="+mn-cs"/>
-              </a:rPr>
-              <a:t>CNN</a:t>
-            </a:r>
-            <a:r>
-              <a:rPr kumimoji="1" lang="ja-JP" altLang="ja-JP" sz="1200" kern="1200" dirty="0" smtClean="0">
-                <a:solidFill>
-                  <a:schemeClr val="tx1"/>
-                </a:solidFill>
-                <a:effectLst/>
-                <a:latin typeface="+mn-lt"/>
-                <a:ea typeface="+mn-ea"/>
-                <a:cs typeface="+mn-cs"/>
-              </a:rPr>
-              <a:t>の登場により画像検索機能は劇的に向上し，</a:t>
-            </a:r>
-            <a:endParaRPr kumimoji="1" lang="en-US" altLang="ja-JP" sz="1200" kern="1200" dirty="0" smtClean="0">
-              <a:solidFill>
-                <a:schemeClr val="tx1"/>
-              </a:solidFill>
-              <a:effectLst/>
-              <a:latin typeface="+mn-lt"/>
-              <a:ea typeface="+mn-ea"/>
-              <a:cs typeface="+mn-cs"/>
-            </a:endParaRPr>
-          </a:p>
-          <a:p>
-            <a:r>
-              <a:rPr kumimoji="1" lang="ja-JP" altLang="ja-JP" sz="1200" kern="1200" dirty="0" smtClean="0">
-                <a:solidFill>
-                  <a:schemeClr val="tx1"/>
-                </a:solidFill>
-                <a:effectLst/>
-                <a:latin typeface="+mn-lt"/>
-                <a:ea typeface="+mn-ea"/>
-                <a:cs typeface="+mn-cs"/>
-              </a:rPr>
-              <a:t>深層学習モデルの中間層から抽出できる特徴が注目されています．</a:t>
+              <a:t>つ目は，次元の呪いについての関連研究です．</a:t>
             </a:r>
             <a:endParaRPr kumimoji="1" lang="ja-JP" altLang="ja-JP" sz="1200" kern="1200" dirty="0">
               <a:solidFill>
@@ -3092,7 +3261,7 @@
           <a:bodyPr/>
           <a:lstStyle/>
           <a:p>
-            <a:fld id="{4443CE40-FC38-4584-BE39-B2B04D0D6E7E}" type="slidenum">
+            <a:fld id="{9D828324-DCC9-430F-AD2C-1DD1805E2C40}" type="slidenum">
               <a:rPr kumimoji="1" lang="ja-JP" altLang="en-US" smtClean="0"/>
               <a:t>3</a:t>
             </a:fld>
@@ -3103,7 +3272,7 @@
     </p:spTree>
     <p:extLst>
       <p:ext uri="{BB962C8B-B14F-4D97-AF65-F5344CB8AC3E}">
-        <p14:creationId xmlns:p14="http://schemas.microsoft.com/office/powerpoint/2010/main" val="1742916863"/>
+        <p14:creationId xmlns:p14="http://schemas.microsoft.com/office/powerpoint/2010/main" val="801605572"/>
       </p:ext>
     </p:extLst>
   </p:cSld>
@@ -3987,6 +4156,23 @@
           <a:bodyPr/>
           <a:lstStyle/>
           <a:p>
+            <a:pPr marL="0" marR="0" indent="0" algn="l" defTabSz="914400" rtl="0" eaLnBrk="1" fontAlgn="auto" latinLnBrk="0" hangingPunct="1">
+              <a:lnSpc>
+                <a:spcPct val="100000"/>
+              </a:lnSpc>
+              <a:spcBef>
+                <a:spcPts val="0"/>
+              </a:spcBef>
+              <a:spcAft>
+                <a:spcPts val="0"/>
+              </a:spcAft>
+              <a:buClrTx/>
+              <a:buSzTx/>
+              <a:buFontTx/>
+              <a:buNone/>
+              <a:tabLst/>
+              <a:defRPr/>
+            </a:pPr>
             <a:r>
               <a:rPr lang="ja-JP" altLang="en-US" dirty="0" smtClean="0"/>
               <a:t>実験</a:t>
@@ -3997,32 +4183,48 @@
             </a:r>
             <a:r>
               <a:rPr lang="ja-JP" altLang="en-US" dirty="0" smtClean="0"/>
-              <a:t>では，</a:t>
-            </a:r>
-            <a:r>
-              <a:rPr lang="ja-JP" altLang="ja-JP" dirty="0" smtClean="0"/>
-              <a:t>作成した次元数の異なる</a:t>
+              <a:t>では</a:t>
             </a:r>
             <a:r>
               <a:rPr lang="ja-JP" altLang="en-US" dirty="0" smtClean="0"/>
-              <a:t>特徴ベクトル</a:t>
-            </a:r>
-            <a:r>
-              <a:rPr lang="ja-JP" altLang="ja-JP" dirty="0" smtClean="0"/>
-              <a:t>の検索精度についての評価</a:t>
-            </a:r>
-            <a:r>
-              <a:rPr lang="ja-JP" altLang="en-US" dirty="0" smtClean="0"/>
-              <a:t>を行います．</a:t>
-            </a:r>
+              <a:t>，</a:t>
+            </a:r>
+            <a:r>
+              <a:rPr kumimoji="1" lang="ja-JP" altLang="ja-JP" sz="1200" kern="1200" dirty="0" smtClean="0">
+                <a:solidFill>
+                  <a:schemeClr val="tx1"/>
+                </a:solidFill>
+                <a:effectLst/>
+                <a:latin typeface="+mn-lt"/>
+                <a:ea typeface="+mn-ea"/>
+                <a:cs typeface="+mn-cs"/>
+              </a:rPr>
+              <a:t>画像検索精度と計算時間の両方の観点から最も良い結果だった次元数を明確にすることを</a:t>
+            </a:r>
+            <a:r>
+              <a:rPr kumimoji="1" lang="ja-JP" altLang="ja-JP" sz="1200" kern="1200" smtClean="0">
+                <a:solidFill>
+                  <a:schemeClr val="tx1"/>
+                </a:solidFill>
+                <a:effectLst/>
+                <a:latin typeface="+mn-lt"/>
+                <a:ea typeface="+mn-ea"/>
+                <a:cs typeface="+mn-cs"/>
+              </a:rPr>
+              <a:t>目的とする．</a:t>
+            </a:r>
+            <a:endParaRPr kumimoji="1" lang="ja-JP" altLang="ja-JP" sz="1200" kern="1200" dirty="0" smtClean="0">
+              <a:solidFill>
+                <a:schemeClr val="tx1"/>
+              </a:solidFill>
+              <a:effectLst/>
+              <a:latin typeface="+mn-lt"/>
+              <a:ea typeface="+mn-ea"/>
+              <a:cs typeface="+mn-cs"/>
+            </a:endParaRPr>
+          </a:p>
+          <a:p>
             <a:endParaRPr lang="en-US" altLang="ja-JP" dirty="0" smtClean="0"/>
-          </a:p>
-          <a:p>
-            <a:r>
-              <a:rPr lang="ja-JP" altLang="ja-JP" dirty="0" smtClean="0"/>
-              <a:t>距離と正解ラベル，そして，処理にかかった時間を計測することで，検索精度と計算時間について調査する．</a:t>
-            </a:r>
-            <a:endParaRPr lang="ja-JP" altLang="ja-JP" dirty="0"/>
           </a:p>
         </p:txBody>
       </p:sp>
@@ -4465,7 +4667,7 @@
           <a:p>
             <a:fld id="{F97256E2-A65E-4B77-B264-911586924883}" type="datetime1">
               <a:rPr kumimoji="1" lang="ja-JP" altLang="en-US" smtClean="0"/>
-              <a:t>2022/1/10</a:t>
+              <a:t>2022/1/19</a:t>
             </a:fld>
             <a:endParaRPr kumimoji="1" lang="ja-JP" altLang="en-US"/>
           </a:p>
@@ -4667,7 +4869,7 @@
           <a:p>
             <a:fld id="{7D14B865-5DC8-45B1-AA67-F8656352C909}" type="datetime1">
               <a:rPr kumimoji="1" lang="ja-JP" altLang="en-US" smtClean="0"/>
-              <a:t>2022/1/10</a:t>
+              <a:t>2022/1/19</a:t>
             </a:fld>
             <a:endParaRPr kumimoji="1" lang="ja-JP" altLang="en-US"/>
           </a:p>
@@ -4879,7 +5081,7 @@
           <a:p>
             <a:fld id="{02A15EFD-2DFF-458B-A902-73BF4EFB1164}" type="datetime1">
               <a:rPr kumimoji="1" lang="ja-JP" altLang="en-US" smtClean="0"/>
-              <a:t>2022/1/10</a:t>
+              <a:t>2022/1/19</a:t>
             </a:fld>
             <a:endParaRPr kumimoji="1" lang="ja-JP" altLang="en-US"/>
           </a:p>
@@ -5081,7 +5283,7 @@
           <a:p>
             <a:fld id="{9EBF459C-F29A-4B20-A8B3-856EFF20B301}" type="datetime1">
               <a:rPr kumimoji="1" lang="ja-JP" altLang="en-US" smtClean="0"/>
-              <a:t>2022/1/10</a:t>
+              <a:t>2022/1/19</a:t>
             </a:fld>
             <a:endParaRPr kumimoji="1" lang="ja-JP" altLang="en-US"/>
           </a:p>
@@ -5325,7 +5527,7 @@
           <a:p>
             <a:fld id="{E2F1D19E-D3ED-426D-8C0C-A7E859C70D82}" type="datetime1">
               <a:rPr kumimoji="1" lang="ja-JP" altLang="en-US" smtClean="0"/>
-              <a:t>2022/1/10</a:t>
+              <a:t>2022/1/19</a:t>
             </a:fld>
             <a:endParaRPr kumimoji="1" lang="ja-JP" altLang="en-US"/>
           </a:p>
@@ -5621,7 +5823,7 @@
           <a:p>
             <a:fld id="{AC85B4AF-0CA0-4CE4-B5F2-9615981BDB42}" type="datetime1">
               <a:rPr kumimoji="1" lang="ja-JP" altLang="en-US" smtClean="0"/>
-              <a:t>2022/1/10</a:t>
+              <a:t>2022/1/19</a:t>
             </a:fld>
             <a:endParaRPr kumimoji="1" lang="ja-JP" altLang="en-US"/>
           </a:p>
@@ -6052,7 +6254,7 @@
           <a:p>
             <a:fld id="{41CEF983-C0A5-4267-8E2C-E552BBDE4CE2}" type="datetime1">
               <a:rPr kumimoji="1" lang="ja-JP" altLang="en-US" smtClean="0"/>
-              <a:t>2022/1/10</a:t>
+              <a:t>2022/1/19</a:t>
             </a:fld>
             <a:endParaRPr kumimoji="1" lang="ja-JP" altLang="en-US"/>
           </a:p>
@@ -6170,7 +6372,7 @@
           <a:p>
             <a:fld id="{88BDB93D-AD42-430C-B431-09BCC7ABE956}" type="datetime1">
               <a:rPr kumimoji="1" lang="ja-JP" altLang="en-US" smtClean="0"/>
-              <a:t>2022/1/10</a:t>
+              <a:t>2022/1/19</a:t>
             </a:fld>
             <a:endParaRPr kumimoji="1" lang="ja-JP" altLang="en-US"/>
           </a:p>
@@ -6265,7 +6467,7 @@
           <a:p>
             <a:fld id="{D271579B-5523-45D2-8886-921D1D44EEED}" type="datetime1">
               <a:rPr kumimoji="1" lang="ja-JP" altLang="en-US" smtClean="0"/>
-              <a:t>2022/1/10</a:t>
+              <a:t>2022/1/19</a:t>
             </a:fld>
             <a:endParaRPr kumimoji="1" lang="ja-JP" altLang="en-US"/>
           </a:p>
@@ -6574,7 +6776,7 @@
           <a:p>
             <a:fld id="{0E7742D9-CD6D-4362-A175-904BAA441680}" type="datetime1">
               <a:rPr kumimoji="1" lang="ja-JP" altLang="en-US" smtClean="0"/>
-              <a:t>2022/1/10</a:t>
+              <a:t>2022/1/19</a:t>
             </a:fld>
             <a:endParaRPr kumimoji="1" lang="ja-JP" altLang="en-US"/>
           </a:p>
@@ -6831,7 +7033,7 @@
           <a:p>
             <a:fld id="{81F08DD8-F1CF-472A-B406-5FCD361CD16E}" type="datetime1">
               <a:rPr kumimoji="1" lang="ja-JP" altLang="en-US" smtClean="0"/>
-              <a:t>2022/1/10</a:t>
+              <a:t>2022/1/19</a:t>
             </a:fld>
             <a:endParaRPr kumimoji="1" lang="ja-JP" altLang="en-US"/>
           </a:p>
@@ -7076,7 +7278,7 @@
           <a:p>
             <a:fld id="{12578FE9-280D-4954-B807-C67AC8024AE2}" type="datetime1">
               <a:rPr kumimoji="1" lang="ja-JP" altLang="en-US" smtClean="0"/>
-              <a:t>2022/1/10</a:t>
+              <a:t>2022/1/19</a:t>
             </a:fld>
             <a:endParaRPr kumimoji="1" lang="ja-JP" altLang="en-US"/>
           </a:p>
@@ -7555,15 +7757,27 @@
           <a:lstStyle/>
           <a:p>
             <a:r>
-              <a:rPr kumimoji="1" lang="en-US" altLang="ja-JP" dirty="0" smtClean="0"/>
-              <a:t>2022/1/17</a:t>
+              <a:rPr lang="ja-JP" altLang="en-US" dirty="0"/>
+              <a:t>学籍</a:t>
+            </a:r>
+            <a:r>
+              <a:rPr lang="ja-JP" altLang="en-US" dirty="0" smtClean="0"/>
+              <a:t>番号：</a:t>
+            </a:r>
+            <a:r>
+              <a:rPr lang="en-US" altLang="ja-JP" dirty="0" smtClean="0"/>
+              <a:t>1821005</a:t>
             </a:r>
             <a:endParaRPr kumimoji="1" lang="en-US" altLang="ja-JP" dirty="0" smtClean="0"/>
           </a:p>
           <a:p>
             <a:r>
               <a:rPr lang="ja-JP" altLang="en-US" dirty="0" smtClean="0"/>
-              <a:t>吉岡　拓郎</a:t>
+              <a:t>氏名：吉岡</a:t>
+            </a:r>
+            <a:r>
+              <a:rPr lang="ja-JP" altLang="en-US" dirty="0" smtClean="0"/>
+              <a:t>　拓郎</a:t>
             </a:r>
             <a:endParaRPr lang="en-US" altLang="ja-JP" dirty="0" smtClean="0"/>
           </a:p>
@@ -7735,16 +7949,32 @@
           <a:lstStyle/>
           <a:p>
             <a:r>
+              <a:rPr lang="ja-JP" altLang="en-US" sz="2400" dirty="0" smtClean="0">
+                <a:solidFill>
+                  <a:srgbClr val="FF0000"/>
+                </a:solidFill>
+              </a:rPr>
+              <a:t>次元数</a:t>
+            </a:r>
+            <a:r>
+              <a:rPr lang="en-US" altLang="ja-JP" sz="2400" dirty="0" smtClean="0">
+                <a:solidFill>
+                  <a:srgbClr val="FF0000"/>
+                </a:solidFill>
+              </a:rPr>
+              <a:t>8192</a:t>
+            </a:r>
+            <a:r>
+              <a:rPr lang="ja-JP" altLang="en-US" sz="2400" dirty="0" smtClean="0">
+                <a:solidFill>
+                  <a:srgbClr val="FF0000"/>
+                </a:solidFill>
+              </a:rPr>
+              <a:t>が最も良い正答率となった．</a:t>
+            </a:r>
+            <a:r>
               <a:rPr lang="ja-JP" altLang="en-US" sz="2400" dirty="0" smtClean="0"/>
-              <a:t>次元数</a:t>
-            </a:r>
-            <a:r>
-              <a:rPr lang="en-US" altLang="ja-JP" sz="2400" dirty="0" smtClean="0"/>
-              <a:t>8192</a:t>
-            </a:r>
-            <a:r>
-              <a:rPr lang="ja-JP" altLang="en-US" sz="2400" dirty="0" smtClean="0"/>
-              <a:t>が最も良い正答率となった．計算時間は，次元数が増えるごとに時間がかかることが確認できた．</a:t>
+              <a:t>計算時間は，次元数が増えるごとに時間がかかることが確認できた．</a:t>
             </a:r>
             <a:endParaRPr kumimoji="1" lang="en-US" altLang="ja-JP" sz="2400" dirty="0" smtClean="0"/>
           </a:p>
@@ -7836,79 +8066,103 @@
           <a:bodyPr/>
           <a:lstStyle/>
           <a:p>
+            <a:pPr>
+              <a:lnSpc>
+                <a:spcPct val="100000"/>
+              </a:lnSpc>
+            </a:pPr>
+            <a:r>
+              <a:rPr lang="ja-JP" altLang="en-US" dirty="0" smtClean="0"/>
+              <a:t>各</a:t>
+            </a:r>
             <a:r>
               <a:rPr lang="ja-JP" altLang="ja-JP" dirty="0" smtClean="0"/>
-              <a:t>類似度</a:t>
+              <a:t>ラベル</a:t>
+            </a:r>
+            <a:r>
+              <a:rPr lang="ja-JP" altLang="en-US" dirty="0" smtClean="0"/>
+              <a:t>の正答率に差があるか，また，</a:t>
+            </a:r>
+            <a:r>
+              <a:rPr lang="ja-JP" altLang="ja-JP" dirty="0" smtClean="0"/>
+              <a:t>次元数</a:t>
+            </a:r>
+            <a:r>
+              <a:rPr lang="ja-JP" altLang="en-US" dirty="0" smtClean="0"/>
+              <a:t>を変更したことによる</a:t>
+            </a:r>
+            <a:r>
+              <a:rPr lang="ja-JP" altLang="ja-JP" dirty="0" smtClean="0"/>
+              <a:t>影響</a:t>
             </a:r>
             <a:r>
               <a:rPr lang="ja-JP" altLang="ja-JP" dirty="0"/>
-              <a:t>の高いとされた上位</a:t>
-            </a:r>
-            <a:r>
-              <a:rPr lang="en-US" altLang="ja-JP" dirty="0"/>
-              <a:t>20</a:t>
+              <a:t>を</a:t>
+            </a:r>
+            <a:r>
+              <a:rPr lang="ja-JP" altLang="ja-JP" dirty="0" smtClean="0"/>
+              <a:t>受けて</a:t>
+            </a:r>
+            <a:r>
+              <a:rPr lang="ja-JP" altLang="en-US" dirty="0"/>
+              <a:t>いるの</a:t>
+            </a:r>
+            <a:r>
+              <a:rPr lang="ja-JP" altLang="en-US" dirty="0" smtClean="0"/>
+              <a:t>か．</a:t>
+            </a:r>
+            <a:endParaRPr lang="en-US" altLang="ja-JP" dirty="0" smtClean="0"/>
+          </a:p>
+          <a:p>
+            <a:pPr>
+              <a:lnSpc>
+                <a:spcPct val="100000"/>
+              </a:lnSpc>
+            </a:pPr>
+            <a:endParaRPr lang="en-US" altLang="ja-JP" dirty="0" smtClean="0"/>
+          </a:p>
+          <a:p>
+            <a:pPr>
+              <a:lnSpc>
+                <a:spcPct val="100000"/>
+              </a:lnSpc>
+            </a:pPr>
+            <a:r>
+              <a:rPr lang="ja-JP" altLang="ja-JP" dirty="0" smtClean="0"/>
+              <a:t>検索</a:t>
             </a:r>
             <a:r>
               <a:rPr lang="ja-JP" altLang="ja-JP" dirty="0"/>
-              <a:t>件の画像を</a:t>
+              <a:t>結果</a:t>
             </a:r>
             <a:r>
               <a:rPr lang="ja-JP" altLang="ja-JP" dirty="0" smtClean="0"/>
-              <a:t>表示</a:t>
+              <a:t>の</a:t>
+            </a:r>
+            <a:r>
+              <a:rPr lang="ja-JP" altLang="en-US" dirty="0"/>
+              <a:t>上位</a:t>
             </a:r>
             <a:r>
               <a:rPr lang="ja-JP" altLang="en-US" dirty="0" smtClean="0"/>
-              <a:t>し，</a:t>
+              <a:t>に表示された</a:t>
             </a:r>
             <a:r>
               <a:rPr lang="ja-JP" altLang="ja-JP" dirty="0" smtClean="0"/>
-              <a:t>視覚的</a:t>
+              <a:t>画像</a:t>
             </a:r>
             <a:r>
               <a:rPr lang="ja-JP" altLang="ja-JP" dirty="0"/>
-              <a:t>な特徴に類似している点があるかを</a:t>
+              <a:t>の共通点を調査</a:t>
             </a:r>
             <a:r>
               <a:rPr lang="ja-JP" altLang="ja-JP" dirty="0" smtClean="0"/>
-              <a:t>評価</a:t>
+              <a:t>する</a:t>
             </a:r>
             <a:r>
               <a:rPr lang="ja-JP" altLang="en-US" dirty="0"/>
-              <a:t>した</a:t>
-            </a:r>
-            <a:r>
-              <a:rPr lang="ja-JP" altLang="ja-JP" dirty="0" smtClean="0"/>
               <a:t>．</a:t>
             </a:r>
-            <a:endParaRPr lang="en-US" altLang="ja-JP" dirty="0" smtClean="0"/>
-          </a:p>
-          <a:p>
-            <a:endParaRPr lang="en-US" altLang="ja-JP" dirty="0" smtClean="0"/>
-          </a:p>
-          <a:p>
-            <a:r>
-              <a:rPr lang="ja-JP" altLang="ja-JP" dirty="0" smtClean="0"/>
-              <a:t>その</a:t>
-            </a:r>
-            <a:r>
-              <a:rPr lang="ja-JP" altLang="ja-JP" dirty="0"/>
-              <a:t>過程で，ラベルによって検索精度に大きく違いが出ていることが確認できたので，各ラベルの正答回数についても</a:t>
-            </a:r>
-            <a:r>
-              <a:rPr lang="ja-JP" altLang="ja-JP" dirty="0" smtClean="0"/>
-              <a:t>確認</a:t>
-            </a:r>
-            <a:r>
-              <a:rPr lang="ja-JP" altLang="en-US" dirty="0"/>
-              <a:t>する</a:t>
-            </a:r>
-            <a:r>
-              <a:rPr lang="ja-JP" altLang="ja-JP" dirty="0" smtClean="0"/>
-              <a:t>．</a:t>
-            </a:r>
-            <a:endParaRPr lang="ja-JP" altLang="ja-JP" dirty="0"/>
-          </a:p>
-          <a:p>
             <a:endParaRPr kumimoji="1" lang="ja-JP" altLang="en-US" dirty="0"/>
           </a:p>
         </p:txBody>
@@ -7939,20 +8193,13 @@
     </p:spTree>
     <p:extLst>
       <p:ext uri="{BB962C8B-B14F-4D97-AF65-F5344CB8AC3E}">
-        <p14:creationId xmlns:p14="http://schemas.microsoft.com/office/powerpoint/2010/main" val="1736419882"/>
+        <p14:creationId xmlns:p14="http://schemas.microsoft.com/office/powerpoint/2010/main" val="2359462002"/>
       </p:ext>
     </p:extLst>
   </p:cSld>
   <p:clrMapOvr>
     <a:masterClrMapping/>
   </p:clrMapOvr>
-  <p:timing>
-    <p:tnLst>
-      <p:par>
-        <p:cTn id="1" dur="indefinite" restart="never" nodeType="tmRoot"/>
-      </p:par>
-    </p:tnLst>
-  </p:timing>
 </p:sld>
 </file>
 
@@ -8235,16 +8482,32 @@
           </a:p>
           <a:p>
             <a:r>
+              <a:rPr lang="ja-JP" altLang="en-US" sz="2400" dirty="0" smtClean="0">
+                <a:solidFill>
+                  <a:srgbClr val="FF0000"/>
+                </a:solidFill>
+              </a:rPr>
+              <a:t>１「</a:t>
+            </a:r>
+            <a:r>
+              <a:rPr lang="ja-JP" altLang="en-US" sz="2400" dirty="0">
+                <a:solidFill>
+                  <a:srgbClr val="FF0000"/>
+                </a:solidFill>
+              </a:rPr>
+              <a:t>車</a:t>
+            </a:r>
+            <a:r>
+              <a:rPr lang="ja-JP" altLang="en-US" sz="2400" dirty="0" smtClean="0">
+                <a:solidFill>
+                  <a:srgbClr val="FF0000"/>
+                </a:solidFill>
+              </a:rPr>
+              <a:t>」が最も良い結果</a:t>
+            </a:r>
+            <a:r>
               <a:rPr lang="ja-JP" altLang="en-US" sz="2400" dirty="0" smtClean="0"/>
-              <a:t>１「</a:t>
-            </a:r>
-            <a:r>
-              <a:rPr lang="ja-JP" altLang="en-US" sz="2400" dirty="0"/>
-              <a:t>車</a:t>
-            </a:r>
-            <a:r>
-              <a:rPr lang="ja-JP" altLang="en-US" sz="2400" dirty="0" smtClean="0"/>
-              <a:t>」が最も良い結果となっている．</a:t>
+              <a:t>となっている．</a:t>
             </a:r>
             <a:endParaRPr kumimoji="1" lang="ja-JP" altLang="en-US" sz="2400" dirty="0"/>
           </a:p>
@@ -9547,9 +9810,10 @@
           <a:lstStyle/>
           <a:p>
             <a:r>
-              <a:rPr kumimoji="1" lang="ja-JP" altLang="en-US" dirty="0"/>
-              <a:t>関連研究</a:t>
-            </a:r>
+              <a:rPr kumimoji="1" lang="ja-JP" altLang="en-US" dirty="0" smtClean="0"/>
+              <a:t>研究背景</a:t>
+            </a:r>
+            <a:endParaRPr kumimoji="1" lang="ja-JP" altLang="en-US" dirty="0"/>
           </a:p>
         </p:txBody>
       </p:sp>
@@ -9566,235 +9830,83 @@
         <p:spPr/>
         <p:txBody>
           <a:bodyPr>
-            <a:normAutofit/>
+            <a:normAutofit fontScale="92500" lnSpcReduction="20000"/>
           </a:bodyPr>
           <a:lstStyle/>
           <a:p>
-            <a:r>
-              <a:rPr kumimoji="1" lang="en-US" altLang="ja-JP" sz="1800" dirty="0" err="1" smtClean="0">
-                <a:latin typeface="+mj-ea"/>
-                <a:ea typeface="+mj-ea"/>
-              </a:rPr>
-              <a:t>AlexNet</a:t>
-            </a:r>
-            <a:endParaRPr kumimoji="1" lang="en-US" altLang="ja-JP" sz="1800" dirty="0" smtClean="0">
-              <a:latin typeface="+mj-ea"/>
-              <a:ea typeface="+mj-ea"/>
-            </a:endParaRPr>
-          </a:p>
-          <a:p>
-            <a:pPr marL="0" indent="0">
-              <a:buNone/>
+            <a:pPr algn="just">
+              <a:lnSpc>
+                <a:spcPct val="110000"/>
+              </a:lnSpc>
             </a:pPr>
             <a:r>
-              <a:rPr lang="ja-JP" altLang="en-US" sz="1800" dirty="0" smtClean="0">
-                <a:latin typeface="+mj-ea"/>
-                <a:ea typeface="+mj-ea"/>
-              </a:rPr>
-              <a:t>　</a:t>
-            </a:r>
-            <a:r>
-              <a:rPr lang="en-US" altLang="ja-JP" sz="1800" dirty="0" smtClean="0">
-                <a:latin typeface="+mj-ea"/>
-                <a:ea typeface="+mj-ea"/>
-              </a:rPr>
-              <a:t>[2012Alex]</a:t>
-            </a:r>
-            <a:endParaRPr lang="en-US" altLang="ja-JP" sz="1800" dirty="0">
-              <a:latin typeface="+mj-ea"/>
-              <a:ea typeface="+mj-ea"/>
-            </a:endParaRPr>
-          </a:p>
-          <a:p>
-            <a:r>
-              <a:rPr lang="ja-JP" altLang="en-US" sz="1800" dirty="0">
-                <a:latin typeface="+mj-ea"/>
-                <a:ea typeface="+mj-ea"/>
-              </a:rPr>
-              <a:t>特徴</a:t>
-            </a:r>
-            <a:r>
-              <a:rPr lang="ja-JP" altLang="en-US" sz="1800" dirty="0" smtClean="0">
-                <a:latin typeface="+mj-ea"/>
-                <a:ea typeface="+mj-ea"/>
-              </a:rPr>
-              <a:t>ベクトル抽出</a:t>
-            </a:r>
-            <a:endParaRPr lang="en-US" altLang="ja-JP" sz="1800" dirty="0" smtClean="0">
-              <a:latin typeface="+mj-ea"/>
-              <a:ea typeface="+mj-ea"/>
-            </a:endParaRPr>
-          </a:p>
-          <a:p>
-            <a:pPr marL="0" indent="0">
-              <a:buNone/>
+              <a:rPr lang="ja-JP" altLang="en-US" dirty="0"/>
+              <a:t>ソーシャルネットワークサービス</a:t>
+            </a:r>
+            <a:r>
+              <a:rPr lang="ja-JP" altLang="en-US" dirty="0" smtClean="0"/>
+              <a:t>に</a:t>
+            </a:r>
+            <a:r>
+              <a:rPr lang="ja-JP" altLang="en-US" dirty="0"/>
+              <a:t>おいて写真や画像の投稿が盛んになっており，大量の写真や画像が蓄積されている</a:t>
+            </a:r>
+            <a:r>
+              <a:rPr lang="ja-JP" altLang="en-US" dirty="0" smtClean="0"/>
+              <a:t>．</a:t>
+            </a:r>
+            <a:endParaRPr lang="en-US" altLang="ja-JP" dirty="0" smtClean="0"/>
+          </a:p>
+          <a:p>
+            <a:pPr algn="just">
+              <a:lnSpc>
+                <a:spcPct val="110000"/>
+              </a:lnSpc>
             </a:pPr>
-            <a:r>
-              <a:rPr lang="ja-JP" altLang="en-US" sz="1800" dirty="0">
-                <a:latin typeface="+mj-ea"/>
-                <a:ea typeface="+mj-ea"/>
-              </a:rPr>
-              <a:t>　</a:t>
-            </a:r>
-            <a:r>
-              <a:rPr lang="en-US" altLang="ja-JP" sz="1800" dirty="0" smtClean="0">
-                <a:latin typeface="+mj-ea"/>
-                <a:ea typeface="+mj-ea"/>
-              </a:rPr>
-              <a:t>[2015</a:t>
-            </a:r>
-            <a:r>
-              <a:rPr lang="ja-JP" altLang="en-US" sz="1800" dirty="0" smtClean="0">
-                <a:latin typeface="+mj-ea"/>
-                <a:ea typeface="+mj-ea"/>
-              </a:rPr>
-              <a:t>中山</a:t>
-            </a:r>
-            <a:r>
-              <a:rPr lang="en-US" altLang="ja-JP" sz="1800" dirty="0" smtClean="0">
-                <a:latin typeface="+mj-ea"/>
-                <a:ea typeface="+mj-ea"/>
-              </a:rPr>
-              <a:t>]</a:t>
-            </a:r>
-            <a:endParaRPr kumimoji="1" lang="en-US" altLang="ja-JP" sz="1800" dirty="0">
-              <a:latin typeface="+mj-ea"/>
-              <a:ea typeface="+mj-ea"/>
-            </a:endParaRPr>
-          </a:p>
-          <a:p>
-            <a:r>
-              <a:rPr lang="ja-JP" altLang="en-US" sz="1800" dirty="0" smtClean="0">
-                <a:latin typeface="+mj-ea"/>
-                <a:ea typeface="+mj-ea"/>
-              </a:rPr>
-              <a:t>特徴ベクトルの距離の測り方</a:t>
-            </a:r>
-            <a:endParaRPr lang="en-US" altLang="ja-JP" sz="1800" dirty="0" smtClean="0">
-              <a:latin typeface="+mj-ea"/>
-              <a:ea typeface="+mj-ea"/>
-            </a:endParaRPr>
-          </a:p>
-          <a:p>
-            <a:pPr marL="0" indent="0">
-              <a:buNone/>
+            <a:endParaRPr lang="en-US" altLang="ja-JP" dirty="0"/>
+          </a:p>
+          <a:p>
+            <a:pPr algn="just">
+              <a:lnSpc>
+                <a:spcPct val="110000"/>
+              </a:lnSpc>
             </a:pPr>
             <a:r>
-              <a:rPr lang="ja-JP" altLang="en-US" sz="1800" dirty="0">
-                <a:latin typeface="+mj-ea"/>
-                <a:ea typeface="+mj-ea"/>
-              </a:rPr>
-              <a:t>　</a:t>
-            </a:r>
-            <a:r>
-              <a:rPr lang="en-US" altLang="ja-JP" sz="1800" dirty="0" smtClean="0">
-                <a:latin typeface="+mj-ea"/>
-                <a:ea typeface="+mj-ea"/>
-              </a:rPr>
-              <a:t>[2012Alex]</a:t>
-            </a:r>
-            <a:r>
-              <a:rPr lang="ja-JP" altLang="en-US" sz="1800" dirty="0" err="1" smtClean="0">
-                <a:latin typeface="+mj-ea"/>
-                <a:ea typeface="+mj-ea"/>
-              </a:rPr>
-              <a:t>，</a:t>
-            </a:r>
-            <a:r>
-              <a:rPr lang="en-US" altLang="ja-JP" sz="1800" dirty="0" smtClean="0">
-                <a:latin typeface="+mj-ea"/>
-                <a:ea typeface="+mj-ea"/>
-              </a:rPr>
-              <a:t>[2018</a:t>
-            </a:r>
-            <a:r>
-              <a:rPr lang="ja-JP" altLang="en-US" sz="1800" dirty="0" smtClean="0">
-                <a:latin typeface="+mj-ea"/>
-                <a:ea typeface="+mj-ea"/>
-              </a:rPr>
-              <a:t>鬼塚</a:t>
-            </a:r>
-            <a:r>
-              <a:rPr lang="en-US" altLang="ja-JP" sz="1800" dirty="0" smtClean="0">
-                <a:latin typeface="+mj-ea"/>
-                <a:ea typeface="+mj-ea"/>
-              </a:rPr>
-              <a:t>]</a:t>
-            </a:r>
-            <a:endParaRPr kumimoji="1" lang="en-US" altLang="ja-JP" sz="1800" dirty="0">
-              <a:latin typeface="+mj-ea"/>
-              <a:ea typeface="+mj-ea"/>
-            </a:endParaRPr>
-          </a:p>
-          <a:p>
-            <a:r>
-              <a:rPr lang="ja-JP" altLang="en-US" sz="1800" dirty="0" smtClean="0">
-                <a:latin typeface="+mj-ea"/>
-                <a:ea typeface="+mj-ea"/>
-              </a:rPr>
-              <a:t>次元の呪いに</a:t>
-            </a:r>
-            <a:r>
-              <a:rPr lang="ja-JP" altLang="en-US" sz="1800" dirty="0">
-                <a:latin typeface="+mj-ea"/>
-                <a:ea typeface="+mj-ea"/>
-              </a:rPr>
-              <a:t>関した</a:t>
-            </a:r>
-            <a:r>
-              <a:rPr lang="ja-JP" altLang="en-US" sz="1800" dirty="0" smtClean="0">
-                <a:latin typeface="+mj-ea"/>
-                <a:ea typeface="+mj-ea"/>
-              </a:rPr>
-              <a:t>研究</a:t>
-            </a:r>
-            <a:endParaRPr lang="en-US" altLang="ja-JP" sz="1800" dirty="0" smtClean="0">
-              <a:latin typeface="+mj-ea"/>
-              <a:ea typeface="+mj-ea"/>
-            </a:endParaRPr>
-          </a:p>
-          <a:p>
-            <a:pPr marL="0" indent="0">
-              <a:buNone/>
+              <a:rPr lang="ja-JP" altLang="en-US" dirty="0"/>
+              <a:t>ユーザが目的の写真や画像にアクセスする手段として，画像検索機能の重要性が増している</a:t>
+            </a:r>
+            <a:r>
+              <a:rPr lang="ja-JP" altLang="en-US" dirty="0" smtClean="0"/>
+              <a:t>．</a:t>
+            </a:r>
+            <a:endParaRPr lang="en-US" altLang="ja-JP" dirty="0" smtClean="0"/>
+          </a:p>
+          <a:p>
+            <a:pPr algn="just">
+              <a:lnSpc>
+                <a:spcPct val="110000"/>
+              </a:lnSpc>
             </a:pPr>
-            <a:r>
-              <a:rPr lang="ja-JP" altLang="en-US" sz="1800" dirty="0">
-                <a:latin typeface="+mj-ea"/>
-                <a:ea typeface="+mj-ea"/>
-              </a:rPr>
-              <a:t>　</a:t>
-            </a:r>
-            <a:r>
-              <a:rPr lang="en-US" altLang="ja-JP" sz="1800" dirty="0" smtClean="0">
-                <a:latin typeface="+mj-ea"/>
-                <a:ea typeface="+mj-ea"/>
-              </a:rPr>
-              <a:t>[2020</a:t>
-            </a:r>
-            <a:r>
-              <a:rPr lang="ja-JP" altLang="en-US" sz="1800" dirty="0" smtClean="0">
-                <a:latin typeface="+mj-ea"/>
-                <a:ea typeface="+mj-ea"/>
-              </a:rPr>
-              <a:t>高橋</a:t>
-            </a:r>
-            <a:r>
-              <a:rPr lang="en-US" altLang="ja-JP" sz="1800" dirty="0" smtClean="0">
-                <a:latin typeface="+mj-ea"/>
-                <a:ea typeface="+mj-ea"/>
-              </a:rPr>
-              <a:t>]</a:t>
-            </a:r>
-            <a:endParaRPr kumimoji="1" lang="en-US" altLang="ja-JP" sz="1800" dirty="0">
-              <a:latin typeface="+mj-ea"/>
-              <a:ea typeface="+mj-ea"/>
-            </a:endParaRPr>
-          </a:p>
-          <a:p>
-            <a:endParaRPr kumimoji="1" lang="ja-JP" altLang="en-US" sz="1800" dirty="0">
-              <a:latin typeface="+mj-ea"/>
-              <a:ea typeface="+mj-ea"/>
-            </a:endParaRPr>
+            <a:endParaRPr lang="en-US" altLang="ja-JP" dirty="0"/>
+          </a:p>
+          <a:p>
+            <a:pPr algn="just">
+              <a:lnSpc>
+                <a:spcPct val="110000"/>
+              </a:lnSpc>
+            </a:pPr>
+            <a:r>
+              <a:rPr lang="en-US" altLang="ja-JP" dirty="0"/>
+              <a:t>CNN (Convolutional Neural Network)</a:t>
+            </a:r>
+            <a:r>
+              <a:rPr lang="ja-JP" altLang="en-US" dirty="0" smtClean="0"/>
+              <a:t>の登場により，画像検索機能は向上し，深層学習モデルの中間層から抽出できる特徴が注目されている．</a:t>
+            </a:r>
+            <a:endParaRPr lang="en-US" altLang="ja-JP" dirty="0"/>
+          </a:p>
+          <a:p>
+            <a:endParaRPr kumimoji="1" lang="ja-JP" altLang="en-US" dirty="0"/>
           </a:p>
         </p:txBody>
       </p:sp>
@@ -9813,32 +9925,24 @@
           <a:bodyPr/>
           <a:lstStyle/>
           <a:p>
-            <a:fld id="{B4451160-128F-4DAD-AE29-4A8CC0E7B9E9}" type="slidenum">
-              <a:rPr kumimoji="1" lang="ja-JP" altLang="en-US" sz="3200" smtClean="0"/>
+            <a:fld id="{768BF403-63E9-4BE6-AA0B-408C483EA9DC}" type="slidenum">
+              <a:rPr kumimoji="1" lang="ja-JP" altLang="en-US" smtClean="0"/>
               <a:t>2</a:t>
             </a:fld>
-            <a:endParaRPr kumimoji="1" lang="ja-JP" altLang="en-US" sz="3200" dirty="0"/>
+            <a:endParaRPr kumimoji="1" lang="ja-JP" altLang="en-US"/>
           </a:p>
         </p:txBody>
       </p:sp>
     </p:spTree>
     <p:extLst>
       <p:ext uri="{BB962C8B-B14F-4D97-AF65-F5344CB8AC3E}">
-        <p14:creationId xmlns:p14="http://schemas.microsoft.com/office/powerpoint/2010/main" val="524967261"/>
+        <p14:creationId xmlns:p14="http://schemas.microsoft.com/office/powerpoint/2010/main" val="204676938"/>
       </p:ext>
     </p:extLst>
   </p:cSld>
   <p:clrMapOvr>
     <a:masterClrMapping/>
   </p:clrMapOvr>
-  <mc:AlternateContent xmlns:mc="http://schemas.openxmlformats.org/markup-compatibility/2006">
-    <mc:Choice xmlns:p14="http://schemas.microsoft.com/office/powerpoint/2010/main" Requires="p14">
-      <p:transition spd="slow" p14:dur="2000"/>
-    </mc:Choice>
-    <mc:Fallback>
-      <p:transition spd="slow"/>
-    </mc:Fallback>
-  </mc:AlternateContent>
   <p:timing>
     <p:tnLst>
       <p:par>
@@ -10029,7 +10133,7 @@
           <p:nvPr/>
         </p:nvPicPr>
         <p:blipFill>
-          <a:blip r:embed="rId3"/>
+          <a:blip r:embed="rId2"/>
           <a:stretch>
             <a:fillRect/>
           </a:stretch>
@@ -10053,7 +10157,7 @@
           <p:nvPr/>
         </p:nvPicPr>
         <p:blipFill>
-          <a:blip r:embed="rId4"/>
+          <a:blip r:embed="rId3"/>
           <a:stretch>
             <a:fillRect/>
           </a:stretch>
@@ -10516,38 +10620,104 @@
           <a:p>
             <a:r>
               <a:rPr kumimoji="1" lang="ja-JP" altLang="en-US" dirty="0" smtClean="0"/>
-              <a:t>作成したモデル</a:t>
+              <a:t>実験</a:t>
+            </a:r>
+            <a:r>
+              <a:rPr kumimoji="1" lang="en-US" altLang="ja-JP" dirty="0" smtClean="0"/>
+              <a:t>2</a:t>
+            </a:r>
+            <a:r>
+              <a:rPr kumimoji="1" lang="ja-JP" altLang="en-US" dirty="0" smtClean="0"/>
+              <a:t>目的</a:t>
             </a:r>
             <a:endParaRPr kumimoji="1" lang="ja-JP" altLang="en-US" dirty="0"/>
           </a:p>
         </p:txBody>
       </p:sp>
-      <p:pic>
-        <p:nvPicPr>
-          <p:cNvPr id="5" name="コンテンツ プレースホルダー 4"/>
-          <p:cNvPicPr>
-            <a:picLocks noGrp="1" noChangeAspect="1"/>
-          </p:cNvPicPr>
+      <p:sp>
+        <p:nvSpPr>
+          <p:cNvPr id="3" name="コンテンツ プレースホルダー 2"/>
+          <p:cNvSpPr>
+            <a:spLocks noGrp="1"/>
+          </p:cNvSpPr>
           <p:nvPr>
             <p:ph idx="1"/>
           </p:nvPr>
-        </p:nvPicPr>
-        <p:blipFill>
-          <a:blip r:embed="rId2"/>
-          <a:stretch>
-            <a:fillRect/>
-          </a:stretch>
-        </p:blipFill>
-        <p:spPr>
-          <a:xfrm>
-            <a:off x="-39949" y="2076995"/>
-            <a:ext cx="8739812" cy="3114472"/>
-          </a:xfrm>
-          <a:prstGeom prst="rect">
-            <a:avLst/>
-          </a:prstGeom>
-        </p:spPr>
-      </p:pic>
+        </p:nvSpPr>
+        <p:spPr/>
+        <p:txBody>
+          <a:bodyPr/>
+          <a:lstStyle/>
+          <a:p>
+            <a:r>
+              <a:rPr lang="ja-JP" altLang="ja-JP" dirty="0" smtClean="0"/>
+              <a:t>類似度</a:t>
+            </a:r>
+            <a:r>
+              <a:rPr lang="ja-JP" altLang="ja-JP" dirty="0"/>
+              <a:t>の高いとされた上位</a:t>
+            </a:r>
+            <a:r>
+              <a:rPr lang="en-US" altLang="ja-JP" dirty="0"/>
+              <a:t>20</a:t>
+            </a:r>
+            <a:r>
+              <a:rPr lang="ja-JP" altLang="ja-JP" dirty="0"/>
+              <a:t>件の画像を</a:t>
+            </a:r>
+            <a:r>
+              <a:rPr lang="ja-JP" altLang="ja-JP" dirty="0" smtClean="0"/>
+              <a:t>表示</a:t>
+            </a:r>
+            <a:r>
+              <a:rPr lang="ja-JP" altLang="en-US" dirty="0" smtClean="0"/>
+              <a:t>し，</a:t>
+            </a:r>
+            <a:r>
+              <a:rPr lang="ja-JP" altLang="ja-JP" dirty="0" smtClean="0"/>
+              <a:t>視覚的</a:t>
+            </a:r>
+            <a:r>
+              <a:rPr lang="ja-JP" altLang="ja-JP" dirty="0"/>
+              <a:t>な特徴に類似している点があるかを</a:t>
+            </a:r>
+            <a:r>
+              <a:rPr lang="ja-JP" altLang="ja-JP" dirty="0" smtClean="0"/>
+              <a:t>評価</a:t>
+            </a:r>
+            <a:r>
+              <a:rPr lang="ja-JP" altLang="en-US" dirty="0"/>
+              <a:t>した</a:t>
+            </a:r>
+            <a:r>
+              <a:rPr lang="ja-JP" altLang="ja-JP" dirty="0" smtClean="0"/>
+              <a:t>．</a:t>
+            </a:r>
+            <a:endParaRPr lang="en-US" altLang="ja-JP" dirty="0" smtClean="0"/>
+          </a:p>
+          <a:p>
+            <a:endParaRPr lang="en-US" altLang="ja-JP" dirty="0" smtClean="0"/>
+          </a:p>
+          <a:p>
+            <a:r>
+              <a:rPr lang="ja-JP" altLang="ja-JP" dirty="0" smtClean="0"/>
+              <a:t>その過程で，ラベルによって検索精度に大きく違いが出ていることが確認できたので，各ラベルの正答回数についても確認</a:t>
+            </a:r>
+            <a:r>
+              <a:rPr lang="ja-JP" altLang="en-US" dirty="0" smtClean="0"/>
+              <a:t>する</a:t>
+            </a:r>
+            <a:r>
+              <a:rPr lang="ja-JP" altLang="ja-JP" dirty="0" smtClean="0"/>
+              <a:t>．</a:t>
+            </a:r>
+            <a:endParaRPr lang="ja-JP" altLang="ja-JP" dirty="0"/>
+          </a:p>
+          <a:p>
+            <a:endParaRPr kumimoji="1" lang="ja-JP" altLang="en-US" dirty="0"/>
+          </a:p>
+        </p:txBody>
+      </p:sp>
       <p:sp>
         <p:nvSpPr>
           <p:cNvPr id="4" name="スライド番号プレースホルダー 3"/>
@@ -10574,7 +10744,7 @@
     </p:spTree>
     <p:extLst>
       <p:ext uri="{BB962C8B-B14F-4D97-AF65-F5344CB8AC3E}">
-        <p14:creationId xmlns:p14="http://schemas.microsoft.com/office/powerpoint/2010/main" val="401581900"/>
+        <p14:creationId xmlns:p14="http://schemas.microsoft.com/office/powerpoint/2010/main" val="1736419882"/>
       </p:ext>
     </p:extLst>
   </p:cSld>
@@ -10625,11 +10795,7 @@
           <a:p>
             <a:r>
               <a:rPr kumimoji="1" lang="ja-JP" altLang="en-US" dirty="0" smtClean="0"/>
-              <a:t>特徴ベクトル例</a:t>
-            </a:r>
-            <a:r>
-              <a:rPr kumimoji="1" lang="en-US" altLang="ja-JP" dirty="0" smtClean="0"/>
-              <a:t>(4096)</a:t>
+              <a:t>作成したモデル</a:t>
             </a:r>
             <a:endParaRPr kumimoji="1" lang="ja-JP" altLang="en-US" dirty="0"/>
           </a:p>
@@ -10653,8 +10819,8 @@
         </p:blipFill>
         <p:spPr>
           <a:xfrm>
-            <a:off x="373227" y="2429691"/>
-            <a:ext cx="8271158" cy="3095898"/>
+            <a:off x="-39949" y="2076995"/>
+            <a:ext cx="8739812" cy="3114472"/>
           </a:xfrm>
           <a:prstGeom prst="rect">
             <a:avLst/>
@@ -10687,7 +10853,7 @@
     </p:spTree>
     <p:extLst>
       <p:ext uri="{BB962C8B-B14F-4D97-AF65-F5344CB8AC3E}">
-        <p14:creationId xmlns:p14="http://schemas.microsoft.com/office/powerpoint/2010/main" val="2745379550"/>
+        <p14:creationId xmlns:p14="http://schemas.microsoft.com/office/powerpoint/2010/main" val="401581900"/>
       </p:ext>
     </p:extLst>
   </p:cSld>
@@ -10737,127 +10903,43 @@
           <a:lstStyle/>
           <a:p>
             <a:r>
-              <a:rPr lang="ja-JP" altLang="en-US" dirty="0"/>
-              <a:t>研究の方法</a:t>
+              <a:rPr kumimoji="1" lang="ja-JP" altLang="en-US" dirty="0" smtClean="0"/>
+              <a:t>特徴ベクトル例</a:t>
+            </a:r>
+            <a:r>
+              <a:rPr kumimoji="1" lang="en-US" altLang="ja-JP" dirty="0" smtClean="0"/>
+              <a:t>(4096)</a:t>
             </a:r>
             <a:endParaRPr kumimoji="1" lang="ja-JP" altLang="en-US" dirty="0"/>
           </a:p>
         </p:txBody>
       </p:sp>
-      <p:sp>
-        <p:nvSpPr>
-          <p:cNvPr id="3" name="コンテンツ プレースホルダー 2"/>
-          <p:cNvSpPr>
-            <a:spLocks noGrp="1"/>
-          </p:cNvSpPr>
+      <p:pic>
+        <p:nvPicPr>
+          <p:cNvPr id="5" name="コンテンツ プレースホルダー 4"/>
+          <p:cNvPicPr>
+            <a:picLocks noGrp="1" noChangeAspect="1"/>
+          </p:cNvPicPr>
           <p:nvPr>
             <p:ph idx="1"/>
           </p:nvPr>
-        </p:nvSpPr>
+        </p:nvPicPr>
+        <p:blipFill>
+          <a:blip r:embed="rId2"/>
+          <a:stretch>
+            <a:fillRect/>
+          </a:stretch>
+        </p:blipFill>
         <p:spPr>
           <a:xfrm>
-            <a:off x="628650" y="1961147"/>
-            <a:ext cx="7886700" cy="4186990"/>
+            <a:off x="373227" y="2429691"/>
+            <a:ext cx="8271158" cy="3095898"/>
           </a:xfrm>
+          <a:prstGeom prst="rect">
+            <a:avLst/>
+          </a:prstGeom>
         </p:spPr>
-        <p:txBody>
-          <a:bodyPr>
-            <a:normAutofit/>
-          </a:bodyPr>
-          <a:lstStyle/>
-          <a:p>
-            <a:r>
-              <a:rPr lang="ja-JP" altLang="en-US" dirty="0" smtClean="0"/>
-              <a:t>次元数の異なる深層学習モデルを複数用意．</a:t>
-            </a:r>
-            <a:endParaRPr lang="en-US" altLang="ja-JP" dirty="0" smtClean="0"/>
-          </a:p>
-          <a:p>
-            <a:endParaRPr lang="en-US" altLang="ja-JP" dirty="0" smtClean="0"/>
-          </a:p>
-          <a:p>
-            <a:r>
-              <a:rPr lang="ja-JP" altLang="en-US" dirty="0" smtClean="0"/>
-              <a:t>画像</a:t>
-            </a:r>
-            <a:r>
-              <a:rPr lang="ja-JP" altLang="en-US" dirty="0"/>
-              <a:t>集合を用意し</a:t>
-            </a:r>
-            <a:r>
-              <a:rPr lang="ja-JP" altLang="en-US" dirty="0" smtClean="0"/>
-              <a:t>，</a:t>
-            </a:r>
-            <a:r>
-              <a:rPr lang="ja-JP" altLang="en-US" dirty="0"/>
-              <a:t>深層学習モデル</a:t>
-            </a:r>
-            <a:r>
-              <a:rPr lang="ja-JP" altLang="en-US" dirty="0" smtClean="0"/>
-              <a:t>を</a:t>
-            </a:r>
-            <a:r>
-              <a:rPr lang="ja-JP" altLang="en-US" dirty="0"/>
-              <a:t>用いて特徴ベクトル</a:t>
-            </a:r>
-            <a:r>
-              <a:rPr lang="ja-JP" altLang="en-US" dirty="0" smtClean="0"/>
-              <a:t>を</a:t>
-            </a:r>
-            <a:r>
-              <a:rPr lang="ja-JP" altLang="en-US" dirty="0"/>
-              <a:t>抽出</a:t>
-            </a:r>
-            <a:r>
-              <a:rPr lang="ja-JP" altLang="en-US" dirty="0" smtClean="0"/>
-              <a:t>する．</a:t>
-            </a:r>
-            <a:endParaRPr lang="en-US" altLang="ja-JP" dirty="0" smtClean="0"/>
-          </a:p>
-          <a:p>
-            <a:endParaRPr lang="en-US" altLang="ja-JP" dirty="0"/>
-          </a:p>
-          <a:p>
-            <a:r>
-              <a:rPr lang="ja-JP" altLang="en-US" dirty="0"/>
-              <a:t>特徴</a:t>
-            </a:r>
-            <a:r>
-              <a:rPr lang="ja-JP" altLang="en-US" dirty="0" smtClean="0"/>
-              <a:t>ベクトルを用いて</a:t>
-            </a:r>
-            <a:r>
-              <a:rPr kumimoji="1" lang="ja-JP" altLang="en-US" dirty="0" smtClean="0"/>
-              <a:t>類似度を</a:t>
-            </a:r>
-            <a:r>
-              <a:rPr lang="ja-JP" altLang="en-US" dirty="0"/>
-              <a:t>測る</a:t>
-            </a:r>
-            <a:r>
-              <a:rPr kumimoji="1" lang="ja-JP" altLang="en-US" dirty="0" smtClean="0"/>
-              <a:t>ときの検索精度と計算</a:t>
-            </a:r>
-            <a:r>
-              <a:rPr lang="ja-JP" altLang="en-US" dirty="0" smtClean="0"/>
-              <a:t>時間</a:t>
-            </a:r>
-            <a:r>
-              <a:rPr kumimoji="1" lang="ja-JP" altLang="en-US" dirty="0" smtClean="0"/>
-              <a:t>に</a:t>
-            </a:r>
-            <a:r>
-              <a:rPr kumimoji="1" lang="ja-JP" altLang="en-US" dirty="0"/>
-              <a:t>ついて評価する</a:t>
-            </a:r>
-            <a:r>
-              <a:rPr kumimoji="1" lang="ja-JP" altLang="en-US" dirty="0" smtClean="0"/>
-              <a:t>．</a:t>
-            </a:r>
-            <a:endParaRPr kumimoji="1" lang="en-US" altLang="ja-JP" dirty="0"/>
-          </a:p>
-        </p:txBody>
-      </p:sp>
+      </p:pic>
       <p:sp>
         <p:nvSpPr>
           <p:cNvPr id="4" name="スライド番号プレースホルダー 3"/>
@@ -10873,18 +10955,18 @@
           <a:bodyPr/>
           <a:lstStyle/>
           <a:p>
-            <a:fld id="{B4451160-128F-4DAD-AE29-4A8CC0E7B9E9}" type="slidenum">
-              <a:rPr kumimoji="1" lang="ja-JP" altLang="en-US" sz="3200" smtClean="0"/>
+            <a:fld id="{768BF403-63E9-4BE6-AA0B-408C483EA9DC}" type="slidenum">
+              <a:rPr kumimoji="1" lang="ja-JP" altLang="en-US" smtClean="0"/>
               <a:t>27</a:t>
             </a:fld>
-            <a:endParaRPr kumimoji="1" lang="ja-JP" altLang="en-US" sz="3200" dirty="0"/>
+            <a:endParaRPr kumimoji="1" lang="ja-JP" altLang="en-US"/>
           </a:p>
         </p:txBody>
       </p:sp>
     </p:spTree>
     <p:extLst>
       <p:ext uri="{BB962C8B-B14F-4D97-AF65-F5344CB8AC3E}">
-        <p14:creationId xmlns:p14="http://schemas.microsoft.com/office/powerpoint/2010/main" val="1260124372"/>
+        <p14:creationId xmlns:p14="http://schemas.microsoft.com/office/powerpoint/2010/main" val="2745379550"/>
       </p:ext>
     </p:extLst>
   </p:cSld>
@@ -10918,35 +11000,146 @@
           <a:chExt cx="0" cy="0"/>
         </a:xfrm>
       </p:grpSpPr>
-      <p:pic>
-        <p:nvPicPr>
-          <p:cNvPr id="4" name="コンテンツ プレースホルダー 3"/>
-          <p:cNvPicPr>
-            <a:picLocks noGrp="1"/>
-          </p:cNvPicPr>
+      <p:sp>
+        <p:nvSpPr>
+          <p:cNvPr id="2" name="タイトル 1"/>
+          <p:cNvSpPr>
+            <a:spLocks noGrp="1"/>
+          </p:cNvSpPr>
+          <p:nvPr>
+            <p:ph type="title"/>
+          </p:nvPr>
+        </p:nvSpPr>
+        <p:spPr/>
+        <p:txBody>
+          <a:bodyPr/>
+          <a:lstStyle/>
+          <a:p>
+            <a:r>
+              <a:rPr lang="ja-JP" altLang="en-US" dirty="0"/>
+              <a:t>研究の方法</a:t>
+            </a:r>
+            <a:endParaRPr kumimoji="1" lang="ja-JP" altLang="en-US" dirty="0"/>
+          </a:p>
+        </p:txBody>
+      </p:sp>
+      <p:sp>
+        <p:nvSpPr>
+          <p:cNvPr id="3" name="コンテンツ プレースホルダー 2"/>
+          <p:cNvSpPr>
+            <a:spLocks noGrp="1"/>
+          </p:cNvSpPr>
           <p:nvPr>
             <p:ph idx="1"/>
           </p:nvPr>
-        </p:nvPicPr>
-        <p:blipFill>
-          <a:blip r:embed="rId2"/>
-          <a:stretch>
-            <a:fillRect/>
-          </a:stretch>
-        </p:blipFill>
+        </p:nvSpPr>
         <p:spPr>
           <a:xfrm>
-            <a:off x="1588168" y="108283"/>
-            <a:ext cx="6003758" cy="6641433"/>
+            <a:off x="628650" y="1961147"/>
+            <a:ext cx="7886700" cy="4186990"/>
           </a:xfrm>
-          <a:prstGeom prst="rect">
-            <a:avLst/>
-          </a:prstGeom>
         </p:spPr>
-      </p:pic>
-      <p:sp>
-        <p:nvSpPr>
-          <p:cNvPr id="2" name="スライド番号プレースホルダー 1"/>
+        <p:txBody>
+          <a:bodyPr>
+            <a:normAutofit/>
+          </a:bodyPr>
+          <a:lstStyle/>
+          <a:p>
+            <a:r>
+              <a:rPr lang="ja-JP" altLang="en-US" dirty="0" smtClean="0"/>
+              <a:t>次元数の異なる深層学習モデルを複数用意．</a:t>
+            </a:r>
+            <a:endParaRPr lang="en-US" altLang="ja-JP" dirty="0" smtClean="0"/>
+          </a:p>
+          <a:p>
+            <a:endParaRPr lang="en-US" altLang="ja-JP" dirty="0" smtClean="0"/>
+          </a:p>
+          <a:p>
+            <a:r>
+              <a:rPr lang="ja-JP" altLang="en-US" dirty="0" smtClean="0"/>
+              <a:t>画像</a:t>
+            </a:r>
+            <a:r>
+              <a:rPr lang="ja-JP" altLang="en-US" dirty="0"/>
+              <a:t>集合を用意し</a:t>
+            </a:r>
+            <a:r>
+              <a:rPr lang="ja-JP" altLang="en-US" dirty="0" smtClean="0"/>
+              <a:t>，</a:t>
+            </a:r>
+            <a:r>
+              <a:rPr lang="ja-JP" altLang="en-US" dirty="0"/>
+              <a:t>深層学習モデル</a:t>
+            </a:r>
+            <a:r>
+              <a:rPr lang="ja-JP" altLang="en-US" dirty="0" smtClean="0"/>
+              <a:t>を</a:t>
+            </a:r>
+            <a:r>
+              <a:rPr lang="ja-JP" altLang="en-US" dirty="0"/>
+              <a:t>用いて特徴ベクトル</a:t>
+            </a:r>
+            <a:r>
+              <a:rPr lang="ja-JP" altLang="en-US" dirty="0" smtClean="0"/>
+              <a:t>を</a:t>
+            </a:r>
+            <a:r>
+              <a:rPr lang="ja-JP" altLang="en-US" dirty="0"/>
+              <a:t>抽出</a:t>
+            </a:r>
+            <a:r>
+              <a:rPr lang="ja-JP" altLang="en-US" dirty="0" smtClean="0"/>
+              <a:t>する．</a:t>
+            </a:r>
+            <a:endParaRPr lang="en-US" altLang="ja-JP" dirty="0" smtClean="0"/>
+          </a:p>
+          <a:p>
+            <a:endParaRPr lang="en-US" altLang="ja-JP" dirty="0"/>
+          </a:p>
+          <a:p>
+            <a:r>
+              <a:rPr lang="ja-JP" altLang="en-US" dirty="0"/>
+              <a:t>特徴</a:t>
+            </a:r>
+            <a:r>
+              <a:rPr lang="ja-JP" altLang="en-US" dirty="0" smtClean="0"/>
+              <a:t>ベクトルを用いて</a:t>
+            </a:r>
+            <a:r>
+              <a:rPr kumimoji="1" lang="ja-JP" altLang="en-US" dirty="0" smtClean="0"/>
+              <a:t>類似度を</a:t>
+            </a:r>
+            <a:r>
+              <a:rPr lang="ja-JP" altLang="en-US" dirty="0"/>
+              <a:t>測る</a:t>
+            </a:r>
+            <a:r>
+              <a:rPr kumimoji="1" lang="ja-JP" altLang="en-US" dirty="0" smtClean="0"/>
+              <a:t>ときの検索精度と計算</a:t>
+            </a:r>
+            <a:r>
+              <a:rPr lang="ja-JP" altLang="en-US" dirty="0" smtClean="0"/>
+              <a:t>時間</a:t>
+            </a:r>
+            <a:r>
+              <a:rPr kumimoji="1" lang="ja-JP" altLang="en-US" dirty="0" smtClean="0"/>
+              <a:t>に</a:t>
+            </a:r>
+            <a:r>
+              <a:rPr kumimoji="1" lang="ja-JP" altLang="en-US" dirty="0"/>
+              <a:t>ついて評価する</a:t>
+            </a:r>
+            <a:r>
+              <a:rPr kumimoji="1" lang="ja-JP" altLang="en-US" dirty="0" smtClean="0"/>
+              <a:t>．</a:t>
+            </a:r>
+            <a:endParaRPr kumimoji="1" lang="en-US" altLang="ja-JP" dirty="0"/>
+          </a:p>
+        </p:txBody>
+      </p:sp>
+      <p:sp>
+        <p:nvSpPr>
+          <p:cNvPr id="4" name="スライド番号プレースホルダー 3"/>
           <p:cNvSpPr>
             <a:spLocks noGrp="1"/>
           </p:cNvSpPr>
@@ -10959,18 +11152,18 @@
           <a:bodyPr/>
           <a:lstStyle/>
           <a:p>
-            <a:fld id="{768BF403-63E9-4BE6-AA0B-408C483EA9DC}" type="slidenum">
-              <a:rPr kumimoji="1" lang="ja-JP" altLang="en-US" smtClean="0"/>
+            <a:fld id="{B4451160-128F-4DAD-AE29-4A8CC0E7B9E9}" type="slidenum">
+              <a:rPr kumimoji="1" lang="ja-JP" altLang="en-US" sz="3200" smtClean="0"/>
               <a:t>28</a:t>
             </a:fld>
-            <a:endParaRPr kumimoji="1" lang="ja-JP" altLang="en-US"/>
+            <a:endParaRPr kumimoji="1" lang="ja-JP" altLang="en-US" sz="3200" dirty="0"/>
           </a:p>
         </p:txBody>
       </p:sp>
     </p:spTree>
     <p:extLst>
       <p:ext uri="{BB962C8B-B14F-4D97-AF65-F5344CB8AC3E}">
-        <p14:creationId xmlns:p14="http://schemas.microsoft.com/office/powerpoint/2010/main" val="2567360017"/>
+        <p14:creationId xmlns:p14="http://schemas.microsoft.com/office/powerpoint/2010/main" val="1260124372"/>
       </p:ext>
     </p:extLst>
   </p:cSld>
@@ -11004,6 +11197,32 @@
           <a:chExt cx="0" cy="0"/>
         </a:xfrm>
       </p:grpSpPr>
+      <p:pic>
+        <p:nvPicPr>
+          <p:cNvPr id="4" name="コンテンツ プレースホルダー 3"/>
+          <p:cNvPicPr>
+            <a:picLocks noGrp="1"/>
+          </p:cNvPicPr>
+          <p:nvPr>
+            <p:ph idx="1"/>
+          </p:nvPr>
+        </p:nvPicPr>
+        <p:blipFill>
+          <a:blip r:embed="rId2"/>
+          <a:stretch>
+            <a:fillRect/>
+          </a:stretch>
+        </p:blipFill>
+        <p:spPr>
+          <a:xfrm>
+            <a:off x="1588168" y="108283"/>
+            <a:ext cx="6003758" cy="6641433"/>
+          </a:xfrm>
+          <a:prstGeom prst="rect">
+            <a:avLst/>
+          </a:prstGeom>
+        </p:spPr>
+      </p:pic>
       <p:sp>
         <p:nvSpPr>
           <p:cNvPr id="2" name="スライド番号プレースホルダー 1"/>
@@ -11022,6 +11241,401 @@
             <a:fld id="{768BF403-63E9-4BE6-AA0B-408C483EA9DC}" type="slidenum">
               <a:rPr kumimoji="1" lang="ja-JP" altLang="en-US" smtClean="0"/>
               <a:t>29</a:t>
+            </a:fld>
+            <a:endParaRPr kumimoji="1" lang="ja-JP" altLang="en-US"/>
+          </a:p>
+        </p:txBody>
+      </p:sp>
+    </p:spTree>
+    <p:extLst>
+      <p:ext uri="{BB962C8B-B14F-4D97-AF65-F5344CB8AC3E}">
+        <p14:creationId xmlns:p14="http://schemas.microsoft.com/office/powerpoint/2010/main" val="2567360017"/>
+      </p:ext>
+    </p:extLst>
+  </p:cSld>
+  <p:clrMapOvr>
+    <a:masterClrMapping/>
+  </p:clrMapOvr>
+  <p:timing>
+    <p:tnLst>
+      <p:par>
+        <p:cTn id="1" dur="indefinite" restart="never" nodeType="tmRoot"/>
+      </p:par>
+    </p:tnLst>
+  </p:timing>
+</p:sld>
+</file>
+
+<file path=ppt/slides/slide3.xml><?xml version="1.0" encoding="utf-8"?>
+<p:sld xmlns:a="http://schemas.openxmlformats.org/drawingml/2006/main" xmlns:r="http://schemas.openxmlformats.org/officeDocument/2006/relationships" xmlns:p="http://schemas.openxmlformats.org/presentationml/2006/main">
+  <p:cSld>
+    <p:spTree>
+      <p:nvGrpSpPr>
+        <p:cNvPr id="1" name=""/>
+        <p:cNvGrpSpPr/>
+        <p:nvPr/>
+      </p:nvGrpSpPr>
+      <p:grpSpPr>
+        <a:xfrm>
+          <a:off x="0" y="0"/>
+          <a:ext cx="0" cy="0"/>
+          <a:chOff x="0" y="0"/>
+          <a:chExt cx="0" cy="0"/>
+        </a:xfrm>
+      </p:grpSpPr>
+      <p:sp>
+        <p:nvSpPr>
+          <p:cNvPr id="2" name="タイトル 1"/>
+          <p:cNvSpPr>
+            <a:spLocks noGrp="1"/>
+          </p:cNvSpPr>
+          <p:nvPr>
+            <p:ph type="title"/>
+          </p:nvPr>
+        </p:nvSpPr>
+        <p:spPr/>
+        <p:txBody>
+          <a:bodyPr/>
+          <a:lstStyle/>
+          <a:p>
+            <a:r>
+              <a:rPr kumimoji="1" lang="ja-JP" altLang="en-US" dirty="0"/>
+              <a:t>関連研究</a:t>
+            </a:r>
+          </a:p>
+        </p:txBody>
+      </p:sp>
+      <p:sp>
+        <p:nvSpPr>
+          <p:cNvPr id="3" name="コンテンツ プレースホルダー 2"/>
+          <p:cNvSpPr>
+            <a:spLocks noGrp="1"/>
+          </p:cNvSpPr>
+          <p:nvPr>
+            <p:ph idx="1"/>
+          </p:nvPr>
+        </p:nvSpPr>
+        <p:spPr/>
+        <p:txBody>
+          <a:bodyPr>
+            <a:normAutofit/>
+          </a:bodyPr>
+          <a:lstStyle/>
+          <a:p>
+            <a:r>
+              <a:rPr kumimoji="1" lang="en-US" altLang="ja-JP" sz="1800" dirty="0" err="1" smtClean="0">
+                <a:latin typeface="+mj-ea"/>
+                <a:ea typeface="+mj-ea"/>
+              </a:rPr>
+              <a:t>AlexNet</a:t>
+            </a:r>
+            <a:endParaRPr kumimoji="1" lang="en-US" altLang="ja-JP" sz="1800" dirty="0" smtClean="0">
+              <a:latin typeface="+mj-ea"/>
+              <a:ea typeface="+mj-ea"/>
+            </a:endParaRPr>
+          </a:p>
+          <a:p>
+            <a:pPr marL="0" indent="0">
+              <a:buNone/>
+            </a:pPr>
+            <a:r>
+              <a:rPr lang="ja-JP" altLang="en-US" sz="1800" dirty="0" smtClean="0">
+                <a:latin typeface="+mj-ea"/>
+                <a:ea typeface="+mj-ea"/>
+              </a:rPr>
+              <a:t>　</a:t>
+            </a:r>
+            <a:r>
+              <a:rPr lang="en-US" altLang="ja-JP" sz="1800" dirty="0" smtClean="0">
+                <a:latin typeface="+mj-ea"/>
+                <a:ea typeface="+mj-ea"/>
+              </a:rPr>
+              <a:t>[2012Alex]</a:t>
+            </a:r>
+            <a:endParaRPr lang="en-US" altLang="ja-JP" sz="1800" dirty="0">
+              <a:latin typeface="+mj-ea"/>
+              <a:ea typeface="+mj-ea"/>
+            </a:endParaRPr>
+          </a:p>
+          <a:p>
+            <a:r>
+              <a:rPr lang="ja-JP" altLang="en-US" sz="1800" dirty="0">
+                <a:latin typeface="+mj-ea"/>
+                <a:ea typeface="+mj-ea"/>
+              </a:rPr>
+              <a:t>特徴</a:t>
+            </a:r>
+            <a:r>
+              <a:rPr lang="ja-JP" altLang="en-US" sz="1800" dirty="0" smtClean="0">
+                <a:latin typeface="+mj-ea"/>
+                <a:ea typeface="+mj-ea"/>
+              </a:rPr>
+              <a:t>ベクトル抽出</a:t>
+            </a:r>
+            <a:endParaRPr lang="en-US" altLang="ja-JP" sz="1800" dirty="0" smtClean="0">
+              <a:latin typeface="+mj-ea"/>
+              <a:ea typeface="+mj-ea"/>
+            </a:endParaRPr>
+          </a:p>
+          <a:p>
+            <a:pPr marL="0" indent="0">
+              <a:buNone/>
+            </a:pPr>
+            <a:r>
+              <a:rPr lang="ja-JP" altLang="en-US" sz="1800" dirty="0">
+                <a:latin typeface="+mj-ea"/>
+                <a:ea typeface="+mj-ea"/>
+              </a:rPr>
+              <a:t>　</a:t>
+            </a:r>
+            <a:r>
+              <a:rPr lang="en-US" altLang="ja-JP" sz="1800" dirty="0" smtClean="0">
+                <a:latin typeface="+mj-ea"/>
+                <a:ea typeface="+mj-ea"/>
+              </a:rPr>
+              <a:t>[2015</a:t>
+            </a:r>
+            <a:r>
+              <a:rPr lang="ja-JP" altLang="en-US" sz="1800" dirty="0" smtClean="0">
+                <a:latin typeface="+mj-ea"/>
+                <a:ea typeface="+mj-ea"/>
+              </a:rPr>
+              <a:t>中山</a:t>
+            </a:r>
+            <a:r>
+              <a:rPr lang="en-US" altLang="ja-JP" sz="1800" dirty="0" smtClean="0">
+                <a:latin typeface="+mj-ea"/>
+                <a:ea typeface="+mj-ea"/>
+              </a:rPr>
+              <a:t>]</a:t>
+            </a:r>
+            <a:endParaRPr kumimoji="1" lang="en-US" altLang="ja-JP" sz="1800" dirty="0">
+              <a:latin typeface="+mj-ea"/>
+              <a:ea typeface="+mj-ea"/>
+            </a:endParaRPr>
+          </a:p>
+          <a:p>
+            <a:r>
+              <a:rPr lang="ja-JP" altLang="en-US" sz="1800" dirty="0" smtClean="0">
+                <a:latin typeface="+mj-ea"/>
+                <a:ea typeface="+mj-ea"/>
+              </a:rPr>
+              <a:t>特徴ベクトルの距離の測り方</a:t>
+            </a:r>
+            <a:endParaRPr lang="en-US" altLang="ja-JP" sz="1800" dirty="0" smtClean="0">
+              <a:latin typeface="+mj-ea"/>
+              <a:ea typeface="+mj-ea"/>
+            </a:endParaRPr>
+          </a:p>
+          <a:p>
+            <a:pPr marL="0" indent="0">
+              <a:buNone/>
+            </a:pPr>
+            <a:r>
+              <a:rPr lang="ja-JP" altLang="en-US" sz="1800" dirty="0">
+                <a:latin typeface="+mj-ea"/>
+                <a:ea typeface="+mj-ea"/>
+              </a:rPr>
+              <a:t>　</a:t>
+            </a:r>
+            <a:r>
+              <a:rPr lang="en-US" altLang="ja-JP" sz="1800" dirty="0" smtClean="0">
+                <a:latin typeface="+mj-ea"/>
+                <a:ea typeface="+mj-ea"/>
+              </a:rPr>
+              <a:t>[2012Alex]</a:t>
+            </a:r>
+            <a:r>
+              <a:rPr lang="ja-JP" altLang="en-US" sz="1800" dirty="0" err="1" smtClean="0">
+                <a:latin typeface="+mj-ea"/>
+                <a:ea typeface="+mj-ea"/>
+              </a:rPr>
+              <a:t>，</a:t>
+            </a:r>
+            <a:r>
+              <a:rPr lang="en-US" altLang="ja-JP" sz="1800" dirty="0" smtClean="0">
+                <a:latin typeface="+mj-ea"/>
+                <a:ea typeface="+mj-ea"/>
+              </a:rPr>
+              <a:t>[2018</a:t>
+            </a:r>
+            <a:r>
+              <a:rPr lang="ja-JP" altLang="en-US" sz="1800" dirty="0" smtClean="0">
+                <a:latin typeface="+mj-ea"/>
+                <a:ea typeface="+mj-ea"/>
+              </a:rPr>
+              <a:t>鬼塚</a:t>
+            </a:r>
+            <a:r>
+              <a:rPr lang="en-US" altLang="ja-JP" sz="1800" dirty="0" smtClean="0">
+                <a:latin typeface="+mj-ea"/>
+                <a:ea typeface="+mj-ea"/>
+              </a:rPr>
+              <a:t>]</a:t>
+            </a:r>
+            <a:endParaRPr kumimoji="1" lang="en-US" altLang="ja-JP" sz="1800" dirty="0">
+              <a:latin typeface="+mj-ea"/>
+              <a:ea typeface="+mj-ea"/>
+            </a:endParaRPr>
+          </a:p>
+          <a:p>
+            <a:r>
+              <a:rPr lang="ja-JP" altLang="en-US" sz="1800" dirty="0" smtClean="0">
+                <a:latin typeface="+mj-ea"/>
+                <a:ea typeface="+mj-ea"/>
+              </a:rPr>
+              <a:t>次元の呪いに</a:t>
+            </a:r>
+            <a:r>
+              <a:rPr lang="ja-JP" altLang="en-US" sz="1800" dirty="0">
+                <a:latin typeface="+mj-ea"/>
+                <a:ea typeface="+mj-ea"/>
+              </a:rPr>
+              <a:t>関した</a:t>
+            </a:r>
+            <a:r>
+              <a:rPr lang="ja-JP" altLang="en-US" sz="1800" dirty="0" smtClean="0">
+                <a:latin typeface="+mj-ea"/>
+                <a:ea typeface="+mj-ea"/>
+              </a:rPr>
+              <a:t>研究</a:t>
+            </a:r>
+            <a:endParaRPr lang="en-US" altLang="ja-JP" sz="1800" dirty="0" smtClean="0">
+              <a:latin typeface="+mj-ea"/>
+              <a:ea typeface="+mj-ea"/>
+            </a:endParaRPr>
+          </a:p>
+          <a:p>
+            <a:pPr marL="0" indent="0">
+              <a:buNone/>
+            </a:pPr>
+            <a:r>
+              <a:rPr lang="ja-JP" altLang="en-US" sz="1800" dirty="0">
+                <a:latin typeface="+mj-ea"/>
+                <a:ea typeface="+mj-ea"/>
+              </a:rPr>
+              <a:t>　</a:t>
+            </a:r>
+            <a:r>
+              <a:rPr lang="en-US" altLang="ja-JP" sz="1800" dirty="0" smtClean="0">
+                <a:latin typeface="+mj-ea"/>
+                <a:ea typeface="+mj-ea"/>
+              </a:rPr>
+              <a:t>[2020</a:t>
+            </a:r>
+            <a:r>
+              <a:rPr lang="ja-JP" altLang="en-US" sz="1800" dirty="0" smtClean="0">
+                <a:latin typeface="+mj-ea"/>
+                <a:ea typeface="+mj-ea"/>
+              </a:rPr>
+              <a:t>高橋</a:t>
+            </a:r>
+            <a:r>
+              <a:rPr lang="en-US" altLang="ja-JP" sz="1800" dirty="0" smtClean="0">
+                <a:latin typeface="+mj-ea"/>
+                <a:ea typeface="+mj-ea"/>
+              </a:rPr>
+              <a:t>]</a:t>
+            </a:r>
+            <a:endParaRPr kumimoji="1" lang="en-US" altLang="ja-JP" sz="1800" dirty="0">
+              <a:latin typeface="+mj-ea"/>
+              <a:ea typeface="+mj-ea"/>
+            </a:endParaRPr>
+          </a:p>
+          <a:p>
+            <a:endParaRPr kumimoji="1" lang="ja-JP" altLang="en-US" sz="1800" dirty="0">
+              <a:latin typeface="+mj-ea"/>
+              <a:ea typeface="+mj-ea"/>
+            </a:endParaRPr>
+          </a:p>
+        </p:txBody>
+      </p:sp>
+      <p:sp>
+        <p:nvSpPr>
+          <p:cNvPr id="4" name="スライド番号プレースホルダー 3"/>
+          <p:cNvSpPr>
+            <a:spLocks noGrp="1"/>
+          </p:cNvSpPr>
+          <p:nvPr>
+            <p:ph type="sldNum" sz="quarter" idx="12"/>
+          </p:nvPr>
+        </p:nvSpPr>
+        <p:spPr/>
+        <p:txBody>
+          <a:bodyPr/>
+          <a:lstStyle/>
+          <a:p>
+            <a:fld id="{B4451160-128F-4DAD-AE29-4A8CC0E7B9E9}" type="slidenum">
+              <a:rPr kumimoji="1" lang="ja-JP" altLang="en-US" sz="3200" smtClean="0"/>
+              <a:t>3</a:t>
+            </a:fld>
+            <a:endParaRPr kumimoji="1" lang="ja-JP" altLang="en-US" sz="3200" dirty="0"/>
+          </a:p>
+        </p:txBody>
+      </p:sp>
+    </p:spTree>
+    <p:extLst>
+      <p:ext uri="{BB962C8B-B14F-4D97-AF65-F5344CB8AC3E}">
+        <p14:creationId xmlns:p14="http://schemas.microsoft.com/office/powerpoint/2010/main" val="524967261"/>
+      </p:ext>
+    </p:extLst>
+  </p:cSld>
+  <p:clrMapOvr>
+    <a:masterClrMapping/>
+  </p:clrMapOvr>
+  <mc:AlternateContent xmlns:mc="http://schemas.openxmlformats.org/markup-compatibility/2006" xmlns:p14="http://schemas.microsoft.com/office/powerpoint/2010/main">
+    <mc:Choice Requires="p14">
+      <p:transition spd="slow" p14:dur="2000"/>
+    </mc:Choice>
+    <mc:Fallback xmlns="">
+      <p:transition spd="slow"/>
+    </mc:Fallback>
+  </mc:AlternateContent>
+  <p:timing>
+    <p:tnLst>
+      <p:par>
+        <p:cTn id="1" dur="indefinite" restart="never" nodeType="tmRoot"/>
+      </p:par>
+    </p:tnLst>
+  </p:timing>
+</p:sld>
+</file>
+
+<file path=ppt/slides/slide30.xml><?xml version="1.0" encoding="utf-8"?>
+<p:sld xmlns:a="http://schemas.openxmlformats.org/drawingml/2006/main" xmlns:r="http://schemas.openxmlformats.org/officeDocument/2006/relationships" xmlns:p="http://schemas.openxmlformats.org/presentationml/2006/main">
+  <p:cSld>
+    <p:spTree>
+      <p:nvGrpSpPr>
+        <p:cNvPr id="1" name=""/>
+        <p:cNvGrpSpPr/>
+        <p:nvPr/>
+      </p:nvGrpSpPr>
+      <p:grpSpPr>
+        <a:xfrm>
+          <a:off x="0" y="0"/>
+          <a:ext cx="0" cy="0"/>
+          <a:chOff x="0" y="0"/>
+          <a:chExt cx="0" cy="0"/>
+        </a:xfrm>
+      </p:grpSpPr>
+      <p:sp>
+        <p:nvSpPr>
+          <p:cNvPr id="2" name="スライド番号プレースホルダー 1"/>
+          <p:cNvSpPr>
+            <a:spLocks noGrp="1"/>
+          </p:cNvSpPr>
+          <p:nvPr>
+            <p:ph type="sldNum" sz="quarter" idx="12"/>
+          </p:nvPr>
+        </p:nvSpPr>
+        <p:spPr/>
+        <p:txBody>
+          <a:bodyPr/>
+          <a:lstStyle/>
+          <a:p>
+            <a:fld id="{768BF403-63E9-4BE6-AA0B-408C483EA9DC}" type="slidenum">
+              <a:rPr kumimoji="1" lang="ja-JP" altLang="en-US" smtClean="0"/>
+              <a:t>30</a:t>
             </a:fld>
             <a:endParaRPr kumimoji="1" lang="ja-JP" altLang="en-US"/>
           </a:p>
@@ -11104,7 +11718,7 @@
 </p:sld>
 </file>
 
-<file path=ppt/slides/slide3.xml><?xml version="1.0" encoding="utf-8"?>
+<file path=ppt/slides/slide31.xml><?xml version="1.0" encoding="utf-8"?>
 <p:sld xmlns:a="http://schemas.openxmlformats.org/drawingml/2006/main" xmlns:r="http://schemas.openxmlformats.org/officeDocument/2006/relationships" xmlns:p="http://schemas.openxmlformats.org/presentationml/2006/main">
   <p:cSld>
     <p:spTree>
@@ -11123,12 +11737,12 @@
       </p:grpSpPr>
       <p:sp>
         <p:nvSpPr>
-          <p:cNvPr id="2" name="タイトル 1"/>
+          <p:cNvPr id="2" name="スライド番号プレースホルダー 1"/>
           <p:cNvSpPr>
             <a:spLocks noGrp="1"/>
           </p:cNvSpPr>
           <p:nvPr>
-            <p:ph type="title"/>
+            <p:ph type="sldNum" sz="quarter" idx="12"/>
           </p:nvPr>
         </p:nvSpPr>
         <p:spPr/>
@@ -11136,169 +11750,9 @@
           <a:bodyPr/>
           <a:lstStyle/>
           <a:p>
-            <a:r>
-              <a:rPr kumimoji="1" lang="ja-JP" altLang="en-US" dirty="0" smtClean="0"/>
-              <a:t>研究背景</a:t>
-            </a:r>
-            <a:endParaRPr kumimoji="1" lang="ja-JP" altLang="en-US" dirty="0"/>
-          </a:p>
-        </p:txBody>
-      </p:sp>
-      <p:sp>
-        <p:nvSpPr>
-          <p:cNvPr id="3" name="コンテンツ プレースホルダー 2"/>
-          <p:cNvSpPr>
-            <a:spLocks noGrp="1"/>
-          </p:cNvSpPr>
-          <p:nvPr>
-            <p:ph idx="1"/>
-          </p:nvPr>
-        </p:nvSpPr>
-        <p:spPr/>
-        <p:txBody>
-          <a:bodyPr>
-            <a:normAutofit lnSpcReduction="10000"/>
-          </a:bodyPr>
-          <a:lstStyle/>
-          <a:p>
-            <a:pPr algn="just"/>
-            <a:r>
-              <a:rPr lang="ja-JP" altLang="en-US" dirty="0"/>
-              <a:t>ソーシャルネットワークサービス</a:t>
-            </a:r>
-            <a:r>
-              <a:rPr lang="ja-JP" altLang="en-US" dirty="0" smtClean="0"/>
-              <a:t>に</a:t>
-            </a:r>
-            <a:r>
-              <a:rPr lang="ja-JP" altLang="en-US" dirty="0"/>
-              <a:t>おいて写真や画像の投稿が盛んになっており，大量の写真や画像が蓄積されている</a:t>
-            </a:r>
-            <a:r>
-              <a:rPr lang="ja-JP" altLang="en-US" dirty="0" smtClean="0"/>
-              <a:t>．</a:t>
-            </a:r>
-            <a:endParaRPr lang="en-US" altLang="ja-JP" dirty="0" smtClean="0"/>
-          </a:p>
-          <a:p>
-            <a:pPr algn="just"/>
-            <a:endParaRPr lang="en-US" altLang="ja-JP" dirty="0"/>
-          </a:p>
-          <a:p>
-            <a:pPr algn="just"/>
-            <a:r>
-              <a:rPr lang="ja-JP" altLang="en-US" dirty="0"/>
-              <a:t>ユーザが目的の写真や画像にアクセスする手段として，画像検索機能の重要性が増している</a:t>
-            </a:r>
-            <a:r>
-              <a:rPr lang="ja-JP" altLang="en-US" dirty="0" smtClean="0"/>
-              <a:t>．</a:t>
-            </a:r>
-            <a:endParaRPr lang="en-US" altLang="ja-JP" dirty="0" smtClean="0"/>
-          </a:p>
-          <a:p>
-            <a:pPr algn="just"/>
-            <a:endParaRPr lang="en-US" altLang="ja-JP" dirty="0"/>
-          </a:p>
-          <a:p>
-            <a:pPr algn="just"/>
-            <a:r>
-              <a:rPr lang="en-US" altLang="ja-JP" dirty="0"/>
-              <a:t>CNN (Convolutional Neural Network)</a:t>
-            </a:r>
-            <a:r>
-              <a:rPr lang="ja-JP" altLang="en-US" dirty="0" smtClean="0"/>
-              <a:t>の登場により，画像検索機能は向上し，深層学習モデル</a:t>
-            </a:r>
-            <a:r>
-              <a:rPr lang="ja-JP" altLang="en-US" dirty="0" smtClean="0"/>
-              <a:t>の中間層から抽出できる特徴が注目されている．</a:t>
-            </a:r>
-            <a:endParaRPr lang="en-US" altLang="ja-JP" dirty="0"/>
-          </a:p>
-          <a:p>
-            <a:endParaRPr kumimoji="1" lang="ja-JP" altLang="en-US" dirty="0"/>
-          </a:p>
-        </p:txBody>
-      </p:sp>
-      <p:sp>
-        <p:nvSpPr>
-          <p:cNvPr id="4" name="スライド番号プレースホルダー 3"/>
-          <p:cNvSpPr>
-            <a:spLocks noGrp="1"/>
-          </p:cNvSpPr>
-          <p:nvPr>
-            <p:ph type="sldNum" sz="quarter" idx="12"/>
-          </p:nvPr>
-        </p:nvSpPr>
-        <p:spPr/>
-        <p:txBody>
-          <a:bodyPr/>
-          <a:lstStyle/>
-          <a:p>
             <a:fld id="{768BF403-63E9-4BE6-AA0B-408C483EA9DC}" type="slidenum">
               <a:rPr kumimoji="1" lang="ja-JP" altLang="en-US" smtClean="0"/>
-              <a:t>3</a:t>
-            </a:fld>
-            <a:endParaRPr kumimoji="1" lang="ja-JP" altLang="en-US"/>
-          </a:p>
-        </p:txBody>
-      </p:sp>
-    </p:spTree>
-    <p:extLst>
-      <p:ext uri="{BB962C8B-B14F-4D97-AF65-F5344CB8AC3E}">
-        <p14:creationId xmlns:p14="http://schemas.microsoft.com/office/powerpoint/2010/main" val="204676938"/>
-      </p:ext>
-    </p:extLst>
-  </p:cSld>
-  <p:clrMapOvr>
-    <a:masterClrMapping/>
-  </p:clrMapOvr>
-  <p:timing>
-    <p:tnLst>
-      <p:par>
-        <p:cTn id="1" dur="indefinite" restart="never" nodeType="tmRoot"/>
-      </p:par>
-    </p:tnLst>
-  </p:timing>
-</p:sld>
-</file>
-
-<file path=ppt/slides/slide30.xml><?xml version="1.0" encoding="utf-8"?>
-<p:sld xmlns:a="http://schemas.openxmlformats.org/drawingml/2006/main" xmlns:r="http://schemas.openxmlformats.org/officeDocument/2006/relationships" xmlns:p="http://schemas.openxmlformats.org/presentationml/2006/main">
-  <p:cSld>
-    <p:spTree>
-      <p:nvGrpSpPr>
-        <p:cNvPr id="1" name=""/>
-        <p:cNvGrpSpPr/>
-        <p:nvPr/>
-      </p:nvGrpSpPr>
-      <p:grpSpPr>
-        <a:xfrm>
-          <a:off x="0" y="0"/>
-          <a:ext cx="0" cy="0"/>
-          <a:chOff x="0" y="0"/>
-          <a:chExt cx="0" cy="0"/>
-        </a:xfrm>
-      </p:grpSpPr>
-      <p:sp>
-        <p:nvSpPr>
-          <p:cNvPr id="2" name="スライド番号プレースホルダー 1"/>
-          <p:cNvSpPr>
-            <a:spLocks noGrp="1"/>
-          </p:cNvSpPr>
-          <p:nvPr>
-            <p:ph type="sldNum" sz="quarter" idx="12"/>
-          </p:nvPr>
-        </p:nvSpPr>
-        <p:spPr/>
-        <p:txBody>
-          <a:bodyPr/>
-          <a:lstStyle/>
-          <a:p>
-            <a:fld id="{768BF403-63E9-4BE6-AA0B-408C483EA9DC}" type="slidenum">
-              <a:rPr kumimoji="1" lang="ja-JP" altLang="en-US" smtClean="0"/>
-              <a:t>30</a:t>
+              <a:t>31</a:t>
             </a:fld>
             <a:endParaRPr kumimoji="1" lang="ja-JP" altLang="en-US"/>
           </a:p>
@@ -13129,7 +13583,7 @@
 </p:sld>
 </file>
 
-<file path=ppt/slides/slide31.xml><?xml version="1.0" encoding="utf-8"?>
+<file path=ppt/slides/slide32.xml><?xml version="1.0" encoding="utf-8"?>
 <p:sld xmlns:a="http://schemas.openxmlformats.org/drawingml/2006/main" xmlns:r="http://schemas.openxmlformats.org/officeDocument/2006/relationships" xmlns:p="http://schemas.openxmlformats.org/presentationml/2006/main">
   <p:cSld>
     <p:spTree>
@@ -13272,194 +13726,6 @@
 </p:sld>
 </file>
 
-<file path=ppt/slides/slide32.xml><?xml version="1.0" encoding="utf-8"?>
-<p:sld xmlns:a="http://schemas.openxmlformats.org/drawingml/2006/main" xmlns:r="http://schemas.openxmlformats.org/officeDocument/2006/relationships" xmlns:p="http://schemas.openxmlformats.org/presentationml/2006/main">
-  <p:cSld>
-    <p:spTree>
-      <p:nvGrpSpPr>
-        <p:cNvPr id="1" name=""/>
-        <p:cNvGrpSpPr/>
-        <p:nvPr/>
-      </p:nvGrpSpPr>
-      <p:grpSpPr>
-        <a:xfrm>
-          <a:off x="0" y="0"/>
-          <a:ext cx="0" cy="0"/>
-          <a:chOff x="0" y="0"/>
-          <a:chExt cx="0" cy="0"/>
-        </a:xfrm>
-      </p:grpSpPr>
-      <p:sp>
-        <p:nvSpPr>
-          <p:cNvPr id="2" name="タイトル 1"/>
-          <p:cNvSpPr>
-            <a:spLocks noGrp="1"/>
-          </p:cNvSpPr>
-          <p:nvPr>
-            <p:ph type="title"/>
-          </p:nvPr>
-        </p:nvSpPr>
-        <p:spPr/>
-        <p:txBody>
-          <a:bodyPr/>
-          <a:lstStyle/>
-          <a:p>
-            <a:r>
-              <a:rPr kumimoji="1" lang="ja-JP" altLang="en-US" dirty="0" smtClean="0"/>
-              <a:t>システムの概要</a:t>
-            </a:r>
-            <a:endParaRPr kumimoji="1" lang="ja-JP" altLang="en-US" dirty="0"/>
-          </a:p>
-        </p:txBody>
-      </p:sp>
-      <p:sp>
-        <p:nvSpPr>
-          <p:cNvPr id="3" name="コンテンツ プレースホルダー 2"/>
-          <p:cNvSpPr>
-            <a:spLocks noGrp="1"/>
-          </p:cNvSpPr>
-          <p:nvPr>
-            <p:ph idx="1"/>
-          </p:nvPr>
-        </p:nvSpPr>
-        <p:spPr/>
-        <p:txBody>
-          <a:bodyPr>
-            <a:normAutofit/>
-          </a:bodyPr>
-          <a:lstStyle/>
-          <a:p>
-            <a:r>
-              <a:rPr lang="ja-JP" altLang="en-US" dirty="0" smtClean="0"/>
-              <a:t>特徴</a:t>
-            </a:r>
-            <a:r>
-              <a:rPr kumimoji="1" lang="ja-JP" altLang="en-US" dirty="0" smtClean="0"/>
-              <a:t>ベクトル</a:t>
-            </a:r>
-            <a:r>
-              <a:rPr kumimoji="1" lang="ja-JP" altLang="en-US" dirty="0" smtClean="0"/>
-              <a:t>のユークリッド距離を測る．</a:t>
-            </a:r>
-            <a:endParaRPr kumimoji="1" lang="en-US" altLang="ja-JP" dirty="0" smtClean="0"/>
-          </a:p>
-          <a:p>
-            <a:endParaRPr lang="en-US" altLang="ja-JP" dirty="0"/>
-          </a:p>
-          <a:p>
-            <a:r>
-              <a:rPr kumimoji="1" lang="ja-JP" altLang="en-US" dirty="0" smtClean="0"/>
-              <a:t>距離の値が近い順に指定した数</a:t>
-            </a:r>
-            <a:r>
-              <a:rPr kumimoji="1" lang="ja-JP" altLang="en-US" dirty="0" smtClean="0"/>
-              <a:t>取得．</a:t>
-            </a:r>
-            <a:endParaRPr kumimoji="1" lang="en-US" altLang="ja-JP" dirty="0" smtClean="0"/>
-          </a:p>
-          <a:p>
-            <a:endParaRPr lang="en-US" altLang="ja-JP" dirty="0"/>
-          </a:p>
-          <a:p>
-            <a:r>
-              <a:rPr kumimoji="1" lang="ja-JP" altLang="en-US" dirty="0" smtClean="0"/>
-              <a:t>上位</a:t>
-            </a:r>
-            <a:r>
-              <a:rPr lang="en-US" altLang="ja-JP" dirty="0" err="1" smtClean="0"/>
-              <a:t>num</a:t>
-            </a:r>
-            <a:r>
-              <a:rPr lang="ja-JP" altLang="en-US" dirty="0" smtClean="0"/>
-              <a:t>件</a:t>
-            </a:r>
-            <a:r>
-              <a:rPr lang="ja-JP" altLang="en-US" dirty="0" smtClean="0"/>
-              <a:t>について基準の画像と同じ</a:t>
-            </a:r>
-            <a:r>
-              <a:rPr lang="ja-JP" altLang="en-US" dirty="0" smtClean="0"/>
-              <a:t>ラベル</a:t>
-            </a:r>
-            <a:r>
-              <a:rPr lang="ja-JP" altLang="en-US" dirty="0"/>
-              <a:t>を</a:t>
-            </a:r>
-            <a:r>
-              <a:rPr lang="ja-JP" altLang="en-US" dirty="0" smtClean="0"/>
-              <a:t>カウント</a:t>
-            </a:r>
-            <a:r>
-              <a:rPr lang="ja-JP" altLang="en-US" dirty="0" smtClean="0"/>
-              <a:t>する．</a:t>
-            </a:r>
-            <a:endParaRPr lang="en-US" altLang="ja-JP" dirty="0" smtClean="0"/>
-          </a:p>
-          <a:p>
-            <a:endParaRPr kumimoji="1" lang="en-US" altLang="ja-JP" dirty="0"/>
-          </a:p>
-          <a:p>
-            <a:r>
-              <a:rPr lang="ja-JP" altLang="en-US" dirty="0"/>
-              <a:t>正答回数</a:t>
-            </a:r>
-            <a:r>
-              <a:rPr lang="ja-JP" altLang="en-US" dirty="0" smtClean="0"/>
-              <a:t>から正答率を出す．</a:t>
-            </a:r>
-            <a:endParaRPr kumimoji="1" lang="en-US" altLang="ja-JP" dirty="0" smtClean="0"/>
-          </a:p>
-          <a:p>
-            <a:endParaRPr lang="en-US" altLang="ja-JP" dirty="0"/>
-          </a:p>
-          <a:p>
-            <a:endParaRPr kumimoji="1" lang="ja-JP" altLang="en-US" dirty="0"/>
-          </a:p>
-        </p:txBody>
-      </p:sp>
-      <p:sp>
-        <p:nvSpPr>
-          <p:cNvPr id="4" name="スライド番号プレースホルダー 3"/>
-          <p:cNvSpPr>
-            <a:spLocks noGrp="1"/>
-          </p:cNvSpPr>
-          <p:nvPr>
-            <p:ph type="sldNum" sz="quarter" idx="12"/>
-          </p:nvPr>
-        </p:nvSpPr>
-        <p:spPr/>
-        <p:txBody>
-          <a:bodyPr/>
-          <a:lstStyle/>
-          <a:p>
-            <a:fld id="{768BF403-63E9-4BE6-AA0B-408C483EA9DC}" type="slidenum">
-              <a:rPr kumimoji="1" lang="ja-JP" altLang="en-US" smtClean="0"/>
-              <a:t>32</a:t>
-            </a:fld>
-            <a:endParaRPr kumimoji="1" lang="ja-JP" altLang="en-US"/>
-          </a:p>
-        </p:txBody>
-      </p:sp>
-    </p:spTree>
-    <p:extLst>
-      <p:ext uri="{BB962C8B-B14F-4D97-AF65-F5344CB8AC3E}">
-        <p14:creationId xmlns:p14="http://schemas.microsoft.com/office/powerpoint/2010/main" val="1041215149"/>
-      </p:ext>
-    </p:extLst>
-  </p:cSld>
-  <p:clrMapOvr>
-    <a:masterClrMapping/>
-  </p:clrMapOvr>
-  <p:timing>
-    <p:tnLst>
-      <p:par>
-        <p:cTn id="1" dur="indefinite" restart="never" nodeType="tmRoot"/>
-      </p:par>
-    </p:tnLst>
-  </p:timing>
-</p:sld>
-</file>
-
 <file path=ppt/slides/slide33.xml><?xml version="1.0" encoding="utf-8"?>
 <p:sld xmlns:a="http://schemas.openxmlformats.org/drawingml/2006/main" xmlns:r="http://schemas.openxmlformats.org/officeDocument/2006/relationships" xmlns:p="http://schemas.openxmlformats.org/presentationml/2006/main">
   <p:cSld>
@@ -13494,7 +13760,7 @@
           <a:p>
             <a:r>
               <a:rPr kumimoji="1" lang="ja-JP" altLang="en-US" dirty="0" smtClean="0"/>
-              <a:t>研究課題</a:t>
+              <a:t>システムの概要</a:t>
             </a:r>
             <a:endParaRPr kumimoji="1" lang="ja-JP" altLang="en-US" dirty="0"/>
           </a:p>
@@ -13512,76 +13778,73 @@
         </p:nvSpPr>
         <p:spPr/>
         <p:txBody>
-          <a:bodyPr/>
+          <a:bodyPr>
+            <a:normAutofit/>
+          </a:bodyPr>
           <a:lstStyle/>
           <a:p>
             <a:r>
+              <a:rPr lang="ja-JP" altLang="en-US" dirty="0" smtClean="0"/>
+              <a:t>特徴</a:t>
+            </a:r>
+            <a:r>
               <a:rPr kumimoji="1" lang="ja-JP" altLang="en-US" dirty="0" smtClean="0"/>
-              <a:t>画像認識において</a:t>
+              <a:t>ベクトルのユークリッド距離を測る．</a:t>
+            </a:r>
+            <a:endParaRPr kumimoji="1" lang="en-US" altLang="ja-JP" dirty="0" smtClean="0"/>
+          </a:p>
+          <a:p>
+            <a:endParaRPr lang="en-US" altLang="ja-JP" dirty="0"/>
+          </a:p>
+          <a:p>
+            <a:r>
+              <a:rPr kumimoji="1" lang="ja-JP" altLang="en-US" dirty="0" smtClean="0"/>
+              <a:t>距離の値が近い順に指定した数取得．</a:t>
+            </a:r>
+            <a:endParaRPr kumimoji="1" lang="en-US" altLang="ja-JP" dirty="0" smtClean="0"/>
+          </a:p>
+          <a:p>
+            <a:endParaRPr lang="en-US" altLang="ja-JP" dirty="0"/>
+          </a:p>
+          <a:p>
+            <a:r>
+              <a:rPr kumimoji="1" lang="ja-JP" altLang="en-US" dirty="0" smtClean="0"/>
+              <a:t>上位</a:t>
+            </a:r>
+            <a:r>
+              <a:rPr lang="en-US" altLang="ja-JP" dirty="0" err="1" smtClean="0"/>
+              <a:t>num</a:t>
+            </a:r>
+            <a:r>
+              <a:rPr lang="ja-JP" altLang="en-US" dirty="0" smtClean="0"/>
+              <a:t>件について基準の画像と同じラベル</a:t>
             </a:r>
             <a:r>
               <a:rPr lang="ja-JP" altLang="en-US" dirty="0"/>
-              <a:t>，</a:t>
-            </a:r>
-            <a:r>
-              <a:rPr kumimoji="1" lang="ja-JP" altLang="en-US" dirty="0" smtClean="0"/>
-              <a:t>特徴量が高次元になるほど</a:t>
-            </a:r>
+              <a:t>を</a:t>
+            </a:r>
+            <a:r>
+              <a:rPr lang="ja-JP" altLang="en-US" dirty="0" smtClean="0"/>
+              <a:t>カウントする．</a:t>
+            </a:r>
+            <a:endParaRPr lang="en-US" altLang="ja-JP" dirty="0" smtClean="0"/>
+          </a:p>
+          <a:p>
+            <a:endParaRPr kumimoji="1" lang="en-US" altLang="ja-JP" dirty="0"/>
+          </a:p>
+          <a:p>
             <a:r>
               <a:rPr lang="ja-JP" altLang="en-US" dirty="0"/>
-              <a:t>，</a:t>
-            </a:r>
-            <a:r>
-              <a:rPr kumimoji="1" lang="ja-JP" altLang="en-US" dirty="0" smtClean="0"/>
-              <a:t>認識性能が高くなるが</a:t>
+              <a:t>正答回数</a:t>
             </a:r>
             <a:r>
               <a:rPr lang="ja-JP" altLang="en-US" dirty="0" smtClean="0"/>
-              <a:t>，</a:t>
-            </a:r>
-            <a:r>
-              <a:rPr lang="ja-JP" altLang="en-US" dirty="0"/>
-              <a:t>処理時間</a:t>
-            </a:r>
-            <a:r>
-              <a:rPr lang="ja-JP" altLang="en-US" dirty="0" smtClean="0"/>
-              <a:t>が増加する</a:t>
-            </a:r>
-            <a:r>
-              <a:rPr lang="en-US" altLang="ja-JP" dirty="0" smtClean="0"/>
-              <a:t>.</a:t>
-            </a:r>
-          </a:p>
-          <a:p>
-            <a:endParaRPr lang="en-US" altLang="ja-JP" dirty="0" smtClean="0"/>
-          </a:p>
-          <a:p>
-            <a:r>
-              <a:rPr lang="ja-JP" altLang="en-US" dirty="0"/>
-              <a:t>低次元だ</a:t>
-            </a:r>
-            <a:r>
-              <a:rPr lang="ja-JP" altLang="en-US" dirty="0" smtClean="0"/>
-              <a:t>と，意味情報が損失し，認識性能が低くなるが，処理時間が減少する</a:t>
-            </a:r>
-            <a:r>
-              <a:rPr lang="en-US" altLang="ja-JP" dirty="0" smtClean="0"/>
-              <a:t>.</a:t>
-            </a:r>
+              <a:t>から正答率を出す．</a:t>
+            </a:r>
+            <a:endParaRPr kumimoji="1" lang="en-US" altLang="ja-JP" dirty="0" smtClean="0"/>
           </a:p>
           <a:p>
             <a:endParaRPr lang="en-US" altLang="ja-JP" dirty="0"/>
-          </a:p>
-          <a:p>
-            <a:r>
-              <a:rPr lang="ja-JP" altLang="en-US" dirty="0"/>
-              <a:t>特徴ベクトル</a:t>
-            </a:r>
-            <a:r>
-              <a:rPr lang="ja-JP" altLang="en-US" dirty="0" smtClean="0"/>
-              <a:t>における検索精度と計算時間は両立できない関係性にある．</a:t>
-            </a:r>
-            <a:endParaRPr lang="en-US" altLang="ja-JP" dirty="0" smtClean="0"/>
           </a:p>
           <a:p>
             <a:endParaRPr kumimoji="1" lang="ja-JP" altLang="en-US" dirty="0"/>
@@ -13614,7 +13877,7 @@
     </p:spTree>
     <p:extLst>
       <p:ext uri="{BB962C8B-B14F-4D97-AF65-F5344CB8AC3E}">
-        <p14:creationId xmlns:p14="http://schemas.microsoft.com/office/powerpoint/2010/main" val="1864835890"/>
+        <p14:creationId xmlns:p14="http://schemas.microsoft.com/office/powerpoint/2010/main" val="1041215149"/>
       </p:ext>
     </p:extLst>
   </p:cSld>
@@ -13665,7 +13928,7 @@
           <a:p>
             <a:r>
               <a:rPr kumimoji="1" lang="ja-JP" altLang="en-US" dirty="0" smtClean="0"/>
-              <a:t>認識性能とは</a:t>
+              <a:t>研究課題</a:t>
             </a:r>
             <a:endParaRPr kumimoji="1" lang="ja-JP" altLang="en-US" dirty="0"/>
           </a:p>
@@ -13687,70 +13950,72 @@
           <a:lstStyle/>
           <a:p>
             <a:r>
-              <a:rPr kumimoji="1" lang="ja-JP" altLang="en-US" dirty="0" smtClean="0">
-                <a:solidFill>
-                  <a:srgbClr val="FF0000"/>
-                </a:solidFill>
-              </a:rPr>
-              <a:t>意味情報</a:t>
-            </a:r>
-            <a:r>
-              <a:rPr lang="ja-JP" altLang="en-US" dirty="0">
-                <a:solidFill>
-                  <a:srgbClr val="FF0000"/>
-                </a:solidFill>
-              </a:rPr>
-              <a:t>（</a:t>
-            </a:r>
-            <a:r>
-              <a:rPr kumimoji="1" lang="ja-JP" altLang="en-US" dirty="0" smtClean="0">
-                <a:solidFill>
-                  <a:srgbClr val="FF0000"/>
-                </a:solidFill>
-              </a:rPr>
-              <a:t>ラベル）</a:t>
-            </a:r>
-            <a:endParaRPr kumimoji="1" lang="en-US" altLang="ja-JP" dirty="0" smtClean="0">
-              <a:solidFill>
-                <a:srgbClr val="FF0000"/>
-              </a:solidFill>
-            </a:endParaRPr>
-          </a:p>
-          <a:p>
-            <a:r>
               <a:rPr kumimoji="1" lang="ja-JP" altLang="en-US" dirty="0" smtClean="0"/>
-              <a:t>色</a:t>
-            </a:r>
-            <a:endParaRPr kumimoji="1" lang="en-US" altLang="ja-JP" dirty="0" smtClean="0"/>
-          </a:p>
-          <a:p>
+              <a:t>画像認識において</a:t>
+            </a:r>
+            <a:r>
+              <a:rPr lang="ja-JP" altLang="en-US" dirty="0"/>
+              <a:t>，</a:t>
+            </a:r>
             <a:r>
               <a:rPr kumimoji="1" lang="ja-JP" altLang="en-US" dirty="0" smtClean="0"/>
-              <a:t>位置情報</a:t>
-            </a:r>
-            <a:endParaRPr kumimoji="1" lang="en-US" altLang="ja-JP" dirty="0" smtClean="0"/>
-          </a:p>
-          <a:p>
+              <a:t>特徴量が高次元になるほど</a:t>
+            </a:r>
+            <a:r>
+              <a:rPr lang="ja-JP" altLang="en-US" dirty="0"/>
+              <a:t>，</a:t>
+            </a:r>
+            <a:r>
+              <a:rPr kumimoji="1" lang="ja-JP" altLang="en-US" dirty="0" smtClean="0"/>
+              <a:t>認識性能が高くなるが</a:t>
+            </a:r>
             <a:r>
               <a:rPr lang="ja-JP" altLang="en-US" dirty="0" smtClean="0"/>
-              <a:t>大きさ</a:t>
-            </a:r>
+              <a:t>，</a:t>
+            </a:r>
+            <a:r>
+              <a:rPr lang="ja-JP" altLang="en-US" dirty="0"/>
+              <a:t>処理時間</a:t>
+            </a:r>
+            <a:r>
+              <a:rPr lang="ja-JP" altLang="en-US" dirty="0" smtClean="0"/>
+              <a:t>が増加する</a:t>
+            </a:r>
+            <a:r>
+              <a:rPr lang="en-US" altLang="ja-JP" dirty="0" smtClean="0"/>
+              <a:t>.</a:t>
+            </a:r>
+          </a:p>
+          <a:p>
             <a:endParaRPr lang="en-US" altLang="ja-JP" dirty="0" smtClean="0"/>
           </a:p>
           <a:p>
             <a:r>
-              <a:rPr kumimoji="1" lang="ja-JP" altLang="en-US" dirty="0" smtClean="0">
-                <a:solidFill>
-                  <a:srgbClr val="FF0000"/>
-                </a:solidFill>
-              </a:rPr>
-              <a:t>距離</a:t>
-            </a:r>
-            <a:endParaRPr kumimoji="1" lang="en-US" altLang="ja-JP" dirty="0" smtClean="0">
-              <a:solidFill>
-                <a:srgbClr val="FF0000"/>
-              </a:solidFill>
-            </a:endParaRPr>
+              <a:rPr lang="ja-JP" altLang="en-US" dirty="0"/>
+              <a:t>低次元だ</a:t>
+            </a:r>
+            <a:r>
+              <a:rPr lang="ja-JP" altLang="en-US" dirty="0" smtClean="0"/>
+              <a:t>と，意味情報が損失し，認識性能が低くなるが，処理時間が減少する</a:t>
+            </a:r>
+            <a:r>
+              <a:rPr lang="en-US" altLang="ja-JP" dirty="0" smtClean="0"/>
+              <a:t>.</a:t>
+            </a:r>
+          </a:p>
+          <a:p>
+            <a:endParaRPr lang="en-US" altLang="ja-JP" dirty="0"/>
+          </a:p>
+          <a:p>
+            <a:r>
+              <a:rPr lang="ja-JP" altLang="en-US" dirty="0"/>
+              <a:t>特徴ベクトル</a:t>
+            </a:r>
+            <a:r>
+              <a:rPr lang="ja-JP" altLang="en-US" dirty="0" smtClean="0"/>
+              <a:t>における検索精度と計算時間は両立できない関係性にある．</a:t>
+            </a:r>
+            <a:endParaRPr lang="en-US" altLang="ja-JP" dirty="0" smtClean="0"/>
           </a:p>
           <a:p>
             <a:endParaRPr kumimoji="1" lang="ja-JP" altLang="en-US" dirty="0"/>
@@ -13783,7 +14048,7 @@
     </p:spTree>
     <p:extLst>
       <p:ext uri="{BB962C8B-B14F-4D97-AF65-F5344CB8AC3E}">
-        <p14:creationId xmlns:p14="http://schemas.microsoft.com/office/powerpoint/2010/main" val="4179754605"/>
+        <p14:creationId xmlns:p14="http://schemas.microsoft.com/office/powerpoint/2010/main" val="1864835890"/>
       </p:ext>
     </p:extLst>
   </p:cSld>
@@ -13832,7 +14097,11 @@
           <a:bodyPr/>
           <a:lstStyle/>
           <a:p>
-            <a:endParaRPr kumimoji="1" lang="ja-JP" altLang="en-US"/>
+            <a:r>
+              <a:rPr kumimoji="1" lang="ja-JP" altLang="en-US" dirty="0" smtClean="0"/>
+              <a:t>認識性能とは</a:t>
+            </a:r>
+            <a:endParaRPr kumimoji="1" lang="ja-JP" altLang="en-US" dirty="0"/>
           </a:p>
         </p:txBody>
       </p:sp>
@@ -13850,6 +14119,73 @@
         <p:txBody>
           <a:bodyPr/>
           <a:lstStyle/>
+          <a:p>
+            <a:r>
+              <a:rPr kumimoji="1" lang="ja-JP" altLang="en-US" dirty="0" smtClean="0">
+                <a:solidFill>
+                  <a:srgbClr val="FF0000"/>
+                </a:solidFill>
+              </a:rPr>
+              <a:t>意味情報</a:t>
+            </a:r>
+            <a:r>
+              <a:rPr lang="ja-JP" altLang="en-US" dirty="0">
+                <a:solidFill>
+                  <a:srgbClr val="FF0000"/>
+                </a:solidFill>
+              </a:rPr>
+              <a:t>（</a:t>
+            </a:r>
+            <a:r>
+              <a:rPr kumimoji="1" lang="ja-JP" altLang="en-US" dirty="0" smtClean="0">
+                <a:solidFill>
+                  <a:srgbClr val="FF0000"/>
+                </a:solidFill>
+              </a:rPr>
+              <a:t>ラベル）</a:t>
+            </a:r>
+            <a:endParaRPr kumimoji="1" lang="en-US" altLang="ja-JP" dirty="0" smtClean="0">
+              <a:solidFill>
+                <a:srgbClr val="FF0000"/>
+              </a:solidFill>
+            </a:endParaRPr>
+          </a:p>
+          <a:p>
+            <a:r>
+              <a:rPr kumimoji="1" lang="ja-JP" altLang="en-US" dirty="0" smtClean="0"/>
+              <a:t>色</a:t>
+            </a:r>
+            <a:endParaRPr kumimoji="1" lang="en-US" altLang="ja-JP" dirty="0" smtClean="0"/>
+          </a:p>
+          <a:p>
+            <a:r>
+              <a:rPr kumimoji="1" lang="ja-JP" altLang="en-US" dirty="0" smtClean="0"/>
+              <a:t>位置情報</a:t>
+            </a:r>
+            <a:endParaRPr kumimoji="1" lang="en-US" altLang="ja-JP" dirty="0" smtClean="0"/>
+          </a:p>
+          <a:p>
+            <a:r>
+              <a:rPr lang="ja-JP" altLang="en-US" dirty="0" smtClean="0"/>
+              <a:t>大きさ</a:t>
+            </a:r>
+            <a:endParaRPr lang="en-US" altLang="ja-JP" dirty="0" smtClean="0"/>
+          </a:p>
+          <a:p>
+            <a:r>
+              <a:rPr kumimoji="1" lang="ja-JP" altLang="en-US" dirty="0" smtClean="0">
+                <a:solidFill>
+                  <a:srgbClr val="FF0000"/>
+                </a:solidFill>
+              </a:rPr>
+              <a:t>距離</a:t>
+            </a:r>
+            <a:endParaRPr kumimoji="1" lang="en-US" altLang="ja-JP" dirty="0" smtClean="0">
+              <a:solidFill>
+                <a:srgbClr val="FF0000"/>
+              </a:solidFill>
+            </a:endParaRPr>
+          </a:p>
           <a:p>
             <a:endParaRPr kumimoji="1" lang="ja-JP" altLang="en-US" dirty="0"/>
           </a:p>
@@ -13881,7 +14217,7 @@
     </p:spTree>
     <p:extLst>
       <p:ext uri="{BB962C8B-B14F-4D97-AF65-F5344CB8AC3E}">
-        <p14:creationId xmlns:p14="http://schemas.microsoft.com/office/powerpoint/2010/main" val="4100046362"/>
+        <p14:creationId xmlns:p14="http://schemas.microsoft.com/office/powerpoint/2010/main" val="4179754605"/>
       </p:ext>
     </p:extLst>
   </p:cSld>
@@ -13930,11 +14266,7 @@
           <a:bodyPr/>
           <a:lstStyle/>
           <a:p>
-            <a:r>
-              <a:rPr kumimoji="1" lang="ja-JP" altLang="en-US" dirty="0" smtClean="0"/>
-              <a:t>実験環境（ここいらないかも）</a:t>
-            </a:r>
-            <a:endParaRPr kumimoji="1" lang="ja-JP" altLang="en-US" dirty="0"/>
+            <a:endParaRPr kumimoji="1" lang="ja-JP" altLang="en-US"/>
           </a:p>
         </p:txBody>
       </p:sp>
@@ -13953,41 +14285,7 @@
           <a:bodyPr/>
           <a:lstStyle/>
           <a:p>
-            <a:r>
-              <a:rPr lang="en-US" altLang="ja-JP" dirty="0" err="1" smtClean="0"/>
-              <a:t>Alexnet</a:t>
-            </a:r>
-            <a:r>
-              <a:rPr lang="ja-JP" altLang="en-US" dirty="0" smtClean="0"/>
-              <a:t>の構造をもとにモデルを</a:t>
-            </a:r>
-            <a:r>
-              <a:rPr lang="ja-JP" altLang="en-US" dirty="0"/>
-              <a:t>作成</a:t>
-            </a:r>
-            <a:r>
-              <a:rPr lang="ja-JP" altLang="en-US" dirty="0" smtClean="0"/>
-              <a:t>．</a:t>
-            </a:r>
-            <a:endParaRPr lang="en-US" altLang="ja-JP" dirty="0"/>
-          </a:p>
-          <a:p>
-            <a:endParaRPr lang="en-US" altLang="ja-JP" dirty="0"/>
-          </a:p>
-          <a:p>
-            <a:r>
-              <a:rPr lang="en-US" altLang="ja-JP" dirty="0"/>
-              <a:t>CIFER-10</a:t>
-            </a:r>
-            <a:r>
-              <a:rPr lang="ja-JP" altLang="en-US" dirty="0" smtClean="0"/>
-              <a:t>データセット</a:t>
-            </a:r>
-            <a:r>
-              <a:rPr lang="ja-JP" altLang="en-US" dirty="0"/>
-              <a:t>を学習に使用．</a:t>
-            </a:r>
-            <a:endParaRPr lang="en-US" altLang="ja-JP" dirty="0"/>
+            <a:endParaRPr kumimoji="1" lang="ja-JP" altLang="en-US" dirty="0"/>
           </a:p>
         </p:txBody>
       </p:sp>
@@ -14009,6 +14307,142 @@
             <a:fld id="{768BF403-63E9-4BE6-AA0B-408C483EA9DC}" type="slidenum">
               <a:rPr kumimoji="1" lang="ja-JP" altLang="en-US" smtClean="0"/>
               <a:t>36</a:t>
+            </a:fld>
+            <a:endParaRPr kumimoji="1" lang="ja-JP" altLang="en-US"/>
+          </a:p>
+        </p:txBody>
+      </p:sp>
+    </p:spTree>
+    <p:extLst>
+      <p:ext uri="{BB962C8B-B14F-4D97-AF65-F5344CB8AC3E}">
+        <p14:creationId xmlns:p14="http://schemas.microsoft.com/office/powerpoint/2010/main" val="4100046362"/>
+      </p:ext>
+    </p:extLst>
+  </p:cSld>
+  <p:clrMapOvr>
+    <a:masterClrMapping/>
+  </p:clrMapOvr>
+  <p:timing>
+    <p:tnLst>
+      <p:par>
+        <p:cTn id="1" dur="indefinite" restart="never" nodeType="tmRoot"/>
+      </p:par>
+    </p:tnLst>
+  </p:timing>
+</p:sld>
+</file>
+
+<file path=ppt/slides/slide37.xml><?xml version="1.0" encoding="utf-8"?>
+<p:sld xmlns:a="http://schemas.openxmlformats.org/drawingml/2006/main" xmlns:r="http://schemas.openxmlformats.org/officeDocument/2006/relationships" xmlns:p="http://schemas.openxmlformats.org/presentationml/2006/main">
+  <p:cSld>
+    <p:spTree>
+      <p:nvGrpSpPr>
+        <p:cNvPr id="1" name=""/>
+        <p:cNvGrpSpPr/>
+        <p:nvPr/>
+      </p:nvGrpSpPr>
+      <p:grpSpPr>
+        <a:xfrm>
+          <a:off x="0" y="0"/>
+          <a:ext cx="0" cy="0"/>
+          <a:chOff x="0" y="0"/>
+          <a:chExt cx="0" cy="0"/>
+        </a:xfrm>
+      </p:grpSpPr>
+      <p:sp>
+        <p:nvSpPr>
+          <p:cNvPr id="2" name="タイトル 1"/>
+          <p:cNvSpPr>
+            <a:spLocks noGrp="1"/>
+          </p:cNvSpPr>
+          <p:nvPr>
+            <p:ph type="title"/>
+          </p:nvPr>
+        </p:nvSpPr>
+        <p:spPr/>
+        <p:txBody>
+          <a:bodyPr/>
+          <a:lstStyle/>
+          <a:p>
+            <a:r>
+              <a:rPr kumimoji="1" lang="ja-JP" altLang="en-US" dirty="0" smtClean="0"/>
+              <a:t>実験環境（ここいらないかも）</a:t>
+            </a:r>
+            <a:endParaRPr kumimoji="1" lang="ja-JP" altLang="en-US" dirty="0"/>
+          </a:p>
+        </p:txBody>
+      </p:sp>
+      <p:sp>
+        <p:nvSpPr>
+          <p:cNvPr id="3" name="コンテンツ プレースホルダー 2"/>
+          <p:cNvSpPr>
+            <a:spLocks noGrp="1"/>
+          </p:cNvSpPr>
+          <p:nvPr>
+            <p:ph idx="1"/>
+          </p:nvPr>
+        </p:nvSpPr>
+        <p:spPr/>
+        <p:txBody>
+          <a:bodyPr/>
+          <a:lstStyle/>
+          <a:p>
+            <a:r>
+              <a:rPr lang="en-US" altLang="ja-JP" dirty="0" err="1" smtClean="0"/>
+              <a:t>Alexnet</a:t>
+            </a:r>
+            <a:r>
+              <a:rPr lang="ja-JP" altLang="en-US" dirty="0" smtClean="0"/>
+              <a:t>の構造をもとにモデルを</a:t>
+            </a:r>
+            <a:r>
+              <a:rPr lang="ja-JP" altLang="en-US" dirty="0"/>
+              <a:t>作成</a:t>
+            </a:r>
+            <a:r>
+              <a:rPr lang="ja-JP" altLang="en-US" dirty="0" smtClean="0"/>
+              <a:t>．</a:t>
+            </a:r>
+            <a:endParaRPr lang="en-US" altLang="ja-JP" dirty="0"/>
+          </a:p>
+          <a:p>
+            <a:endParaRPr lang="en-US" altLang="ja-JP" dirty="0"/>
+          </a:p>
+          <a:p>
+            <a:r>
+              <a:rPr lang="en-US" altLang="ja-JP" dirty="0"/>
+              <a:t>CIFER-10</a:t>
+            </a:r>
+            <a:r>
+              <a:rPr lang="ja-JP" altLang="en-US" dirty="0" smtClean="0"/>
+              <a:t>データセット</a:t>
+            </a:r>
+            <a:r>
+              <a:rPr lang="ja-JP" altLang="en-US" dirty="0"/>
+              <a:t>を学習に使用．</a:t>
+            </a:r>
+            <a:endParaRPr lang="en-US" altLang="ja-JP" dirty="0"/>
+          </a:p>
+        </p:txBody>
+      </p:sp>
+      <p:sp>
+        <p:nvSpPr>
+          <p:cNvPr id="4" name="スライド番号プレースホルダー 3"/>
+          <p:cNvSpPr>
+            <a:spLocks noGrp="1"/>
+          </p:cNvSpPr>
+          <p:nvPr>
+            <p:ph type="sldNum" sz="quarter" idx="12"/>
+          </p:nvPr>
+        </p:nvSpPr>
+        <p:spPr/>
+        <p:txBody>
+          <a:bodyPr/>
+          <a:lstStyle/>
+          <a:p>
+            <a:fld id="{768BF403-63E9-4BE6-AA0B-408C483EA9DC}" type="slidenum">
+              <a:rPr kumimoji="1" lang="ja-JP" altLang="en-US" smtClean="0"/>
+              <a:t>37</a:t>
             </a:fld>
             <a:endParaRPr kumimoji="1" lang="ja-JP" altLang="en-US"/>
           </a:p>
@@ -14034,7 +14468,7 @@
 </p:sld>
 </file>
 
-<file path=ppt/slides/slide37.xml><?xml version="1.0" encoding="utf-8"?>
+<file path=ppt/slides/slide38.xml><?xml version="1.0" encoding="utf-8"?>
 <p:sld xmlns:a="http://schemas.openxmlformats.org/drawingml/2006/main" xmlns:r="http://schemas.openxmlformats.org/officeDocument/2006/relationships" xmlns:p="http://schemas.openxmlformats.org/presentationml/2006/main">
   <p:cSld>
     <p:spTree>
@@ -14759,7 +15193,7 @@
 </p:sld>
 </file>
 
-<file path=ppt/slides/slide38.xml><?xml version="1.0" encoding="utf-8"?>
+<file path=ppt/slides/slide39.xml><?xml version="1.0" encoding="utf-8"?>
 <p:sld xmlns:a="http://schemas.openxmlformats.org/drawingml/2006/main" xmlns:r="http://schemas.openxmlformats.org/officeDocument/2006/relationships" xmlns:p="http://schemas.openxmlformats.org/presentationml/2006/main">
   <p:cSld>
     <p:spTree>
@@ -15146,7 +15580,7 @@
           <a:p>
             <a:fld id="{768BF403-63E9-4BE6-AA0B-408C483EA9DC}" type="slidenum">
               <a:rPr kumimoji="1" lang="ja-JP" altLang="en-US" smtClean="0"/>
-              <a:t>38</a:t>
+              <a:t>39</a:t>
             </a:fld>
             <a:endParaRPr kumimoji="1" lang="ja-JP" altLang="en-US"/>
           </a:p>
@@ -15156,164 +15590,6 @@
     <p:extLst>
       <p:ext uri="{BB962C8B-B14F-4D97-AF65-F5344CB8AC3E}">
         <p14:creationId xmlns:p14="http://schemas.microsoft.com/office/powerpoint/2010/main" val="2176068897"/>
-      </p:ext>
-    </p:extLst>
-  </p:cSld>
-  <p:clrMapOvr>
-    <a:masterClrMapping/>
-  </p:clrMapOvr>
-  <p:timing>
-    <p:tnLst>
-      <p:par>
-        <p:cTn id="1" dur="indefinite" restart="never" nodeType="tmRoot"/>
-      </p:par>
-    </p:tnLst>
-  </p:timing>
-</p:sld>
-</file>
-
-<file path=ppt/slides/slide39.xml><?xml version="1.0" encoding="utf-8"?>
-<p:sld xmlns:a="http://schemas.openxmlformats.org/drawingml/2006/main" xmlns:r="http://schemas.openxmlformats.org/officeDocument/2006/relationships" xmlns:p="http://schemas.openxmlformats.org/presentationml/2006/main">
-  <p:cSld>
-    <p:spTree>
-      <p:nvGrpSpPr>
-        <p:cNvPr id="1" name=""/>
-        <p:cNvGrpSpPr/>
-        <p:nvPr/>
-      </p:nvGrpSpPr>
-      <p:grpSpPr>
-        <a:xfrm>
-          <a:off x="0" y="0"/>
-          <a:ext cx="0" cy="0"/>
-          <a:chOff x="0" y="0"/>
-          <a:chExt cx="0" cy="0"/>
-        </a:xfrm>
-      </p:grpSpPr>
-      <p:sp>
-        <p:nvSpPr>
-          <p:cNvPr id="2" name="タイトル 1"/>
-          <p:cNvSpPr>
-            <a:spLocks noGrp="1"/>
-          </p:cNvSpPr>
-          <p:nvPr>
-            <p:ph type="title"/>
-          </p:nvPr>
-        </p:nvSpPr>
-        <p:spPr/>
-        <p:txBody>
-          <a:bodyPr/>
-          <a:lstStyle/>
-          <a:p>
-            <a:r>
-              <a:rPr lang="ja-JP" altLang="en-US" dirty="0"/>
-              <a:t>任意の層</a:t>
-            </a:r>
-            <a:r>
-              <a:rPr lang="ja-JP" altLang="en-US" dirty="0" smtClean="0"/>
-              <a:t>からベクトルを表示</a:t>
-            </a:r>
-            <a:endParaRPr kumimoji="1" lang="ja-JP" altLang="en-US" dirty="0"/>
-          </a:p>
-        </p:txBody>
-      </p:sp>
-      <p:sp>
-        <p:nvSpPr>
-          <p:cNvPr id="3" name="コンテンツ プレースホルダー 2"/>
-          <p:cNvSpPr>
-            <a:spLocks noGrp="1"/>
-          </p:cNvSpPr>
-          <p:nvPr>
-            <p:ph idx="1"/>
-          </p:nvPr>
-        </p:nvSpPr>
-        <p:spPr/>
-        <p:txBody>
-          <a:bodyPr/>
-          <a:lstStyle/>
-          <a:p>
-            <a:r>
-              <a:rPr kumimoji="1" lang="ja-JP" altLang="en-US" dirty="0" smtClean="0"/>
-              <a:t>先週は，すべての層のベクトルを出していた．</a:t>
-            </a:r>
-            <a:endParaRPr kumimoji="1" lang="en-US" altLang="ja-JP" dirty="0" smtClean="0"/>
-          </a:p>
-          <a:p>
-            <a:endParaRPr lang="en-US" altLang="ja-JP" dirty="0"/>
-          </a:p>
-          <a:p>
-            <a:r>
-              <a:rPr kumimoji="1" lang="ja-JP" altLang="en-US" dirty="0" smtClean="0"/>
-              <a:t>今週，指定した層のみのベクトルを抽出することができた．</a:t>
-            </a:r>
-            <a:endParaRPr kumimoji="1" lang="en-US" altLang="ja-JP" dirty="0" smtClean="0"/>
-          </a:p>
-          <a:p>
-            <a:pPr lvl="1"/>
-            <a:endParaRPr lang="en-US" altLang="ja-JP" dirty="0"/>
-          </a:p>
-          <a:p>
-            <a:pPr lvl="1"/>
-            <a:r>
-              <a:rPr lang="en-US" altLang="ja-JP" dirty="0">
-                <a:hlinkClick r:id="rId2"/>
-              </a:rPr>
-              <a:t>1821005-yoshioka-thesis/</a:t>
-            </a:r>
-            <a:r>
-              <a:rPr lang="en-US" altLang="ja-JP" dirty="0" err="1">
-                <a:hlinkClick r:id="rId2"/>
-              </a:rPr>
-              <a:t>pred_vector_storage.ipynb</a:t>
-            </a:r>
-            <a:r>
-              <a:rPr lang="en-US" altLang="ja-JP" dirty="0">
-                <a:hlinkClick r:id="rId2"/>
-              </a:rPr>
-              <a:t> at main · </a:t>
-            </a:r>
-            <a:r>
-              <a:rPr lang="en-US" altLang="ja-JP" dirty="0" err="1">
-                <a:hlinkClick r:id="rId2"/>
-              </a:rPr>
-              <a:t>kait-takanolab</a:t>
-            </a:r>
-            <a:r>
-              <a:rPr lang="en-US" altLang="ja-JP" dirty="0">
-                <a:hlinkClick r:id="rId2"/>
-              </a:rPr>
-              <a:t>/1821005-yoshioka-thesis (github.com)</a:t>
-            </a:r>
-            <a:endParaRPr kumimoji="1" lang="ja-JP" altLang="en-US" dirty="0"/>
-          </a:p>
-        </p:txBody>
-      </p:sp>
-      <p:sp>
-        <p:nvSpPr>
-          <p:cNvPr id="4" name="スライド番号プレースホルダー 3"/>
-          <p:cNvSpPr>
-            <a:spLocks noGrp="1"/>
-          </p:cNvSpPr>
-          <p:nvPr>
-            <p:ph type="sldNum" sz="quarter" idx="12"/>
-          </p:nvPr>
-        </p:nvSpPr>
-        <p:spPr/>
-        <p:txBody>
-          <a:bodyPr/>
-          <a:lstStyle/>
-          <a:p>
-            <a:fld id="{768BF403-63E9-4BE6-AA0B-408C483EA9DC}" type="slidenum">
-              <a:rPr kumimoji="1" lang="ja-JP" altLang="en-US" smtClean="0"/>
-              <a:t>39</a:t>
-            </a:fld>
-            <a:endParaRPr kumimoji="1" lang="ja-JP" altLang="en-US"/>
-          </a:p>
-        </p:txBody>
-      </p:sp>
-    </p:spTree>
-    <p:extLst>
-      <p:ext uri="{BB962C8B-B14F-4D97-AF65-F5344CB8AC3E}">
-        <p14:creationId xmlns:p14="http://schemas.microsoft.com/office/powerpoint/2010/main" val="2674427615"/>
       </p:ext>
     </p:extLst>
   </p:cSld>
@@ -15385,16 +15661,39 @@
           <a:bodyPr/>
           <a:lstStyle/>
           <a:p>
+            <a:pPr>
+              <a:lnSpc>
+                <a:spcPct val="100000"/>
+              </a:lnSpc>
+            </a:pPr>
             <a:r>
               <a:rPr kumimoji="1" lang="ja-JP" altLang="en-US" dirty="0" smtClean="0"/>
-              <a:t>画像検索において，高次元では，検索精度が良くなり，計算時間が増加する．反対に，低次元では，検索精度が悪くなり，計算時間が減少する．</a:t>
+              <a:t>画像検索において，高次元では，検索精度が良くなり，計算時間が増加する．反対に，低次元で</a:t>
+            </a:r>
+            <a:r>
+              <a:rPr kumimoji="1" lang="ja-JP" altLang="en-US" dirty="0" smtClean="0"/>
+              <a:t>は検索</a:t>
+            </a:r>
+            <a:r>
+              <a:rPr kumimoji="1" lang="ja-JP" altLang="en-US" dirty="0" smtClean="0"/>
+              <a:t>精度が悪くなり，計算時間が減少する．</a:t>
             </a:r>
             <a:endParaRPr kumimoji="1" lang="en-US" altLang="ja-JP" dirty="0" smtClean="0"/>
           </a:p>
           <a:p>
+            <a:pPr>
+              <a:lnSpc>
+                <a:spcPct val="100000"/>
+              </a:lnSpc>
+            </a:pPr>
             <a:endParaRPr kumimoji="1" lang="en-US" altLang="ja-JP" dirty="0" smtClean="0"/>
           </a:p>
           <a:p>
+            <a:pPr>
+              <a:lnSpc>
+                <a:spcPct val="100000"/>
+              </a:lnSpc>
+            </a:pPr>
             <a:r>
               <a:rPr lang="ja-JP" altLang="en-US" dirty="0">
                 <a:solidFill>
@@ -15426,20 +15725,6 @@
                 </a:solidFill>
               </a:rPr>
               <a:t>．</a:t>
-            </a:r>
-            <a:endParaRPr lang="en-US" altLang="ja-JP" dirty="0" smtClean="0">
-              <a:solidFill>
-                <a:srgbClr val="FF0000"/>
-              </a:solidFill>
-            </a:endParaRPr>
-          </a:p>
-          <a:p>
-            <a:endParaRPr lang="en-US" altLang="ja-JP" dirty="0"/>
-          </a:p>
-          <a:p>
-            <a:r>
-              <a:rPr lang="ja-JP" altLang="en-US" dirty="0"/>
-              <a:t>調査するための分析手法を示す．</a:t>
             </a:r>
             <a:endParaRPr lang="en-US" altLang="ja-JP" dirty="0"/>
           </a:p>
@@ -15527,6 +15812,164 @@
           <a:lstStyle/>
           <a:p>
             <a:r>
+              <a:rPr lang="ja-JP" altLang="en-US" dirty="0"/>
+              <a:t>任意の層</a:t>
+            </a:r>
+            <a:r>
+              <a:rPr lang="ja-JP" altLang="en-US" dirty="0" smtClean="0"/>
+              <a:t>からベクトルを表示</a:t>
+            </a:r>
+            <a:endParaRPr kumimoji="1" lang="ja-JP" altLang="en-US" dirty="0"/>
+          </a:p>
+        </p:txBody>
+      </p:sp>
+      <p:sp>
+        <p:nvSpPr>
+          <p:cNvPr id="3" name="コンテンツ プレースホルダー 2"/>
+          <p:cNvSpPr>
+            <a:spLocks noGrp="1"/>
+          </p:cNvSpPr>
+          <p:nvPr>
+            <p:ph idx="1"/>
+          </p:nvPr>
+        </p:nvSpPr>
+        <p:spPr/>
+        <p:txBody>
+          <a:bodyPr/>
+          <a:lstStyle/>
+          <a:p>
+            <a:r>
+              <a:rPr kumimoji="1" lang="ja-JP" altLang="en-US" dirty="0" smtClean="0"/>
+              <a:t>先週は，すべての層のベクトルを出していた．</a:t>
+            </a:r>
+            <a:endParaRPr kumimoji="1" lang="en-US" altLang="ja-JP" dirty="0" smtClean="0"/>
+          </a:p>
+          <a:p>
+            <a:endParaRPr lang="en-US" altLang="ja-JP" dirty="0"/>
+          </a:p>
+          <a:p>
+            <a:r>
+              <a:rPr kumimoji="1" lang="ja-JP" altLang="en-US" dirty="0" smtClean="0"/>
+              <a:t>今週，指定した層のみのベクトルを抽出することができた．</a:t>
+            </a:r>
+            <a:endParaRPr kumimoji="1" lang="en-US" altLang="ja-JP" dirty="0" smtClean="0"/>
+          </a:p>
+          <a:p>
+            <a:pPr lvl="1"/>
+            <a:endParaRPr lang="en-US" altLang="ja-JP" dirty="0"/>
+          </a:p>
+          <a:p>
+            <a:pPr lvl="1"/>
+            <a:r>
+              <a:rPr lang="en-US" altLang="ja-JP" dirty="0">
+                <a:hlinkClick r:id="rId2"/>
+              </a:rPr>
+              <a:t>1821005-yoshioka-thesis/</a:t>
+            </a:r>
+            <a:r>
+              <a:rPr lang="en-US" altLang="ja-JP" dirty="0" err="1">
+                <a:hlinkClick r:id="rId2"/>
+              </a:rPr>
+              <a:t>pred_vector_storage.ipynb</a:t>
+            </a:r>
+            <a:r>
+              <a:rPr lang="en-US" altLang="ja-JP" dirty="0">
+                <a:hlinkClick r:id="rId2"/>
+              </a:rPr>
+              <a:t> at main · </a:t>
+            </a:r>
+            <a:r>
+              <a:rPr lang="en-US" altLang="ja-JP" dirty="0" err="1">
+                <a:hlinkClick r:id="rId2"/>
+              </a:rPr>
+              <a:t>kait-takanolab</a:t>
+            </a:r>
+            <a:r>
+              <a:rPr lang="en-US" altLang="ja-JP" dirty="0">
+                <a:hlinkClick r:id="rId2"/>
+              </a:rPr>
+              <a:t>/1821005-yoshioka-thesis (github.com)</a:t>
+            </a:r>
+            <a:endParaRPr kumimoji="1" lang="ja-JP" altLang="en-US" dirty="0"/>
+          </a:p>
+        </p:txBody>
+      </p:sp>
+      <p:sp>
+        <p:nvSpPr>
+          <p:cNvPr id="4" name="スライド番号プレースホルダー 3"/>
+          <p:cNvSpPr>
+            <a:spLocks noGrp="1"/>
+          </p:cNvSpPr>
+          <p:nvPr>
+            <p:ph type="sldNum" sz="quarter" idx="12"/>
+          </p:nvPr>
+        </p:nvSpPr>
+        <p:spPr/>
+        <p:txBody>
+          <a:bodyPr/>
+          <a:lstStyle/>
+          <a:p>
+            <a:fld id="{768BF403-63E9-4BE6-AA0B-408C483EA9DC}" type="slidenum">
+              <a:rPr kumimoji="1" lang="ja-JP" altLang="en-US" smtClean="0"/>
+              <a:t>40</a:t>
+            </a:fld>
+            <a:endParaRPr kumimoji="1" lang="ja-JP" altLang="en-US"/>
+          </a:p>
+        </p:txBody>
+      </p:sp>
+    </p:spTree>
+    <p:extLst>
+      <p:ext uri="{BB962C8B-B14F-4D97-AF65-F5344CB8AC3E}">
+        <p14:creationId xmlns:p14="http://schemas.microsoft.com/office/powerpoint/2010/main" val="2674427615"/>
+      </p:ext>
+    </p:extLst>
+  </p:cSld>
+  <p:clrMapOvr>
+    <a:masterClrMapping/>
+  </p:clrMapOvr>
+  <p:timing>
+    <p:tnLst>
+      <p:par>
+        <p:cTn id="1" dur="indefinite" restart="never" nodeType="tmRoot"/>
+      </p:par>
+    </p:tnLst>
+  </p:timing>
+</p:sld>
+</file>
+
+<file path=ppt/slides/slide41.xml><?xml version="1.0" encoding="utf-8"?>
+<p:sld xmlns:a="http://schemas.openxmlformats.org/drawingml/2006/main" xmlns:r="http://schemas.openxmlformats.org/officeDocument/2006/relationships" xmlns:p="http://schemas.openxmlformats.org/presentationml/2006/main">
+  <p:cSld>
+    <p:spTree>
+      <p:nvGrpSpPr>
+        <p:cNvPr id="1" name=""/>
+        <p:cNvGrpSpPr/>
+        <p:nvPr/>
+      </p:nvGrpSpPr>
+      <p:grpSpPr>
+        <a:xfrm>
+          <a:off x="0" y="0"/>
+          <a:ext cx="0" cy="0"/>
+          <a:chOff x="0" y="0"/>
+          <a:chExt cx="0" cy="0"/>
+        </a:xfrm>
+      </p:grpSpPr>
+      <p:sp>
+        <p:nvSpPr>
+          <p:cNvPr id="2" name="タイトル 1"/>
+          <p:cNvSpPr>
+            <a:spLocks noGrp="1"/>
+          </p:cNvSpPr>
+          <p:nvPr>
+            <p:ph type="title"/>
+          </p:nvPr>
+        </p:nvSpPr>
+        <p:spPr/>
+        <p:txBody>
+          <a:bodyPr/>
+          <a:lstStyle/>
+          <a:p>
+            <a:r>
               <a:rPr kumimoji="1" lang="ja-JP" altLang="en-US" dirty="0" smtClean="0"/>
               <a:t>大量の予測ベクトル保存</a:t>
             </a:r>
@@ -15601,7 +16044,7 @@
           <a:p>
             <a:fld id="{768BF403-63E9-4BE6-AA0B-408C483EA9DC}" type="slidenum">
               <a:rPr kumimoji="1" lang="ja-JP" altLang="en-US" smtClean="0"/>
-              <a:t>40</a:t>
+              <a:t>41</a:t>
             </a:fld>
             <a:endParaRPr kumimoji="1" lang="ja-JP" altLang="en-US"/>
           </a:p>
@@ -16012,7 +16455,7 @@
 </p:sld>
 </file>
 
-<file path=ppt/slides/slide41.xml><?xml version="1.0" encoding="utf-8"?>
+<file path=ppt/slides/slide42.xml><?xml version="1.0" encoding="utf-8"?>
 <p:sld xmlns:a="http://schemas.openxmlformats.org/drawingml/2006/main" xmlns:r="http://schemas.openxmlformats.org/officeDocument/2006/relationships" xmlns:p="http://schemas.openxmlformats.org/presentationml/2006/main">
   <p:cSld>
     <p:spTree>
@@ -16162,7 +16605,7 @@
           <a:p>
             <a:fld id="{768BF403-63E9-4BE6-AA0B-408C483EA9DC}" type="slidenum">
               <a:rPr kumimoji="1" lang="ja-JP" altLang="en-US" smtClean="0"/>
-              <a:t>41</a:t>
+              <a:t>42</a:t>
             </a:fld>
             <a:endParaRPr kumimoji="1" lang="ja-JP" altLang="en-US"/>
           </a:p>
@@ -16212,141 +16655,6 @@
     <p:extLst>
       <p:ext uri="{BB962C8B-B14F-4D97-AF65-F5344CB8AC3E}">
         <p14:creationId xmlns:p14="http://schemas.microsoft.com/office/powerpoint/2010/main" val="950403176"/>
-      </p:ext>
-    </p:extLst>
-  </p:cSld>
-  <p:clrMapOvr>
-    <a:masterClrMapping/>
-  </p:clrMapOvr>
-  <p:timing>
-    <p:tnLst>
-      <p:par>
-        <p:cTn id="1" dur="indefinite" restart="never" nodeType="tmRoot"/>
-      </p:par>
-    </p:tnLst>
-  </p:timing>
-</p:sld>
-</file>
-
-<file path=ppt/slides/slide42.xml><?xml version="1.0" encoding="utf-8"?>
-<p:sld xmlns:a="http://schemas.openxmlformats.org/drawingml/2006/main" xmlns:r="http://schemas.openxmlformats.org/officeDocument/2006/relationships" xmlns:p="http://schemas.openxmlformats.org/presentationml/2006/main">
-  <p:cSld>
-    <p:spTree>
-      <p:nvGrpSpPr>
-        <p:cNvPr id="1" name=""/>
-        <p:cNvGrpSpPr/>
-        <p:nvPr/>
-      </p:nvGrpSpPr>
-      <p:grpSpPr>
-        <a:xfrm>
-          <a:off x="0" y="0"/>
-          <a:ext cx="0" cy="0"/>
-          <a:chOff x="0" y="0"/>
-          <a:chExt cx="0" cy="0"/>
-        </a:xfrm>
-      </p:grpSpPr>
-      <p:sp>
-        <p:nvSpPr>
-          <p:cNvPr id="3" name="コンテンツ プレースホルダー 2"/>
-          <p:cNvSpPr>
-            <a:spLocks noGrp="1"/>
-          </p:cNvSpPr>
-          <p:nvPr>
-            <p:ph idx="1"/>
-          </p:nvPr>
-        </p:nvSpPr>
-        <p:spPr/>
-        <p:txBody>
-          <a:bodyPr/>
-          <a:lstStyle/>
-          <a:p>
-            <a:r>
-              <a:rPr lang="ja-JP" altLang="en-US" dirty="0" smtClean="0"/>
-              <a:t>現在，</a:t>
-            </a:r>
-            <a:r>
-              <a:rPr lang="en-US" altLang="ja-JP" dirty="0" smtClean="0"/>
-              <a:t>3</a:t>
-            </a:r>
-            <a:r>
-              <a:rPr lang="ja-JP" altLang="en-US" dirty="0" err="1" smtClean="0"/>
-              <a:t>つの</a:t>
-            </a:r>
-            <a:r>
-              <a:rPr lang="ja-JP" altLang="en-US" dirty="0" smtClean="0"/>
-              <a:t>モデル</a:t>
-            </a:r>
-            <a:r>
-              <a:rPr lang="en-US" altLang="ja-JP" dirty="0" smtClean="0"/>
-              <a:t>(100</a:t>
-            </a:r>
-            <a:r>
-              <a:rPr lang="ja-JP" altLang="en-US" dirty="0" err="1" smtClean="0"/>
-              <a:t>，</a:t>
-            </a:r>
-            <a:r>
-              <a:rPr lang="en-US" altLang="ja-JP" dirty="0" smtClean="0"/>
-              <a:t>1000</a:t>
-            </a:r>
-            <a:r>
-              <a:rPr lang="ja-JP" altLang="en-US" dirty="0" err="1" smtClean="0"/>
-              <a:t>，</a:t>
-            </a:r>
-            <a:r>
-              <a:rPr lang="en-US" altLang="ja-JP" dirty="0" smtClean="0"/>
-              <a:t>2000)</a:t>
-            </a:r>
-            <a:r>
-              <a:rPr lang="ja-JP" altLang="en-US" dirty="0" smtClean="0"/>
-              <a:t>を作成し，それぞれ</a:t>
-            </a:r>
-            <a:r>
-              <a:rPr lang="en-US" altLang="ja-JP" dirty="0" smtClean="0"/>
-              <a:t>cifar10</a:t>
-            </a:r>
-            <a:r>
-              <a:rPr lang="ja-JP" altLang="en-US" dirty="0" smtClean="0"/>
-              <a:t>のテストデータ</a:t>
-            </a:r>
-            <a:r>
-              <a:rPr lang="en-US" altLang="ja-JP" dirty="0" smtClean="0"/>
-              <a:t>1</a:t>
-            </a:r>
-            <a:r>
-              <a:rPr lang="ja-JP" altLang="en-US" dirty="0" smtClean="0"/>
-              <a:t>万件の予測ベクトル情報を取得し，保存した．</a:t>
-            </a:r>
-            <a:endParaRPr kumimoji="1" lang="ja-JP" altLang="en-US" dirty="0"/>
-          </a:p>
-        </p:txBody>
-      </p:sp>
-      <p:sp>
-        <p:nvSpPr>
-          <p:cNvPr id="4" name="スライド番号プレースホルダー 3"/>
-          <p:cNvSpPr>
-            <a:spLocks noGrp="1"/>
-          </p:cNvSpPr>
-          <p:nvPr>
-            <p:ph type="sldNum" sz="quarter" idx="12"/>
-          </p:nvPr>
-        </p:nvSpPr>
-        <p:spPr/>
-        <p:txBody>
-          <a:bodyPr/>
-          <a:lstStyle/>
-          <a:p>
-            <a:fld id="{768BF403-63E9-4BE6-AA0B-408C483EA9DC}" type="slidenum">
-              <a:rPr kumimoji="1" lang="ja-JP" altLang="en-US" smtClean="0"/>
-              <a:t>42</a:t>
-            </a:fld>
-            <a:endParaRPr kumimoji="1" lang="ja-JP" altLang="en-US"/>
-          </a:p>
-        </p:txBody>
-      </p:sp>
-    </p:spTree>
-    <p:extLst>
-      <p:ext uri="{BB962C8B-B14F-4D97-AF65-F5344CB8AC3E}">
-        <p14:creationId xmlns:p14="http://schemas.microsoft.com/office/powerpoint/2010/main" val="3659304633"/>
       </p:ext>
     </p:extLst>
   </p:cSld>
@@ -16382,12 +16690,12 @@
       </p:grpSpPr>
       <p:sp>
         <p:nvSpPr>
-          <p:cNvPr id="2" name="タイトル 1"/>
+          <p:cNvPr id="3" name="コンテンツ プレースホルダー 2"/>
           <p:cNvSpPr>
             <a:spLocks noGrp="1"/>
           </p:cNvSpPr>
           <p:nvPr>
-            <p:ph type="title"/>
+            <p:ph idx="1"/>
           </p:nvPr>
         </p:nvSpPr>
         <p:spPr/>
@@ -16396,64 +16704,60 @@
           <a:lstStyle/>
           <a:p>
             <a:r>
-              <a:rPr kumimoji="1" lang="ja-JP" altLang="en-US" dirty="0" smtClean="0"/>
-              <a:t>画像検索システム評価</a:t>
-            </a:r>
-            <a:endParaRPr kumimoji="1" lang="ja-JP" altLang="en-US" dirty="0"/>
-          </a:p>
-        </p:txBody>
-      </p:sp>
-      <p:sp>
-        <p:nvSpPr>
-          <p:cNvPr id="3" name="コンテンツ プレースホルダー 2"/>
-          <p:cNvSpPr>
-            <a:spLocks noGrp="1"/>
-          </p:cNvSpPr>
-          <p:nvPr>
-            <p:ph idx="1"/>
-          </p:nvPr>
-        </p:nvSpPr>
-        <p:spPr/>
-        <p:txBody>
-          <a:bodyPr/>
-          <a:lstStyle/>
-          <a:p>
-            <a:r>
-              <a:rPr kumimoji="1" lang="ja-JP" altLang="en-US" dirty="0" smtClean="0"/>
-              <a:t>試しで作ってみました．</a:t>
-            </a:r>
-            <a:endParaRPr kumimoji="1" lang="en-US" altLang="ja-JP" dirty="0" smtClean="0"/>
-          </a:p>
-          <a:p>
-            <a:r>
-              <a:rPr lang="en-US" altLang="ja-JP" dirty="0">
-                <a:hlinkClick r:id="rId2"/>
-              </a:rPr>
-              <a:t>1821005-yoshioka-thesis/</a:t>
-            </a:r>
-            <a:r>
-              <a:rPr lang="en-US" altLang="ja-JP" dirty="0" err="1">
-                <a:hlinkClick r:id="rId2"/>
-              </a:rPr>
-              <a:t>search_image.ipynb</a:t>
-            </a:r>
-            <a:r>
-              <a:rPr lang="en-US" altLang="ja-JP" dirty="0">
-                <a:hlinkClick r:id="rId2"/>
-              </a:rPr>
-              <a:t> at main · </a:t>
-            </a:r>
-            <a:r>
-              <a:rPr lang="en-US" altLang="ja-JP" dirty="0" err="1">
-                <a:hlinkClick r:id="rId2"/>
-              </a:rPr>
-              <a:t>kait-takanolab</a:t>
-            </a:r>
-            <a:r>
-              <a:rPr lang="en-US" altLang="ja-JP" dirty="0">
-                <a:hlinkClick r:id="rId2"/>
-              </a:rPr>
-              <a:t>/1821005-yoshioka-thesis (github.com)</a:t>
+              <a:rPr lang="ja-JP" altLang="en-US" dirty="0" smtClean="0"/>
+              <a:t>現在，</a:t>
+            </a:r>
+            <a:r>
+              <a:rPr lang="en-US" altLang="ja-JP" dirty="0" smtClean="0"/>
+              <a:t>3</a:t>
+            </a:r>
+            <a:r>
+              <a:rPr lang="ja-JP" altLang="en-US" dirty="0" err="1" smtClean="0"/>
+              <a:t>つの</a:t>
+            </a:r>
+            <a:r>
+              <a:rPr lang="ja-JP" altLang="en-US" dirty="0" smtClean="0"/>
+              <a:t>モデル</a:t>
+            </a:r>
+            <a:r>
+              <a:rPr lang="en-US" altLang="ja-JP" dirty="0" smtClean="0"/>
+              <a:t>(100</a:t>
+            </a:r>
+            <a:r>
+              <a:rPr lang="ja-JP" altLang="en-US" dirty="0" err="1" smtClean="0"/>
+              <a:t>，</a:t>
+            </a:r>
+            <a:r>
+              <a:rPr lang="en-US" altLang="ja-JP" dirty="0" smtClean="0"/>
+              <a:t>1000</a:t>
+            </a:r>
+            <a:r>
+              <a:rPr lang="ja-JP" altLang="en-US" dirty="0" err="1" smtClean="0"/>
+              <a:t>，</a:t>
+            </a:r>
+            <a:r>
+              <a:rPr lang="en-US" altLang="ja-JP" dirty="0" smtClean="0"/>
+              <a:t>2000)</a:t>
+            </a:r>
+            <a:r>
+              <a:rPr lang="ja-JP" altLang="en-US" dirty="0" smtClean="0"/>
+              <a:t>を作成し，それぞれ</a:t>
+            </a:r>
+            <a:r>
+              <a:rPr lang="en-US" altLang="ja-JP" dirty="0" smtClean="0"/>
+              <a:t>cifar10</a:t>
+            </a:r>
+            <a:r>
+              <a:rPr lang="ja-JP" altLang="en-US" dirty="0" smtClean="0"/>
+              <a:t>のテストデータ</a:t>
+            </a:r>
+            <a:r>
+              <a:rPr lang="en-US" altLang="ja-JP" dirty="0" smtClean="0"/>
+              <a:t>1</a:t>
+            </a:r>
+            <a:r>
+              <a:rPr lang="ja-JP" altLang="en-US" dirty="0" smtClean="0"/>
+              <a:t>万件の予測ベクトル情報を取得し，保存した．</a:t>
             </a:r>
             <a:endParaRPr kumimoji="1" lang="ja-JP" altLang="en-US" dirty="0"/>
           </a:p>
@@ -16485,7 +16789,7 @@
     </p:spTree>
     <p:extLst>
       <p:ext uri="{BB962C8B-B14F-4D97-AF65-F5344CB8AC3E}">
-        <p14:creationId xmlns:p14="http://schemas.microsoft.com/office/powerpoint/2010/main" val="937129225"/>
+        <p14:creationId xmlns:p14="http://schemas.microsoft.com/office/powerpoint/2010/main" val="3659304633"/>
       </p:ext>
     </p:extLst>
   </p:cSld>
@@ -16534,13 +16838,73 @@
           <a:bodyPr/>
           <a:lstStyle/>
           <a:p>
+            <a:r>
+              <a:rPr kumimoji="1" lang="ja-JP" altLang="en-US" dirty="0" smtClean="0"/>
+              <a:t>画像検索システム評価</a:t>
+            </a:r>
             <a:endParaRPr kumimoji="1" lang="ja-JP" altLang="en-US" dirty="0"/>
           </a:p>
         </p:txBody>
       </p:sp>
       <p:sp>
         <p:nvSpPr>
-          <p:cNvPr id="3" name="スライド番号プレースホルダー 2"/>
+          <p:cNvPr id="3" name="コンテンツ プレースホルダー 2"/>
+          <p:cNvSpPr>
+            <a:spLocks noGrp="1"/>
+          </p:cNvSpPr>
+          <p:nvPr>
+            <p:ph idx="1"/>
+          </p:nvPr>
+        </p:nvSpPr>
+        <p:spPr/>
+        <p:txBody>
+          <a:bodyPr/>
+          <a:lstStyle/>
+          <a:p>
+            <a:r>
+              <a:rPr kumimoji="1" lang="ja-JP" altLang="en-US" dirty="0" smtClean="0"/>
+              <a:t>試しで作ってみました．</a:t>
+            </a:r>
+            <a:endParaRPr kumimoji="1" lang="en-US" altLang="ja-JP" dirty="0" smtClean="0"/>
+          </a:p>
+          <a:p>
+            <a:r>
+              <a:rPr lang="en-US" altLang="ja-JP" dirty="0">
+                <a:hlinkClick r:id="rId2"/>
+              </a:rPr>
+              <a:t>1821005-yoshioka-thesis/</a:t>
+            </a:r>
+            <a:r>
+              <a:rPr lang="en-US" altLang="ja-JP" dirty="0" err="1">
+                <a:hlinkClick r:id="rId2"/>
+              </a:rPr>
+              <a:t>search_image.ipynb</a:t>
+            </a:r>
+            <a:r>
+              <a:rPr lang="en-US" altLang="ja-JP" dirty="0">
+                <a:hlinkClick r:id="rId2"/>
+              </a:rPr>
+              <a:t> at main · </a:t>
+            </a:r>
+            <a:r>
+              <a:rPr lang="en-US" altLang="ja-JP" dirty="0" err="1">
+                <a:hlinkClick r:id="rId2"/>
+              </a:rPr>
+              <a:t>kait-takanolab</a:t>
+            </a:r>
+            <a:r>
+              <a:rPr lang="en-US" altLang="ja-JP" dirty="0">
+                <a:hlinkClick r:id="rId2"/>
+              </a:rPr>
+              <a:t>/1821005-yoshioka-thesis (github.com)</a:t>
+            </a:r>
+            <a:endParaRPr kumimoji="1" lang="ja-JP" altLang="en-US" dirty="0"/>
+          </a:p>
+        </p:txBody>
+      </p:sp>
+      <p:sp>
+        <p:nvSpPr>
+          <p:cNvPr id="4" name="スライド番号プレースホルダー 3"/>
           <p:cNvSpPr>
             <a:spLocks noGrp="1"/>
           </p:cNvSpPr>
@@ -16556,6 +16920,85 @@
             <a:fld id="{768BF403-63E9-4BE6-AA0B-408C483EA9DC}" type="slidenum">
               <a:rPr kumimoji="1" lang="ja-JP" altLang="en-US" smtClean="0"/>
               <a:t>44</a:t>
+            </a:fld>
+            <a:endParaRPr kumimoji="1" lang="ja-JP" altLang="en-US"/>
+          </a:p>
+        </p:txBody>
+      </p:sp>
+    </p:spTree>
+    <p:extLst>
+      <p:ext uri="{BB962C8B-B14F-4D97-AF65-F5344CB8AC3E}">
+        <p14:creationId xmlns:p14="http://schemas.microsoft.com/office/powerpoint/2010/main" val="937129225"/>
+      </p:ext>
+    </p:extLst>
+  </p:cSld>
+  <p:clrMapOvr>
+    <a:masterClrMapping/>
+  </p:clrMapOvr>
+  <p:timing>
+    <p:tnLst>
+      <p:par>
+        <p:cTn id="1" dur="indefinite" restart="never" nodeType="tmRoot"/>
+      </p:par>
+    </p:tnLst>
+  </p:timing>
+</p:sld>
+</file>
+
+<file path=ppt/slides/slide45.xml><?xml version="1.0" encoding="utf-8"?>
+<p:sld xmlns:a="http://schemas.openxmlformats.org/drawingml/2006/main" xmlns:r="http://schemas.openxmlformats.org/officeDocument/2006/relationships" xmlns:p="http://schemas.openxmlformats.org/presentationml/2006/main">
+  <p:cSld>
+    <p:spTree>
+      <p:nvGrpSpPr>
+        <p:cNvPr id="1" name=""/>
+        <p:cNvGrpSpPr/>
+        <p:nvPr/>
+      </p:nvGrpSpPr>
+      <p:grpSpPr>
+        <a:xfrm>
+          <a:off x="0" y="0"/>
+          <a:ext cx="0" cy="0"/>
+          <a:chOff x="0" y="0"/>
+          <a:chExt cx="0" cy="0"/>
+        </a:xfrm>
+      </p:grpSpPr>
+      <p:sp>
+        <p:nvSpPr>
+          <p:cNvPr id="2" name="タイトル 1"/>
+          <p:cNvSpPr>
+            <a:spLocks noGrp="1"/>
+          </p:cNvSpPr>
+          <p:nvPr>
+            <p:ph type="title"/>
+          </p:nvPr>
+        </p:nvSpPr>
+        <p:spPr/>
+        <p:txBody>
+          <a:bodyPr/>
+          <a:lstStyle/>
+          <a:p>
+            <a:endParaRPr kumimoji="1" lang="ja-JP" altLang="en-US" dirty="0"/>
+          </a:p>
+        </p:txBody>
+      </p:sp>
+      <p:sp>
+        <p:nvSpPr>
+          <p:cNvPr id="3" name="スライド番号プレースホルダー 2"/>
+          <p:cNvSpPr>
+            <a:spLocks noGrp="1"/>
+          </p:cNvSpPr>
+          <p:nvPr>
+            <p:ph type="sldNum" sz="quarter" idx="12"/>
+          </p:nvPr>
+        </p:nvSpPr>
+        <p:spPr/>
+        <p:txBody>
+          <a:bodyPr/>
+          <a:lstStyle/>
+          <a:p>
+            <a:fld id="{768BF403-63E9-4BE6-AA0B-408C483EA9DC}" type="slidenum">
+              <a:rPr kumimoji="1" lang="ja-JP" altLang="en-US" smtClean="0"/>
+              <a:t>45</a:t>
             </a:fld>
             <a:endParaRPr kumimoji="1" lang="ja-JP" altLang="en-US"/>
           </a:p>
@@ -19983,7 +20426,7 @@
 </p:sld>
 </file>
 
-<file path=ppt/slides/slide45.xml><?xml version="1.0" encoding="utf-8"?>
+<file path=ppt/slides/slide46.xml><?xml version="1.0" encoding="utf-8"?>
 <p:sld xmlns:a="http://schemas.openxmlformats.org/drawingml/2006/main" xmlns:r="http://schemas.openxmlformats.org/officeDocument/2006/relationships" xmlns:p="http://schemas.openxmlformats.org/presentationml/2006/main">
   <p:cSld>
     <p:spTree>
@@ -20036,7 +20479,7 @@
           <a:p>
             <a:fld id="{768BF403-63E9-4BE6-AA0B-408C483EA9DC}" type="slidenum">
               <a:rPr kumimoji="1" lang="ja-JP" altLang="en-US" smtClean="0"/>
-              <a:t>45</a:t>
+              <a:t>46</a:t>
             </a:fld>
             <a:endParaRPr kumimoji="1" lang="ja-JP" altLang="en-US"/>
           </a:p>
@@ -20088,66 +20531,6 @@
 </p:sld>
 </file>
 
-<file path=ppt/slides/slide46.xml><?xml version="1.0" encoding="utf-8"?>
-<p:sld xmlns:a="http://schemas.openxmlformats.org/drawingml/2006/main" xmlns:r="http://schemas.openxmlformats.org/officeDocument/2006/relationships" xmlns:p="http://schemas.openxmlformats.org/presentationml/2006/main">
-  <p:cSld>
-    <p:spTree>
-      <p:nvGrpSpPr>
-        <p:cNvPr id="1" name=""/>
-        <p:cNvGrpSpPr/>
-        <p:nvPr/>
-      </p:nvGrpSpPr>
-      <p:grpSpPr>
-        <a:xfrm>
-          <a:off x="0" y="0"/>
-          <a:ext cx="0" cy="0"/>
-          <a:chOff x="0" y="0"/>
-          <a:chExt cx="0" cy="0"/>
-        </a:xfrm>
-      </p:grpSpPr>
-      <p:sp>
-        <p:nvSpPr>
-          <p:cNvPr id="2" name="スライド番号プレースホルダー 1"/>
-          <p:cNvSpPr>
-            <a:spLocks noGrp="1"/>
-          </p:cNvSpPr>
-          <p:nvPr>
-            <p:ph type="sldNum" sz="quarter" idx="12"/>
-          </p:nvPr>
-        </p:nvSpPr>
-        <p:spPr/>
-        <p:txBody>
-          <a:bodyPr/>
-          <a:lstStyle/>
-          <a:p>
-            <a:fld id="{768BF403-63E9-4BE6-AA0B-408C483EA9DC}" type="slidenum">
-              <a:rPr kumimoji="1" lang="ja-JP" altLang="en-US" smtClean="0"/>
-              <a:t>46</a:t>
-            </a:fld>
-            <a:endParaRPr kumimoji="1" lang="ja-JP" altLang="en-US"/>
-          </a:p>
-        </p:txBody>
-      </p:sp>
-    </p:spTree>
-    <p:extLst>
-      <p:ext uri="{BB962C8B-B14F-4D97-AF65-F5344CB8AC3E}">
-        <p14:creationId xmlns:p14="http://schemas.microsoft.com/office/powerpoint/2010/main" val="410597670"/>
-      </p:ext>
-    </p:extLst>
-  </p:cSld>
-  <p:clrMapOvr>
-    <a:masterClrMapping/>
-  </p:clrMapOvr>
-  <p:timing>
-    <p:tnLst>
-      <p:par>
-        <p:cTn id="1" dur="indefinite" restart="never" nodeType="tmRoot"/>
-      </p:par>
-    </p:tnLst>
-  </p:timing>
-</p:sld>
-</file>
-
 <file path=ppt/slides/slide47.xml><?xml version="1.0" encoding="utf-8"?>
 <p:sld xmlns:a="http://schemas.openxmlformats.org/drawingml/2006/main" xmlns:r="http://schemas.openxmlformats.org/officeDocument/2006/relationships" xmlns:p="http://schemas.openxmlformats.org/presentationml/2006/main">
   <p:cSld>
@@ -20167,71 +20550,7 @@
       </p:grpSpPr>
       <p:sp>
         <p:nvSpPr>
-          <p:cNvPr id="2" name="タイトル 1"/>
-          <p:cNvSpPr>
-            <a:spLocks noGrp="1"/>
-          </p:cNvSpPr>
-          <p:nvPr>
-            <p:ph type="title"/>
-          </p:nvPr>
-        </p:nvSpPr>
-        <p:spPr/>
-        <p:txBody>
-          <a:bodyPr/>
-          <a:lstStyle/>
-          <a:p>
-            <a:endParaRPr kumimoji="1" lang="ja-JP" altLang="en-US"/>
-          </a:p>
-        </p:txBody>
-      </p:sp>
-      <p:sp>
-        <p:nvSpPr>
-          <p:cNvPr id="3" name="コンテンツ プレースホルダー 2"/>
-          <p:cNvSpPr>
-            <a:spLocks noGrp="1"/>
-          </p:cNvSpPr>
-          <p:nvPr>
-            <p:ph idx="1"/>
-          </p:nvPr>
-        </p:nvSpPr>
-        <p:spPr/>
-        <p:txBody>
-          <a:bodyPr/>
-          <a:lstStyle/>
-          <a:p>
-            <a:r>
-              <a:rPr kumimoji="1" lang="ja-JP" altLang="en-US" dirty="0" smtClean="0"/>
-              <a:t>意味情報</a:t>
-            </a:r>
-            <a:endParaRPr kumimoji="1" lang="en-US" altLang="ja-JP" dirty="0" smtClean="0"/>
-          </a:p>
-          <a:p>
-            <a:pPr lvl="1"/>
-            <a:r>
-              <a:rPr lang="ja-JP" altLang="en-US" dirty="0"/>
-              <a:t>画像を認識する際</a:t>
-            </a:r>
-            <a:r>
-              <a:rPr lang="ja-JP" altLang="en-US" dirty="0" smtClean="0"/>
-              <a:t>に，その判断材料となる情報</a:t>
-            </a:r>
-            <a:r>
-              <a:rPr lang="en-US" altLang="ja-JP" dirty="0" smtClean="0"/>
-              <a:t>.</a:t>
-            </a:r>
-          </a:p>
-          <a:p>
-            <a:pPr lvl="1"/>
-            <a:endParaRPr lang="en-US" altLang="ja-JP" dirty="0"/>
-          </a:p>
-          <a:p>
-            <a:endParaRPr lang="en-US" altLang="ja-JP" dirty="0" smtClean="0"/>
-          </a:p>
-        </p:txBody>
-      </p:sp>
-      <p:sp>
-        <p:nvSpPr>
-          <p:cNvPr id="4" name="スライド番号プレースホルダー 3"/>
+          <p:cNvPr id="2" name="スライド番号プレースホルダー 1"/>
           <p:cNvSpPr>
             <a:spLocks noGrp="1"/>
           </p:cNvSpPr>
@@ -20255,7 +20574,7 @@
     </p:spTree>
     <p:extLst>
       <p:ext uri="{BB962C8B-B14F-4D97-AF65-F5344CB8AC3E}">
-        <p14:creationId xmlns:p14="http://schemas.microsoft.com/office/powerpoint/2010/main" val="616019025"/>
+        <p14:creationId xmlns:p14="http://schemas.microsoft.com/office/powerpoint/2010/main" val="410597670"/>
       </p:ext>
     </p:extLst>
   </p:cSld>
@@ -20304,135 +20623,40 @@
           <a:bodyPr/>
           <a:lstStyle/>
           <a:p>
+            <a:endParaRPr kumimoji="1" lang="ja-JP" altLang="en-US"/>
+          </a:p>
+        </p:txBody>
+      </p:sp>
+      <p:sp>
+        <p:nvSpPr>
+          <p:cNvPr id="3" name="コンテンツ プレースホルダー 2"/>
+          <p:cNvSpPr>
+            <a:spLocks noGrp="1"/>
+          </p:cNvSpPr>
+          <p:nvPr>
+            <p:ph idx="1"/>
+          </p:nvPr>
+        </p:nvSpPr>
+        <p:spPr/>
+        <p:txBody>
+          <a:bodyPr/>
+          <a:lstStyle/>
+          <a:p>
             <a:r>
               <a:rPr kumimoji="1" lang="ja-JP" altLang="en-US" dirty="0" smtClean="0"/>
-              <a:t>次元数と計算コスト</a:t>
-            </a:r>
-            <a:endParaRPr kumimoji="1" lang="ja-JP" altLang="en-US" dirty="0"/>
-          </a:p>
-        </p:txBody>
-      </p:sp>
-      <p:sp>
-        <p:nvSpPr>
-          <p:cNvPr id="3" name="コンテンツ プレースホルダー 2"/>
-          <p:cNvSpPr>
-            <a:spLocks noGrp="1"/>
-          </p:cNvSpPr>
-          <p:nvPr>
-            <p:ph idx="1"/>
-          </p:nvPr>
-        </p:nvSpPr>
-        <p:spPr>
-          <a:xfrm>
-            <a:off x="628650" y="1825624"/>
-            <a:ext cx="7886700" cy="5032375"/>
-          </a:xfrm>
-        </p:spPr>
-        <p:txBody>
-          <a:bodyPr>
-            <a:normAutofit lnSpcReduction="10000"/>
-          </a:bodyPr>
-          <a:lstStyle/>
-          <a:p>
-            <a:r>
-              <a:rPr kumimoji="1" lang="ja-JP" altLang="en-US" dirty="0" smtClean="0"/>
-              <a:t>大量のデータを分析する際</a:t>
-            </a:r>
+              <a:t>意味情報</a:t>
+            </a:r>
+            <a:endParaRPr kumimoji="1" lang="en-US" altLang="ja-JP" dirty="0" smtClean="0"/>
+          </a:p>
+          <a:p>
+            <a:pPr lvl="1"/>
             <a:r>
               <a:rPr lang="ja-JP" altLang="en-US" dirty="0"/>
-              <a:t>，</a:t>
-            </a:r>
-            <a:r>
-              <a:rPr kumimoji="1" lang="ja-JP" altLang="en-US" dirty="0" smtClean="0"/>
-              <a:t>大きな次元のデータを処理することがあるが</a:t>
-            </a:r>
-            <a:r>
-              <a:rPr lang="ja-JP" altLang="en-US" dirty="0"/>
-              <a:t>，</a:t>
-            </a:r>
-            <a:r>
-              <a:rPr kumimoji="1" lang="ja-JP" altLang="en-US" dirty="0" smtClean="0"/>
-              <a:t>次元数が大きくなると「</a:t>
-            </a:r>
-            <a:r>
-              <a:rPr kumimoji="1" lang="ja-JP" altLang="en-US" b="1" dirty="0" smtClean="0"/>
-              <a:t>次元の呪い</a:t>
-            </a:r>
-            <a:r>
-              <a:rPr kumimoji="1" lang="ja-JP" altLang="en-US" dirty="0" smtClean="0"/>
-              <a:t>」と呼ばれる問題が発生する</a:t>
-            </a:r>
-            <a:r>
-              <a:rPr kumimoji="1" lang="en-US" altLang="ja-JP" dirty="0" smtClean="0"/>
-              <a:t>.</a:t>
-            </a:r>
-            <a:endParaRPr lang="en-US" altLang="ja-JP" dirty="0"/>
-          </a:p>
-          <a:p>
-            <a:pPr lvl="1"/>
-            <a:r>
-              <a:rPr lang="ja-JP" altLang="ja-JP" dirty="0"/>
-              <a:t>データの次元数が大きくなり過ぎる</a:t>
-            </a:r>
-            <a:r>
-              <a:rPr lang="ja-JP" altLang="ja-JP" dirty="0" smtClean="0"/>
-              <a:t>と</a:t>
-            </a:r>
-            <a:r>
-              <a:rPr lang="ja-JP" altLang="en-US" dirty="0"/>
-              <a:t>，</a:t>
-            </a:r>
-            <a:r>
-              <a:rPr lang="ja-JP" altLang="ja-JP" dirty="0" smtClean="0"/>
-              <a:t>その</a:t>
-            </a:r>
-            <a:r>
-              <a:rPr lang="ja-JP" altLang="ja-JP" dirty="0"/>
-              <a:t>データで表現できる組み合わせが飛躍的に多くなって</a:t>
-            </a:r>
-            <a:r>
-              <a:rPr lang="ja-JP" altLang="ja-JP" dirty="0" smtClean="0"/>
-              <a:t>しまい</a:t>
-            </a:r>
-            <a:r>
-              <a:rPr lang="ja-JP" altLang="en-US" dirty="0"/>
-              <a:t>，</a:t>
-            </a:r>
-            <a:r>
-              <a:rPr lang="ja-JP" altLang="ja-JP" dirty="0" smtClean="0"/>
-              <a:t>その結果</a:t>
-            </a:r>
-            <a:r>
-              <a:rPr lang="ja-JP" altLang="en-US" dirty="0"/>
-              <a:t>，</a:t>
-            </a:r>
-            <a:r>
-              <a:rPr lang="ja-JP" altLang="ja-JP" dirty="0" smtClean="0"/>
-              <a:t>手元</a:t>
-            </a:r>
-            <a:r>
-              <a:rPr lang="ja-JP" altLang="ja-JP" dirty="0"/>
-              <a:t>にある有限なサンプルデータでは十分な学習結果が得られなく</a:t>
-            </a:r>
-            <a:r>
-              <a:rPr lang="ja-JP" altLang="ja-JP" dirty="0" smtClean="0"/>
-              <a:t>なる</a:t>
-            </a:r>
-            <a:r>
-              <a:rPr lang="en-US" altLang="ja-JP" dirty="0"/>
-              <a:t>.</a:t>
+              <a:t>画像を認識する際</a:t>
             </a:r>
             <a:r>
               <a:rPr lang="ja-JP" altLang="en-US" dirty="0" smtClean="0"/>
-              <a:t>計算</a:t>
-            </a:r>
-            <a:r>
-              <a:rPr lang="ja-JP" altLang="en-US" dirty="0"/>
-              <a:t>コストが莫大となるだけでなく，十分な学習結果が得られず、未知のデータに適切に対応出来なくなる等の不具合</a:t>
-            </a:r>
-            <a:r>
-              <a:rPr lang="ja-JP" altLang="en-US" dirty="0" smtClean="0"/>
-              <a:t>が発生</a:t>
+              <a:t>に，その判断材料となる情報</a:t>
             </a:r>
             <a:r>
               <a:rPr lang="en-US" altLang="ja-JP" dirty="0" smtClean="0"/>
@@ -20440,42 +20664,11 @@
             </a:r>
           </a:p>
           <a:p>
-            <a:r>
-              <a:rPr lang="ja-JP" altLang="en-US" dirty="0"/>
-              <a:t>回避</a:t>
-            </a:r>
-            <a:r>
-              <a:rPr lang="ja-JP" altLang="en-US" dirty="0" smtClean="0"/>
-              <a:t>策</a:t>
-            </a:r>
+            <a:pPr lvl="1"/>
+            <a:endParaRPr lang="en-US" altLang="ja-JP" dirty="0"/>
+          </a:p>
+          <a:p>
             <a:endParaRPr lang="en-US" altLang="ja-JP" dirty="0" smtClean="0"/>
-          </a:p>
-          <a:p>
-            <a:pPr lvl="1"/>
-            <a:r>
-              <a:rPr lang="ja-JP" altLang="en-US" dirty="0"/>
-              <a:t>特徴量の中</a:t>
-            </a:r>
-            <a:r>
-              <a:rPr lang="ja-JP" altLang="en-US" dirty="0" smtClean="0"/>
-              <a:t>から必要なものを選び出す特徴選択</a:t>
-            </a:r>
-            <a:endParaRPr lang="en-US" altLang="ja-JP" dirty="0" smtClean="0"/>
-          </a:p>
-          <a:p>
-            <a:pPr lvl="1"/>
-            <a:r>
-              <a:rPr lang="ja-JP" altLang="en-US" dirty="0"/>
-              <a:t>本来</a:t>
-            </a:r>
-            <a:r>
-              <a:rPr lang="ja-JP" altLang="en-US" dirty="0" smtClean="0"/>
-              <a:t>の情報が維持したまま低次元のデータに変換する次元削除</a:t>
-            </a:r>
-            <a:endParaRPr lang="ja-JP" altLang="ja-JP" dirty="0"/>
-          </a:p>
-          <a:p>
-            <a:endParaRPr kumimoji="1" lang="ja-JP" altLang="en-US" dirty="0"/>
           </a:p>
         </p:txBody>
       </p:sp>
@@ -20494,7 +20687,7 @@
           <a:bodyPr/>
           <a:lstStyle/>
           <a:p>
-            <a:fld id="{BCFEE6ED-AA2C-49EB-A172-8063C2D7D298}" type="slidenum">
+            <a:fld id="{768BF403-63E9-4BE6-AA0B-408C483EA9DC}" type="slidenum">
               <a:rPr kumimoji="1" lang="ja-JP" altLang="en-US" smtClean="0"/>
               <a:t>48</a:t>
             </a:fld>
@@ -20505,7 +20698,7 @@
     </p:spTree>
     <p:extLst>
       <p:ext uri="{BB962C8B-B14F-4D97-AF65-F5344CB8AC3E}">
-        <p14:creationId xmlns:p14="http://schemas.microsoft.com/office/powerpoint/2010/main" val="1684832734"/>
+        <p14:creationId xmlns:p14="http://schemas.microsoft.com/office/powerpoint/2010/main" val="616019025"/>
       </p:ext>
     </p:extLst>
   </p:cSld>
@@ -20556,6 +20749,433 @@
           <a:p>
             <a:r>
               <a:rPr kumimoji="1" lang="ja-JP" altLang="en-US" dirty="0" smtClean="0"/>
+              <a:t>次元数と計算コスト</a:t>
+            </a:r>
+            <a:endParaRPr kumimoji="1" lang="ja-JP" altLang="en-US" dirty="0"/>
+          </a:p>
+        </p:txBody>
+      </p:sp>
+      <p:sp>
+        <p:nvSpPr>
+          <p:cNvPr id="3" name="コンテンツ プレースホルダー 2"/>
+          <p:cNvSpPr>
+            <a:spLocks noGrp="1"/>
+          </p:cNvSpPr>
+          <p:nvPr>
+            <p:ph idx="1"/>
+          </p:nvPr>
+        </p:nvSpPr>
+        <p:spPr>
+          <a:xfrm>
+            <a:off x="628650" y="1825624"/>
+            <a:ext cx="7886700" cy="5032375"/>
+          </a:xfrm>
+        </p:spPr>
+        <p:txBody>
+          <a:bodyPr>
+            <a:normAutofit lnSpcReduction="10000"/>
+          </a:bodyPr>
+          <a:lstStyle/>
+          <a:p>
+            <a:r>
+              <a:rPr kumimoji="1" lang="ja-JP" altLang="en-US" dirty="0" smtClean="0"/>
+              <a:t>大量のデータを分析する際</a:t>
+            </a:r>
+            <a:r>
+              <a:rPr lang="ja-JP" altLang="en-US" dirty="0"/>
+              <a:t>，</a:t>
+            </a:r>
+            <a:r>
+              <a:rPr kumimoji="1" lang="ja-JP" altLang="en-US" dirty="0" smtClean="0"/>
+              <a:t>大きな次元のデータを処理することがあるが</a:t>
+            </a:r>
+            <a:r>
+              <a:rPr lang="ja-JP" altLang="en-US" dirty="0"/>
+              <a:t>，</a:t>
+            </a:r>
+            <a:r>
+              <a:rPr kumimoji="1" lang="ja-JP" altLang="en-US" dirty="0" smtClean="0"/>
+              <a:t>次元数が大きくなると「</a:t>
+            </a:r>
+            <a:r>
+              <a:rPr kumimoji="1" lang="ja-JP" altLang="en-US" b="1" dirty="0" smtClean="0"/>
+              <a:t>次元の呪い</a:t>
+            </a:r>
+            <a:r>
+              <a:rPr kumimoji="1" lang="ja-JP" altLang="en-US" dirty="0" smtClean="0"/>
+              <a:t>」と呼ばれる問題が発生する</a:t>
+            </a:r>
+            <a:r>
+              <a:rPr kumimoji="1" lang="en-US" altLang="ja-JP" dirty="0" smtClean="0"/>
+              <a:t>.</a:t>
+            </a:r>
+            <a:endParaRPr lang="en-US" altLang="ja-JP" dirty="0"/>
+          </a:p>
+          <a:p>
+            <a:pPr lvl="1"/>
+            <a:r>
+              <a:rPr lang="ja-JP" altLang="ja-JP" dirty="0"/>
+              <a:t>データの次元数が大きくなり過ぎる</a:t>
+            </a:r>
+            <a:r>
+              <a:rPr lang="ja-JP" altLang="ja-JP" dirty="0" smtClean="0"/>
+              <a:t>と</a:t>
+            </a:r>
+            <a:r>
+              <a:rPr lang="ja-JP" altLang="en-US" dirty="0"/>
+              <a:t>，</a:t>
+            </a:r>
+            <a:r>
+              <a:rPr lang="ja-JP" altLang="ja-JP" dirty="0" smtClean="0"/>
+              <a:t>その</a:t>
+            </a:r>
+            <a:r>
+              <a:rPr lang="ja-JP" altLang="ja-JP" dirty="0"/>
+              <a:t>データで表現できる組み合わせが飛躍的に多くなって</a:t>
+            </a:r>
+            <a:r>
+              <a:rPr lang="ja-JP" altLang="ja-JP" dirty="0" smtClean="0"/>
+              <a:t>しまい</a:t>
+            </a:r>
+            <a:r>
+              <a:rPr lang="ja-JP" altLang="en-US" dirty="0"/>
+              <a:t>，</a:t>
+            </a:r>
+            <a:r>
+              <a:rPr lang="ja-JP" altLang="ja-JP" dirty="0" smtClean="0"/>
+              <a:t>その結果</a:t>
+            </a:r>
+            <a:r>
+              <a:rPr lang="ja-JP" altLang="en-US" dirty="0"/>
+              <a:t>，</a:t>
+            </a:r>
+            <a:r>
+              <a:rPr lang="ja-JP" altLang="ja-JP" dirty="0" smtClean="0"/>
+              <a:t>手元</a:t>
+            </a:r>
+            <a:r>
+              <a:rPr lang="ja-JP" altLang="ja-JP" dirty="0"/>
+              <a:t>にある有限なサンプルデータでは十分な学習結果が得られなく</a:t>
+            </a:r>
+            <a:r>
+              <a:rPr lang="ja-JP" altLang="ja-JP" dirty="0" smtClean="0"/>
+              <a:t>なる</a:t>
+            </a:r>
+            <a:r>
+              <a:rPr lang="en-US" altLang="ja-JP" dirty="0"/>
+              <a:t>.</a:t>
+            </a:r>
+            <a:r>
+              <a:rPr lang="ja-JP" altLang="en-US" dirty="0" smtClean="0"/>
+              <a:t>計算</a:t>
+            </a:r>
+            <a:r>
+              <a:rPr lang="ja-JP" altLang="en-US" dirty="0"/>
+              <a:t>コストが莫大となるだけでなく，十分な学習結果が得られず、未知のデータに適切に対応出来なくなる等の不具合</a:t>
+            </a:r>
+            <a:r>
+              <a:rPr lang="ja-JP" altLang="en-US" dirty="0" smtClean="0"/>
+              <a:t>が発生</a:t>
+            </a:r>
+            <a:r>
+              <a:rPr lang="en-US" altLang="ja-JP" dirty="0" smtClean="0"/>
+              <a:t>.</a:t>
+            </a:r>
+          </a:p>
+          <a:p>
+            <a:r>
+              <a:rPr lang="ja-JP" altLang="en-US" dirty="0"/>
+              <a:t>回避</a:t>
+            </a:r>
+            <a:r>
+              <a:rPr lang="ja-JP" altLang="en-US" dirty="0" smtClean="0"/>
+              <a:t>策</a:t>
+            </a:r>
+            <a:endParaRPr lang="en-US" altLang="ja-JP" dirty="0" smtClean="0"/>
+          </a:p>
+          <a:p>
+            <a:pPr lvl="1"/>
+            <a:r>
+              <a:rPr lang="ja-JP" altLang="en-US" dirty="0"/>
+              <a:t>特徴量の中</a:t>
+            </a:r>
+            <a:r>
+              <a:rPr lang="ja-JP" altLang="en-US" dirty="0" smtClean="0"/>
+              <a:t>から必要なものを選び出す特徴選択</a:t>
+            </a:r>
+            <a:endParaRPr lang="en-US" altLang="ja-JP" dirty="0" smtClean="0"/>
+          </a:p>
+          <a:p>
+            <a:pPr lvl="1"/>
+            <a:r>
+              <a:rPr lang="ja-JP" altLang="en-US" dirty="0"/>
+              <a:t>本来</a:t>
+            </a:r>
+            <a:r>
+              <a:rPr lang="ja-JP" altLang="en-US" dirty="0" smtClean="0"/>
+              <a:t>の情報が維持したまま低次元のデータに変換する次元削除</a:t>
+            </a:r>
+            <a:endParaRPr lang="ja-JP" altLang="ja-JP" dirty="0"/>
+          </a:p>
+          <a:p>
+            <a:endParaRPr kumimoji="1" lang="ja-JP" altLang="en-US" dirty="0"/>
+          </a:p>
+        </p:txBody>
+      </p:sp>
+      <p:sp>
+        <p:nvSpPr>
+          <p:cNvPr id="4" name="スライド番号プレースホルダー 3"/>
+          <p:cNvSpPr>
+            <a:spLocks noGrp="1"/>
+          </p:cNvSpPr>
+          <p:nvPr>
+            <p:ph type="sldNum" sz="quarter" idx="12"/>
+          </p:nvPr>
+        </p:nvSpPr>
+        <p:spPr/>
+        <p:txBody>
+          <a:bodyPr/>
+          <a:lstStyle/>
+          <a:p>
+            <a:fld id="{BCFEE6ED-AA2C-49EB-A172-8063C2D7D298}" type="slidenum">
+              <a:rPr kumimoji="1" lang="ja-JP" altLang="en-US" smtClean="0"/>
+              <a:t>49</a:t>
+            </a:fld>
+            <a:endParaRPr kumimoji="1" lang="ja-JP" altLang="en-US"/>
+          </a:p>
+        </p:txBody>
+      </p:sp>
+    </p:spTree>
+    <p:extLst>
+      <p:ext uri="{BB962C8B-B14F-4D97-AF65-F5344CB8AC3E}">
+        <p14:creationId xmlns:p14="http://schemas.microsoft.com/office/powerpoint/2010/main" val="1684832734"/>
+      </p:ext>
+    </p:extLst>
+  </p:cSld>
+  <p:clrMapOvr>
+    <a:masterClrMapping/>
+  </p:clrMapOvr>
+  <p:timing>
+    <p:tnLst>
+      <p:par>
+        <p:cTn id="1" dur="indefinite" restart="never" nodeType="tmRoot"/>
+      </p:par>
+    </p:tnLst>
+  </p:timing>
+</p:sld>
+</file>
+
+<file path=ppt/slides/slide5.xml><?xml version="1.0" encoding="utf-8"?>
+<p:sld xmlns:a="http://schemas.openxmlformats.org/drawingml/2006/main" xmlns:r="http://schemas.openxmlformats.org/officeDocument/2006/relationships" xmlns:p="http://schemas.openxmlformats.org/presentationml/2006/main">
+  <p:cSld>
+    <p:spTree>
+      <p:nvGrpSpPr>
+        <p:cNvPr id="1" name=""/>
+        <p:cNvGrpSpPr/>
+        <p:nvPr/>
+      </p:nvGrpSpPr>
+      <p:grpSpPr>
+        <a:xfrm>
+          <a:off x="0" y="0"/>
+          <a:ext cx="0" cy="0"/>
+          <a:chOff x="0" y="0"/>
+          <a:chExt cx="0" cy="0"/>
+        </a:xfrm>
+      </p:grpSpPr>
+      <p:sp>
+        <p:nvSpPr>
+          <p:cNvPr id="2" name="タイトル 1"/>
+          <p:cNvSpPr>
+            <a:spLocks noGrp="1"/>
+          </p:cNvSpPr>
+          <p:nvPr>
+            <p:ph type="title"/>
+          </p:nvPr>
+        </p:nvSpPr>
+        <p:spPr/>
+        <p:txBody>
+          <a:bodyPr/>
+          <a:lstStyle/>
+          <a:p>
+            <a:r>
+              <a:rPr lang="ja-JP" altLang="en-US" dirty="0" smtClean="0"/>
+              <a:t>研究目的</a:t>
+            </a:r>
+            <a:endParaRPr kumimoji="1" lang="ja-JP" altLang="en-US" dirty="0"/>
+          </a:p>
+        </p:txBody>
+      </p:sp>
+      <p:sp>
+        <p:nvSpPr>
+          <p:cNvPr id="3" name="コンテンツ プレースホルダー 2"/>
+          <p:cNvSpPr>
+            <a:spLocks noGrp="1"/>
+          </p:cNvSpPr>
+          <p:nvPr>
+            <p:ph idx="1"/>
+          </p:nvPr>
+        </p:nvSpPr>
+        <p:spPr/>
+        <p:txBody>
+          <a:bodyPr>
+            <a:normAutofit lnSpcReduction="10000"/>
+          </a:bodyPr>
+          <a:lstStyle/>
+          <a:p>
+            <a:pPr>
+              <a:lnSpc>
+                <a:spcPct val="100000"/>
+              </a:lnSpc>
+            </a:pPr>
+            <a:r>
+              <a:rPr lang="ja-JP" altLang="en-US" dirty="0"/>
+              <a:t>画像検索機能</a:t>
+            </a:r>
+            <a:r>
+              <a:rPr kumimoji="1" lang="ja-JP" altLang="en-US" dirty="0" smtClean="0"/>
+              <a:t>を向上させるために</a:t>
+            </a:r>
+            <a:r>
+              <a:rPr lang="ja-JP" altLang="en-US" dirty="0" smtClean="0"/>
+              <a:t>，画像検索に有効な特徴ベクトルと計算時間について調査する．</a:t>
+            </a:r>
+            <a:endParaRPr lang="en-US" altLang="ja-JP" dirty="0" smtClean="0"/>
+          </a:p>
+          <a:p>
+            <a:pPr>
+              <a:lnSpc>
+                <a:spcPct val="100000"/>
+              </a:lnSpc>
+            </a:pPr>
+            <a:endParaRPr lang="en-US" altLang="ja-JP" dirty="0" smtClean="0"/>
+          </a:p>
+          <a:p>
+            <a:pPr>
+              <a:lnSpc>
+                <a:spcPct val="100000"/>
+              </a:lnSpc>
+            </a:pPr>
+            <a:r>
+              <a:rPr kumimoji="1" lang="ja-JP" altLang="en-US" dirty="0" smtClean="0">
+                <a:solidFill>
+                  <a:srgbClr val="FF0000"/>
+                </a:solidFill>
+              </a:rPr>
+              <a:t>本研究で</a:t>
+            </a:r>
+            <a:r>
+              <a:rPr lang="ja-JP" altLang="en-US" dirty="0" smtClean="0">
+                <a:solidFill>
+                  <a:srgbClr val="FF0000"/>
+                </a:solidFill>
+              </a:rPr>
+              <a:t>は，最適な次元数の特徴ベクトルの分析手法を提案する．</a:t>
+            </a:r>
+            <a:endParaRPr lang="en-US" altLang="ja-JP" dirty="0" smtClean="0">
+              <a:solidFill>
+                <a:srgbClr val="FF0000"/>
+              </a:solidFill>
+            </a:endParaRPr>
+          </a:p>
+          <a:p>
+            <a:pPr>
+              <a:lnSpc>
+                <a:spcPct val="100000"/>
+              </a:lnSpc>
+            </a:pPr>
+            <a:endParaRPr lang="en-US" altLang="ja-JP" dirty="0"/>
+          </a:p>
+          <a:p>
+            <a:pPr>
+              <a:lnSpc>
+                <a:spcPct val="100000"/>
+              </a:lnSpc>
+            </a:pPr>
+            <a:r>
+              <a:rPr lang="ja-JP" altLang="en-US" dirty="0" smtClean="0"/>
+              <a:t>実験結果から，分析手法により，最適な次元数を得ることが可能であるか示す．</a:t>
+            </a:r>
+            <a:endParaRPr kumimoji="1" lang="en-US" altLang="ja-JP" dirty="0"/>
+          </a:p>
+        </p:txBody>
+      </p:sp>
+      <p:sp>
+        <p:nvSpPr>
+          <p:cNvPr id="4" name="スライド番号プレースホルダー 3"/>
+          <p:cNvSpPr>
+            <a:spLocks noGrp="1"/>
+          </p:cNvSpPr>
+          <p:nvPr>
+            <p:ph type="sldNum" sz="quarter" idx="12"/>
+          </p:nvPr>
+        </p:nvSpPr>
+        <p:spPr/>
+        <p:txBody>
+          <a:bodyPr/>
+          <a:lstStyle/>
+          <a:p>
+            <a:fld id="{768BF403-63E9-4BE6-AA0B-408C483EA9DC}" type="slidenum">
+              <a:rPr kumimoji="1" lang="ja-JP" altLang="en-US" smtClean="0"/>
+              <a:t>5</a:t>
+            </a:fld>
+            <a:endParaRPr kumimoji="1" lang="ja-JP" altLang="en-US"/>
+          </a:p>
+        </p:txBody>
+      </p:sp>
+    </p:spTree>
+    <p:extLst>
+      <p:ext uri="{BB962C8B-B14F-4D97-AF65-F5344CB8AC3E}">
+        <p14:creationId xmlns:p14="http://schemas.microsoft.com/office/powerpoint/2010/main" val="1768077770"/>
+      </p:ext>
+    </p:extLst>
+  </p:cSld>
+  <p:clrMapOvr>
+    <a:masterClrMapping/>
+  </p:clrMapOvr>
+  <p:timing>
+    <p:tnLst>
+      <p:par>
+        <p:cTn id="1" dur="indefinite" restart="never" nodeType="tmRoot"/>
+      </p:par>
+    </p:tnLst>
+  </p:timing>
+</p:sld>
+</file>
+
+<file path=ppt/slides/slide50.xml><?xml version="1.0" encoding="utf-8"?>
+<p:sld xmlns:a="http://schemas.openxmlformats.org/drawingml/2006/main" xmlns:r="http://schemas.openxmlformats.org/officeDocument/2006/relationships" xmlns:p="http://schemas.openxmlformats.org/presentationml/2006/main">
+  <p:cSld>
+    <p:spTree>
+      <p:nvGrpSpPr>
+        <p:cNvPr id="1" name=""/>
+        <p:cNvGrpSpPr/>
+        <p:nvPr/>
+      </p:nvGrpSpPr>
+      <p:grpSpPr>
+        <a:xfrm>
+          <a:off x="0" y="0"/>
+          <a:ext cx="0" cy="0"/>
+          <a:chOff x="0" y="0"/>
+          <a:chExt cx="0" cy="0"/>
+        </a:xfrm>
+      </p:grpSpPr>
+      <p:sp>
+        <p:nvSpPr>
+          <p:cNvPr id="2" name="タイトル 1"/>
+          <p:cNvSpPr>
+            <a:spLocks noGrp="1"/>
+          </p:cNvSpPr>
+          <p:nvPr>
+            <p:ph type="title"/>
+          </p:nvPr>
+        </p:nvSpPr>
+        <p:spPr/>
+        <p:txBody>
+          <a:bodyPr/>
+          <a:lstStyle/>
+          <a:p>
+            <a:r>
+              <a:rPr kumimoji="1" lang="ja-JP" altLang="en-US" dirty="0" smtClean="0"/>
               <a:t>特徴ベクトル</a:t>
             </a:r>
             <a:endParaRPr kumimoji="1" lang="ja-JP" altLang="en-US" dirty="0"/>
@@ -20680,7 +21300,7 @@
           <a:p>
             <a:fld id="{BCFEE6ED-AA2C-49EB-A172-8063C2D7D298}" type="slidenum">
               <a:rPr kumimoji="1" lang="ja-JP" altLang="en-US" smtClean="0"/>
-              <a:t>49</a:t>
+              <a:t>50</a:t>
             </a:fld>
             <a:endParaRPr kumimoji="1" lang="ja-JP" altLang="en-US"/>
           </a:p>
@@ -20901,173 +21521,7 @@
 </p:sld>
 </file>
 
-<file path=ppt/slides/slide5.xml><?xml version="1.0" encoding="utf-8"?>
-<p:sld xmlns:a="http://schemas.openxmlformats.org/drawingml/2006/main" xmlns:r="http://schemas.openxmlformats.org/officeDocument/2006/relationships" xmlns:p="http://schemas.openxmlformats.org/presentationml/2006/main">
-  <p:cSld>
-    <p:spTree>
-      <p:nvGrpSpPr>
-        <p:cNvPr id="1" name=""/>
-        <p:cNvGrpSpPr/>
-        <p:nvPr/>
-      </p:nvGrpSpPr>
-      <p:grpSpPr>
-        <a:xfrm>
-          <a:off x="0" y="0"/>
-          <a:ext cx="0" cy="0"/>
-          <a:chOff x="0" y="0"/>
-          <a:chExt cx="0" cy="0"/>
-        </a:xfrm>
-      </p:grpSpPr>
-      <p:sp>
-        <p:nvSpPr>
-          <p:cNvPr id="2" name="タイトル 1"/>
-          <p:cNvSpPr>
-            <a:spLocks noGrp="1"/>
-          </p:cNvSpPr>
-          <p:nvPr>
-            <p:ph type="title"/>
-          </p:nvPr>
-        </p:nvSpPr>
-        <p:spPr/>
-        <p:txBody>
-          <a:bodyPr/>
-          <a:lstStyle/>
-          <a:p>
-            <a:r>
-              <a:rPr lang="ja-JP" altLang="en-US" dirty="0" smtClean="0"/>
-              <a:t>研究目的</a:t>
-            </a:r>
-            <a:endParaRPr kumimoji="1" lang="ja-JP" altLang="en-US" dirty="0"/>
-          </a:p>
-        </p:txBody>
-      </p:sp>
-      <p:sp>
-        <p:nvSpPr>
-          <p:cNvPr id="3" name="コンテンツ プレースホルダー 2"/>
-          <p:cNvSpPr>
-            <a:spLocks noGrp="1"/>
-          </p:cNvSpPr>
-          <p:nvPr>
-            <p:ph idx="1"/>
-          </p:nvPr>
-        </p:nvSpPr>
-        <p:spPr/>
-        <p:txBody>
-          <a:bodyPr/>
-          <a:lstStyle/>
-          <a:p>
-            <a:r>
-              <a:rPr lang="ja-JP" altLang="en-US" dirty="0"/>
-              <a:t>画像検索機能</a:t>
-            </a:r>
-            <a:r>
-              <a:rPr kumimoji="1" lang="ja-JP" altLang="en-US" dirty="0" smtClean="0"/>
-              <a:t>を</a:t>
-            </a:r>
-            <a:r>
-              <a:rPr kumimoji="1" lang="ja-JP" altLang="en-US" dirty="0" smtClean="0"/>
-              <a:t>向上させるために</a:t>
-            </a:r>
-            <a:r>
-              <a:rPr lang="ja-JP" altLang="en-US" dirty="0" smtClean="0"/>
-              <a:t>，</a:t>
-            </a:r>
-            <a:r>
-              <a:rPr lang="ja-JP" altLang="en-US" dirty="0" smtClean="0"/>
-              <a:t>画像検索に</a:t>
-            </a:r>
-            <a:r>
-              <a:rPr lang="ja-JP" altLang="en-US" dirty="0" smtClean="0"/>
-              <a:t>有効な</a:t>
-            </a:r>
-            <a:r>
-              <a:rPr lang="ja-JP" altLang="en-US" dirty="0" smtClean="0"/>
-              <a:t>特徴ベクトルと計算時間について調査する．</a:t>
-            </a:r>
-            <a:endParaRPr lang="en-US" altLang="ja-JP" dirty="0" smtClean="0"/>
-          </a:p>
-          <a:p>
-            <a:endParaRPr lang="en-US" altLang="ja-JP" dirty="0" smtClean="0"/>
-          </a:p>
-          <a:p>
-            <a:r>
-              <a:rPr kumimoji="1" lang="ja-JP" altLang="en-US" dirty="0" smtClean="0">
-                <a:solidFill>
-                  <a:srgbClr val="FF0000"/>
-                </a:solidFill>
-              </a:rPr>
-              <a:t>本研究で</a:t>
-            </a:r>
-            <a:r>
-              <a:rPr lang="ja-JP" altLang="en-US" dirty="0" smtClean="0">
-                <a:solidFill>
-                  <a:srgbClr val="FF0000"/>
-                </a:solidFill>
-              </a:rPr>
-              <a:t>は，最適な次元数の特徴ベクトルの分析手法を提案する．</a:t>
-            </a:r>
-            <a:endParaRPr lang="en-US" altLang="ja-JP" dirty="0" smtClean="0">
-              <a:solidFill>
-                <a:srgbClr val="FF0000"/>
-              </a:solidFill>
-            </a:endParaRPr>
-          </a:p>
-          <a:p>
-            <a:endParaRPr lang="en-US" altLang="ja-JP" dirty="0"/>
-          </a:p>
-          <a:p>
-            <a:r>
-              <a:rPr lang="ja-JP" altLang="en-US" dirty="0" smtClean="0"/>
-              <a:t>実験結果から，分析手法により，最適な次元数を得ることが可能であるか示す．</a:t>
-            </a:r>
-            <a:endParaRPr kumimoji="1" lang="en-US" altLang="ja-JP" dirty="0"/>
-          </a:p>
-        </p:txBody>
-      </p:sp>
-      <p:sp>
-        <p:nvSpPr>
-          <p:cNvPr id="4" name="スライド番号プレースホルダー 3"/>
-          <p:cNvSpPr>
-            <a:spLocks noGrp="1"/>
-          </p:cNvSpPr>
-          <p:nvPr>
-            <p:ph type="sldNum" sz="quarter" idx="12"/>
-          </p:nvPr>
-        </p:nvSpPr>
-        <p:spPr/>
-        <p:txBody>
-          <a:bodyPr/>
-          <a:lstStyle/>
-          <a:p>
-            <a:fld id="{768BF403-63E9-4BE6-AA0B-408C483EA9DC}" type="slidenum">
-              <a:rPr kumimoji="1" lang="ja-JP" altLang="en-US" smtClean="0"/>
-              <a:t>5</a:t>
-            </a:fld>
-            <a:endParaRPr kumimoji="1" lang="ja-JP" altLang="en-US"/>
-          </a:p>
-        </p:txBody>
-      </p:sp>
-    </p:spTree>
-    <p:extLst>
-      <p:ext uri="{BB962C8B-B14F-4D97-AF65-F5344CB8AC3E}">
-        <p14:creationId xmlns:p14="http://schemas.microsoft.com/office/powerpoint/2010/main" val="1768077770"/>
-      </p:ext>
-    </p:extLst>
-  </p:cSld>
-  <p:clrMapOvr>
-    <a:masterClrMapping/>
-  </p:clrMapOvr>
-  <p:timing>
-    <p:tnLst>
-      <p:par>
-        <p:cTn id="1" dur="indefinite" restart="never" nodeType="tmRoot"/>
-      </p:par>
-    </p:tnLst>
-  </p:timing>
-</p:sld>
-</file>
-
-<file path=ppt/slides/slide50.xml><?xml version="1.0" encoding="utf-8"?>
+<file path=ppt/slides/slide51.xml><?xml version="1.0" encoding="utf-8"?>
 <p:sld xmlns:a="http://schemas.openxmlformats.org/drawingml/2006/main" xmlns:r="http://schemas.openxmlformats.org/officeDocument/2006/relationships" xmlns:p="http://schemas.openxmlformats.org/presentationml/2006/main">
   <p:cSld>
     <p:spTree>
@@ -21215,7 +21669,7 @@
           <a:p>
             <a:fld id="{768BF403-63E9-4BE6-AA0B-408C483EA9DC}" type="slidenum">
               <a:rPr kumimoji="1" lang="ja-JP" altLang="en-US" smtClean="0"/>
-              <a:t>50</a:t>
+              <a:t>51</a:t>
             </a:fld>
             <a:endParaRPr kumimoji="1" lang="ja-JP" altLang="en-US"/>
           </a:p>
@@ -21225,136 +21679,6 @@
     <p:extLst>
       <p:ext uri="{BB962C8B-B14F-4D97-AF65-F5344CB8AC3E}">
         <p14:creationId xmlns:p14="http://schemas.microsoft.com/office/powerpoint/2010/main" val="3424580741"/>
-      </p:ext>
-    </p:extLst>
-  </p:cSld>
-  <p:clrMapOvr>
-    <a:masterClrMapping/>
-  </p:clrMapOvr>
-  <p:timing>
-    <p:tnLst>
-      <p:par>
-        <p:cTn id="1" dur="indefinite" restart="never" nodeType="tmRoot"/>
-      </p:par>
-    </p:tnLst>
-  </p:timing>
-</p:sld>
-</file>
-
-<file path=ppt/slides/slide51.xml><?xml version="1.0" encoding="utf-8"?>
-<p:sld xmlns:a="http://schemas.openxmlformats.org/drawingml/2006/main" xmlns:r="http://schemas.openxmlformats.org/officeDocument/2006/relationships" xmlns:p="http://schemas.openxmlformats.org/presentationml/2006/main">
-  <p:cSld>
-    <p:spTree>
-      <p:nvGrpSpPr>
-        <p:cNvPr id="1" name=""/>
-        <p:cNvGrpSpPr/>
-        <p:nvPr/>
-      </p:nvGrpSpPr>
-      <p:grpSpPr>
-        <a:xfrm>
-          <a:off x="0" y="0"/>
-          <a:ext cx="0" cy="0"/>
-          <a:chOff x="0" y="0"/>
-          <a:chExt cx="0" cy="0"/>
-        </a:xfrm>
-      </p:grpSpPr>
-      <p:sp>
-        <p:nvSpPr>
-          <p:cNvPr id="2" name="タイトル 1"/>
-          <p:cNvSpPr>
-            <a:spLocks noGrp="1"/>
-          </p:cNvSpPr>
-          <p:nvPr>
-            <p:ph type="title"/>
-          </p:nvPr>
-        </p:nvSpPr>
-        <p:spPr/>
-        <p:txBody>
-          <a:bodyPr/>
-          <a:lstStyle/>
-          <a:p>
-            <a:r>
-              <a:rPr lang="ja-JP" altLang="en-US" dirty="0"/>
-              <a:t>使用したモデル</a:t>
-            </a:r>
-            <a:endParaRPr kumimoji="1" lang="ja-JP" altLang="en-US" dirty="0"/>
-          </a:p>
-        </p:txBody>
-      </p:sp>
-      <p:sp>
-        <p:nvSpPr>
-          <p:cNvPr id="3" name="コンテンツ プレースホルダー 2"/>
-          <p:cNvSpPr>
-            <a:spLocks noGrp="1"/>
-          </p:cNvSpPr>
-          <p:nvPr>
-            <p:ph idx="1"/>
-          </p:nvPr>
-        </p:nvSpPr>
-        <p:spPr/>
-        <p:txBody>
-          <a:bodyPr/>
-          <a:lstStyle/>
-          <a:p>
-            <a:r>
-              <a:rPr kumimoji="1" lang="ja-JP" altLang="en-US" dirty="0" smtClean="0"/>
-              <a:t>使用したモデル</a:t>
-            </a:r>
-            <a:endParaRPr kumimoji="1" lang="ja-JP" altLang="en-US" dirty="0"/>
-          </a:p>
-        </p:txBody>
-      </p:sp>
-      <p:pic>
-        <p:nvPicPr>
-          <p:cNvPr id="4" name="図 3"/>
-          <p:cNvPicPr>
-            <a:picLocks noChangeAspect="1"/>
-          </p:cNvPicPr>
-          <p:nvPr/>
-        </p:nvPicPr>
-        <p:blipFill>
-          <a:blip r:embed="rId2"/>
-          <a:stretch>
-            <a:fillRect/>
-          </a:stretch>
-        </p:blipFill>
-        <p:spPr>
-          <a:xfrm>
-            <a:off x="628650" y="3342033"/>
-            <a:ext cx="5992061" cy="2629267"/>
-          </a:xfrm>
-          <a:prstGeom prst="rect">
-            <a:avLst/>
-          </a:prstGeom>
-        </p:spPr>
-      </p:pic>
-      <p:sp>
-        <p:nvSpPr>
-          <p:cNvPr id="5" name="スライド番号プレースホルダー 4"/>
-          <p:cNvSpPr>
-            <a:spLocks noGrp="1"/>
-          </p:cNvSpPr>
-          <p:nvPr>
-            <p:ph type="sldNum" sz="quarter" idx="12"/>
-          </p:nvPr>
-        </p:nvSpPr>
-        <p:spPr/>
-        <p:txBody>
-          <a:bodyPr/>
-          <a:lstStyle/>
-          <a:p>
-            <a:fld id="{768BF403-63E9-4BE6-AA0B-408C483EA9DC}" type="slidenum">
-              <a:rPr kumimoji="1" lang="ja-JP" altLang="en-US" smtClean="0"/>
-              <a:t>51</a:t>
-            </a:fld>
-            <a:endParaRPr kumimoji="1" lang="ja-JP" altLang="en-US"/>
-          </a:p>
-        </p:txBody>
-      </p:sp>
-    </p:spTree>
-    <p:extLst>
-      <p:ext uri="{BB962C8B-B14F-4D97-AF65-F5344CB8AC3E}">
-        <p14:creationId xmlns:p14="http://schemas.microsoft.com/office/powerpoint/2010/main" val="1561538588"/>
       </p:ext>
     </p:extLst>
   </p:cSld>
@@ -21404,178 +21728,63 @@
           <a:lstStyle/>
           <a:p>
             <a:r>
-              <a:rPr kumimoji="1" lang="en-US" altLang="ja-JP" dirty="0" err="1" smtClean="0"/>
-              <a:t>Alexnet</a:t>
-            </a:r>
+              <a:rPr lang="ja-JP" altLang="en-US" dirty="0"/>
+              <a:t>使用したモデル</a:t>
+            </a:r>
+            <a:endParaRPr kumimoji="1" lang="ja-JP" altLang="en-US" dirty="0"/>
+          </a:p>
+        </p:txBody>
+      </p:sp>
+      <p:sp>
+        <p:nvSpPr>
+          <p:cNvPr id="3" name="コンテンツ プレースホルダー 2"/>
+          <p:cNvSpPr>
+            <a:spLocks noGrp="1"/>
+          </p:cNvSpPr>
+          <p:nvPr>
+            <p:ph idx="1"/>
+          </p:nvPr>
+        </p:nvSpPr>
+        <p:spPr/>
+        <p:txBody>
+          <a:bodyPr/>
+          <a:lstStyle/>
+          <a:p>
             <a:r>
               <a:rPr kumimoji="1" lang="ja-JP" altLang="en-US" dirty="0" smtClean="0"/>
-              <a:t>のモデル作成</a:t>
+              <a:t>使用したモデル</a:t>
             </a:r>
             <a:endParaRPr kumimoji="1" lang="ja-JP" altLang="en-US" dirty="0"/>
           </a:p>
         </p:txBody>
       </p:sp>
-      <p:sp>
-        <p:nvSpPr>
-          <p:cNvPr id="3" name="コンテンツ プレースホルダー 2"/>
-          <p:cNvSpPr>
-            <a:spLocks noGrp="1"/>
-          </p:cNvSpPr>
-          <p:nvPr>
-            <p:ph idx="1"/>
-          </p:nvPr>
-        </p:nvSpPr>
-        <p:spPr/>
-        <p:txBody>
-          <a:bodyPr>
-            <a:normAutofit lnSpcReduction="10000"/>
-          </a:bodyPr>
-          <a:lstStyle/>
-          <a:p>
-            <a:r>
-              <a:rPr lang="en-US" altLang="ja-JP" dirty="0" err="1" smtClean="0"/>
-              <a:t>Alexnet</a:t>
-            </a:r>
-            <a:r>
-              <a:rPr lang="ja-JP" altLang="en-US" dirty="0" smtClean="0"/>
-              <a:t>について</a:t>
-            </a:r>
-            <a:endParaRPr lang="en-US" altLang="ja-JP" dirty="0" smtClean="0"/>
-          </a:p>
-          <a:p>
-            <a:pPr lvl="1"/>
-            <a:r>
-              <a:rPr lang="en-US" altLang="ja-JP" dirty="0" smtClean="0"/>
-              <a:t>2012</a:t>
-            </a:r>
-            <a:r>
-              <a:rPr lang="ja-JP" altLang="en-US" dirty="0"/>
-              <a:t>年の</a:t>
-            </a:r>
-            <a:r>
-              <a:rPr lang="en-US" altLang="ja-JP" dirty="0"/>
-              <a:t>ImageNet</a:t>
-            </a:r>
-            <a:r>
-              <a:rPr lang="ja-JP" altLang="en-US" dirty="0"/>
-              <a:t>を用いた画像認識コンペ</a:t>
-            </a:r>
-            <a:r>
-              <a:rPr lang="en-US" altLang="ja-JP" dirty="0"/>
-              <a:t>ILSVRC</a:t>
-            </a:r>
-            <a:r>
-              <a:rPr lang="ja-JP" altLang="en-US" dirty="0"/>
-              <a:t>でチャンピオンに輝き，</a:t>
-            </a:r>
-            <a:r>
-              <a:rPr lang="en-US" altLang="ja-JP" dirty="0"/>
-              <a:t>Deep Learning</a:t>
-            </a:r>
-            <a:r>
-              <a:rPr lang="ja-JP" altLang="en-US" dirty="0"/>
-              <a:t>の火付け役となった</a:t>
-            </a:r>
-            <a:r>
-              <a:rPr lang="ja-JP" altLang="en-US" dirty="0" smtClean="0"/>
-              <a:t>モデル．</a:t>
-            </a:r>
-            <a:endParaRPr lang="en-US" altLang="ja-JP" dirty="0" smtClean="0"/>
-          </a:p>
-          <a:p>
-            <a:pPr lvl="1"/>
-            <a:r>
-              <a:rPr lang="en-US" altLang="ja-JP" dirty="0" smtClean="0"/>
-              <a:t>5</a:t>
-            </a:r>
-            <a:r>
-              <a:rPr lang="ja-JP" altLang="en-US" dirty="0" err="1"/>
-              <a:t>つの</a:t>
-            </a:r>
-            <a:r>
-              <a:rPr lang="ja-JP" altLang="en-US" dirty="0" smtClean="0"/>
-              <a:t>畳み込み層</a:t>
-            </a:r>
-            <a:r>
-              <a:rPr lang="ja-JP" altLang="en-US" dirty="0"/>
-              <a:t>，</a:t>
-            </a:r>
-            <a:r>
-              <a:rPr lang="en-US" altLang="ja-JP" dirty="0"/>
-              <a:t>3</a:t>
-            </a:r>
-            <a:r>
-              <a:rPr lang="ja-JP" altLang="en-US" dirty="0" err="1"/>
-              <a:t>つの</a:t>
-            </a:r>
-            <a:r>
-              <a:rPr lang="ja-JP" altLang="en-US" dirty="0"/>
-              <a:t>全結合層などから構成</a:t>
-            </a:r>
-            <a:r>
-              <a:rPr lang="ja-JP" altLang="en-US" dirty="0" smtClean="0"/>
-              <a:t>されて</a:t>
-            </a:r>
-            <a:r>
-              <a:rPr lang="ja-JP" altLang="en-US" dirty="0"/>
-              <a:t>いる</a:t>
-            </a:r>
-            <a:r>
-              <a:rPr lang="ja-JP" altLang="en-US" dirty="0" smtClean="0"/>
-              <a:t>．</a:t>
-            </a:r>
-            <a:endParaRPr lang="en-US" altLang="ja-JP" dirty="0" smtClean="0"/>
-          </a:p>
-          <a:p>
-            <a:endParaRPr kumimoji="1" lang="en-US" altLang="ja-JP" dirty="0" smtClean="0"/>
-          </a:p>
-          <a:p>
-            <a:r>
-              <a:rPr kumimoji="1" lang="ja-JP" altLang="en-US" dirty="0" smtClean="0"/>
-              <a:t>下記のサイトを参考に作成</a:t>
-            </a:r>
-            <a:endParaRPr kumimoji="1" lang="en-US" altLang="ja-JP" dirty="0"/>
-          </a:p>
-          <a:p>
-            <a:pPr lvl="1"/>
-            <a:r>
-              <a:rPr lang="en-US" altLang="ja-JP" dirty="0">
-                <a:hlinkClick r:id="rId2"/>
-              </a:rPr>
-              <a:t>https://</a:t>
-            </a:r>
-            <a:r>
-              <a:rPr lang="en-US" altLang="ja-JP" dirty="0" smtClean="0">
-                <a:hlinkClick r:id="rId2"/>
-              </a:rPr>
-              <a:t>qiita.com/URAN110/items/ea2bfc8f7ba2fc858de3</a:t>
-            </a:r>
-            <a:endParaRPr lang="en-US" altLang="ja-JP" dirty="0" smtClean="0"/>
-          </a:p>
-          <a:p>
-            <a:r>
-              <a:rPr lang="ja-JP" altLang="en-US" dirty="0"/>
-              <a:t>学習に</a:t>
-            </a:r>
-            <a:r>
-              <a:rPr lang="ja-JP" altLang="en-US" dirty="0" smtClean="0"/>
-              <a:t>は，</a:t>
-            </a:r>
-            <a:r>
-              <a:rPr lang="en-US" altLang="ja-JP" dirty="0" smtClean="0"/>
-              <a:t>Cifar10</a:t>
-            </a:r>
-            <a:r>
-              <a:rPr lang="ja-JP" altLang="en-US" dirty="0" smtClean="0"/>
-              <a:t>を使用．</a:t>
-            </a:r>
-            <a:endParaRPr lang="en-US" altLang="ja-JP" dirty="0" smtClean="0"/>
-          </a:p>
-        </p:txBody>
-      </p:sp>
-      <p:sp>
-        <p:nvSpPr>
-          <p:cNvPr id="4" name="スライド番号プレースホルダー 3"/>
+      <p:pic>
+        <p:nvPicPr>
+          <p:cNvPr id="4" name="図 3"/>
+          <p:cNvPicPr>
+            <a:picLocks noChangeAspect="1"/>
+          </p:cNvPicPr>
+          <p:nvPr/>
+        </p:nvPicPr>
+        <p:blipFill>
+          <a:blip r:embed="rId2"/>
+          <a:stretch>
+            <a:fillRect/>
+          </a:stretch>
+        </p:blipFill>
+        <p:spPr>
+          <a:xfrm>
+            <a:off x="628650" y="3342033"/>
+            <a:ext cx="5992061" cy="2629267"/>
+          </a:xfrm>
+          <a:prstGeom prst="rect">
+            <a:avLst/>
+          </a:prstGeom>
+        </p:spPr>
+      </p:pic>
+      <p:sp>
+        <p:nvSpPr>
+          <p:cNvPr id="5" name="スライド番号プレースホルダー 4"/>
           <p:cNvSpPr>
             <a:spLocks noGrp="1"/>
           </p:cNvSpPr>
@@ -21599,7 +21808,7 @@
     </p:spTree>
     <p:extLst>
       <p:ext uri="{BB962C8B-B14F-4D97-AF65-F5344CB8AC3E}">
-        <p14:creationId xmlns:p14="http://schemas.microsoft.com/office/powerpoint/2010/main" val="1140017668"/>
+        <p14:creationId xmlns:p14="http://schemas.microsoft.com/office/powerpoint/2010/main" val="1561538588"/>
       </p:ext>
     </p:extLst>
   </p:cSld>
@@ -21633,64 +21842,194 @@
           <a:chExt cx="0" cy="0"/>
         </a:xfrm>
       </p:grpSpPr>
-      <p:pic>
-        <p:nvPicPr>
-          <p:cNvPr id="4" name="コンテンツ プレースホルダー 3"/>
-          <p:cNvPicPr>
-            <a:picLocks noGrp="1"/>
-          </p:cNvPicPr>
+      <p:sp>
+        <p:nvSpPr>
+          <p:cNvPr id="2" name="タイトル 1"/>
+          <p:cNvSpPr>
+            <a:spLocks noGrp="1"/>
+          </p:cNvSpPr>
+          <p:nvPr>
+            <p:ph type="title"/>
+          </p:nvPr>
+        </p:nvSpPr>
+        <p:spPr/>
+        <p:txBody>
+          <a:bodyPr/>
+          <a:lstStyle/>
+          <a:p>
+            <a:r>
+              <a:rPr kumimoji="1" lang="en-US" altLang="ja-JP" dirty="0" err="1" smtClean="0"/>
+              <a:t>Alexnet</a:t>
+            </a:r>
+            <a:r>
+              <a:rPr kumimoji="1" lang="ja-JP" altLang="en-US" dirty="0" smtClean="0"/>
+              <a:t>のモデル作成</a:t>
+            </a:r>
+            <a:endParaRPr kumimoji="1" lang="ja-JP" altLang="en-US" dirty="0"/>
+          </a:p>
+        </p:txBody>
+      </p:sp>
+      <p:sp>
+        <p:nvSpPr>
+          <p:cNvPr id="3" name="コンテンツ プレースホルダー 2"/>
+          <p:cNvSpPr>
+            <a:spLocks noGrp="1"/>
+          </p:cNvSpPr>
           <p:nvPr>
             <p:ph idx="1"/>
           </p:nvPr>
-        </p:nvPicPr>
-        <p:blipFill rotWithShape="1">
-          <a:blip r:embed="rId2"/>
-          <a:srcRect t="61148"/>
-          <a:stretch/>
-        </p:blipFill>
-        <p:spPr>
-          <a:xfrm>
-            <a:off x="382755" y="2658978"/>
-            <a:ext cx="8378490" cy="2129589"/>
-          </a:xfrm>
-          <a:prstGeom prst="rect">
-            <a:avLst/>
-          </a:prstGeom>
-        </p:spPr>
-      </p:pic>
-      <p:sp>
-        <p:nvSpPr>
-          <p:cNvPr id="5" name="テキスト ボックス 4"/>
-          <p:cNvSpPr txBox="1"/>
-          <p:nvPr/>
-        </p:nvSpPr>
-        <p:spPr>
-          <a:xfrm>
-            <a:off x="382755" y="2015066"/>
-            <a:ext cx="5401733" cy="369332"/>
-          </a:xfrm>
-          <a:prstGeom prst="rect">
-            <a:avLst/>
-          </a:prstGeom>
-          <a:noFill/>
-        </p:spPr>
-        <p:txBody>
-          <a:bodyPr wrap="square" rtlCol="0">
-            <a:spAutoFit/>
+        </p:nvSpPr>
+        <p:spPr/>
+        <p:txBody>
+          <a:bodyPr>
+            <a:normAutofit lnSpcReduction="10000"/>
           </a:bodyPr>
           <a:lstStyle/>
           <a:p>
             <a:r>
+              <a:rPr lang="en-US" altLang="ja-JP" dirty="0" err="1" smtClean="0"/>
+              <a:t>Alexnet</a:t>
+            </a:r>
+            <a:r>
+              <a:rPr lang="ja-JP" altLang="en-US" dirty="0" smtClean="0"/>
+              <a:t>について</a:t>
+            </a:r>
+            <a:endParaRPr lang="en-US" altLang="ja-JP" dirty="0" smtClean="0"/>
+          </a:p>
+          <a:p>
+            <a:pPr lvl="1"/>
+            <a:r>
+              <a:rPr lang="en-US" altLang="ja-JP" dirty="0" smtClean="0"/>
+              <a:t>2012</a:t>
+            </a:r>
+            <a:r>
+              <a:rPr lang="ja-JP" altLang="en-US" dirty="0"/>
+              <a:t>年の</a:t>
+            </a:r>
+            <a:r>
+              <a:rPr lang="en-US" altLang="ja-JP" dirty="0"/>
+              <a:t>ImageNet</a:t>
+            </a:r>
+            <a:r>
+              <a:rPr lang="ja-JP" altLang="en-US" dirty="0"/>
+              <a:t>を用いた画像認識コンペ</a:t>
+            </a:r>
+            <a:r>
+              <a:rPr lang="en-US" altLang="ja-JP" dirty="0"/>
+              <a:t>ILSVRC</a:t>
+            </a:r>
+            <a:r>
+              <a:rPr lang="ja-JP" altLang="en-US" dirty="0"/>
+              <a:t>でチャンピオンに輝き，</a:t>
+            </a:r>
+            <a:r>
+              <a:rPr lang="en-US" altLang="ja-JP" dirty="0"/>
+              <a:t>Deep Learning</a:t>
+            </a:r>
+            <a:r>
+              <a:rPr lang="ja-JP" altLang="en-US" dirty="0"/>
+              <a:t>の火付け役となった</a:t>
+            </a:r>
+            <a:r>
+              <a:rPr lang="ja-JP" altLang="en-US" dirty="0" smtClean="0"/>
+              <a:t>モデル．</a:t>
+            </a:r>
+            <a:endParaRPr lang="en-US" altLang="ja-JP" dirty="0" smtClean="0"/>
+          </a:p>
+          <a:p>
+            <a:pPr lvl="1"/>
+            <a:r>
+              <a:rPr lang="en-US" altLang="ja-JP" dirty="0" smtClean="0"/>
+              <a:t>5</a:t>
+            </a:r>
+            <a:r>
+              <a:rPr lang="ja-JP" altLang="en-US" dirty="0" err="1"/>
+              <a:t>つの</a:t>
+            </a:r>
+            <a:r>
+              <a:rPr lang="ja-JP" altLang="en-US" dirty="0" smtClean="0"/>
+              <a:t>畳み込み層</a:t>
+            </a:r>
+            <a:r>
+              <a:rPr lang="ja-JP" altLang="en-US" dirty="0"/>
+              <a:t>，</a:t>
+            </a:r>
+            <a:r>
+              <a:rPr lang="en-US" altLang="ja-JP" dirty="0"/>
+              <a:t>3</a:t>
+            </a:r>
+            <a:r>
+              <a:rPr lang="ja-JP" altLang="en-US" dirty="0" err="1"/>
+              <a:t>つの</a:t>
+            </a:r>
+            <a:r>
+              <a:rPr lang="ja-JP" altLang="en-US" dirty="0"/>
+              <a:t>全結合層などから構成</a:t>
+            </a:r>
+            <a:r>
+              <a:rPr lang="ja-JP" altLang="en-US" dirty="0" smtClean="0"/>
+              <a:t>されて</a:t>
+            </a:r>
+            <a:r>
+              <a:rPr lang="ja-JP" altLang="en-US" dirty="0"/>
+              <a:t>いる</a:t>
+            </a:r>
+            <a:r>
+              <a:rPr lang="ja-JP" altLang="en-US" dirty="0" smtClean="0"/>
+              <a:t>．</a:t>
+            </a:r>
+            <a:endParaRPr lang="en-US" altLang="ja-JP" dirty="0" smtClean="0"/>
+          </a:p>
+          <a:p>
+            <a:endParaRPr kumimoji="1" lang="en-US" altLang="ja-JP" dirty="0" smtClean="0"/>
+          </a:p>
+          <a:p>
+            <a:r>
               <a:rPr kumimoji="1" lang="ja-JP" altLang="en-US" dirty="0" smtClean="0"/>
-              <a:t>作成した学習済みモデルで，予測ベクトルを表示．</a:t>
-            </a:r>
-            <a:endParaRPr kumimoji="1" lang="ja-JP" altLang="en-US" dirty="0"/>
-          </a:p>
-        </p:txBody>
-      </p:sp>
-      <p:sp>
-        <p:nvSpPr>
-          <p:cNvPr id="2" name="スライド番号プレースホルダー 1"/>
+              <a:t>下記のサイトを参考に作成</a:t>
+            </a:r>
+            <a:endParaRPr kumimoji="1" lang="en-US" altLang="ja-JP" dirty="0"/>
+          </a:p>
+          <a:p>
+            <a:pPr lvl="1"/>
+            <a:r>
+              <a:rPr lang="en-US" altLang="ja-JP" dirty="0">
+                <a:hlinkClick r:id="rId2"/>
+              </a:rPr>
+              <a:t>https://</a:t>
+            </a:r>
+            <a:r>
+              <a:rPr lang="en-US" altLang="ja-JP" dirty="0" smtClean="0">
+                <a:hlinkClick r:id="rId2"/>
+              </a:rPr>
+              <a:t>qiita.com/URAN110/items/ea2bfc8f7ba2fc858de3</a:t>
+            </a:r>
+            <a:endParaRPr lang="en-US" altLang="ja-JP" dirty="0" smtClean="0"/>
+          </a:p>
+          <a:p>
+            <a:r>
+              <a:rPr lang="ja-JP" altLang="en-US" dirty="0"/>
+              <a:t>学習に</a:t>
+            </a:r>
+            <a:r>
+              <a:rPr lang="ja-JP" altLang="en-US" dirty="0" smtClean="0"/>
+              <a:t>は，</a:t>
+            </a:r>
+            <a:r>
+              <a:rPr lang="en-US" altLang="ja-JP" dirty="0" smtClean="0"/>
+              <a:t>Cifar10</a:t>
+            </a:r>
+            <a:r>
+              <a:rPr lang="ja-JP" altLang="en-US" dirty="0" smtClean="0"/>
+              <a:t>を使用．</a:t>
+            </a:r>
+            <a:endParaRPr lang="en-US" altLang="ja-JP" dirty="0" smtClean="0"/>
+          </a:p>
+        </p:txBody>
+      </p:sp>
+      <p:sp>
+        <p:nvSpPr>
+          <p:cNvPr id="4" name="スライド番号プレースホルダー 3"/>
           <p:cNvSpPr>
             <a:spLocks noGrp="1"/>
           </p:cNvSpPr>
@@ -21714,7 +22053,7 @@
     </p:spTree>
     <p:extLst>
       <p:ext uri="{BB962C8B-B14F-4D97-AF65-F5344CB8AC3E}">
-        <p14:creationId xmlns:p14="http://schemas.microsoft.com/office/powerpoint/2010/main" val="1614569651"/>
+        <p14:creationId xmlns:p14="http://schemas.microsoft.com/office/powerpoint/2010/main" val="1140017668"/>
       </p:ext>
     </p:extLst>
   </p:cSld>
@@ -21748,6 +22087,121 @@
           <a:chExt cx="0" cy="0"/>
         </a:xfrm>
       </p:grpSpPr>
+      <p:pic>
+        <p:nvPicPr>
+          <p:cNvPr id="4" name="コンテンツ プレースホルダー 3"/>
+          <p:cNvPicPr>
+            <a:picLocks noGrp="1"/>
+          </p:cNvPicPr>
+          <p:nvPr>
+            <p:ph idx="1"/>
+          </p:nvPr>
+        </p:nvPicPr>
+        <p:blipFill rotWithShape="1">
+          <a:blip r:embed="rId2"/>
+          <a:srcRect t="61148"/>
+          <a:stretch/>
+        </p:blipFill>
+        <p:spPr>
+          <a:xfrm>
+            <a:off x="382755" y="2658978"/>
+            <a:ext cx="8378490" cy="2129589"/>
+          </a:xfrm>
+          <a:prstGeom prst="rect">
+            <a:avLst/>
+          </a:prstGeom>
+        </p:spPr>
+      </p:pic>
+      <p:sp>
+        <p:nvSpPr>
+          <p:cNvPr id="5" name="テキスト ボックス 4"/>
+          <p:cNvSpPr txBox="1"/>
+          <p:nvPr/>
+        </p:nvSpPr>
+        <p:spPr>
+          <a:xfrm>
+            <a:off x="382755" y="2015066"/>
+            <a:ext cx="5401733" cy="369332"/>
+          </a:xfrm>
+          <a:prstGeom prst="rect">
+            <a:avLst/>
+          </a:prstGeom>
+          <a:noFill/>
+        </p:spPr>
+        <p:txBody>
+          <a:bodyPr wrap="square" rtlCol="0">
+            <a:spAutoFit/>
+          </a:bodyPr>
+          <a:lstStyle/>
+          <a:p>
+            <a:r>
+              <a:rPr kumimoji="1" lang="ja-JP" altLang="en-US" dirty="0" smtClean="0"/>
+              <a:t>作成した学習済みモデルで，予測ベクトルを表示．</a:t>
+            </a:r>
+            <a:endParaRPr kumimoji="1" lang="ja-JP" altLang="en-US" dirty="0"/>
+          </a:p>
+        </p:txBody>
+      </p:sp>
+      <p:sp>
+        <p:nvSpPr>
+          <p:cNvPr id="2" name="スライド番号プレースホルダー 1"/>
+          <p:cNvSpPr>
+            <a:spLocks noGrp="1"/>
+          </p:cNvSpPr>
+          <p:nvPr>
+            <p:ph type="sldNum" sz="quarter" idx="12"/>
+          </p:nvPr>
+        </p:nvSpPr>
+        <p:spPr/>
+        <p:txBody>
+          <a:bodyPr/>
+          <a:lstStyle/>
+          <a:p>
+            <a:fld id="{768BF403-63E9-4BE6-AA0B-408C483EA9DC}" type="slidenum">
+              <a:rPr kumimoji="1" lang="ja-JP" altLang="en-US" smtClean="0"/>
+              <a:t>54</a:t>
+            </a:fld>
+            <a:endParaRPr kumimoji="1" lang="ja-JP" altLang="en-US"/>
+          </a:p>
+        </p:txBody>
+      </p:sp>
+    </p:spTree>
+    <p:extLst>
+      <p:ext uri="{BB962C8B-B14F-4D97-AF65-F5344CB8AC3E}">
+        <p14:creationId xmlns:p14="http://schemas.microsoft.com/office/powerpoint/2010/main" val="1614569651"/>
+      </p:ext>
+    </p:extLst>
+  </p:cSld>
+  <p:clrMapOvr>
+    <a:masterClrMapping/>
+  </p:clrMapOvr>
+  <p:timing>
+    <p:tnLst>
+      <p:par>
+        <p:cTn id="1" dur="indefinite" restart="never" nodeType="tmRoot"/>
+      </p:par>
+    </p:tnLst>
+  </p:timing>
+</p:sld>
+</file>
+
+<file path=ppt/slides/slide55.xml><?xml version="1.0" encoding="utf-8"?>
+<p:sld xmlns:a="http://schemas.openxmlformats.org/drawingml/2006/main" xmlns:r="http://schemas.openxmlformats.org/officeDocument/2006/relationships" xmlns:p="http://schemas.openxmlformats.org/presentationml/2006/main">
+  <p:cSld>
+    <p:spTree>
+      <p:nvGrpSpPr>
+        <p:cNvPr id="1" name=""/>
+        <p:cNvGrpSpPr/>
+        <p:nvPr/>
+      </p:nvGrpSpPr>
+      <p:grpSpPr>
+        <a:xfrm>
+          <a:off x="0" y="0"/>
+          <a:ext cx="0" cy="0"/>
+          <a:chOff x="0" y="0"/>
+          <a:chExt cx="0" cy="0"/>
+        </a:xfrm>
+      </p:grpSpPr>
       <p:sp>
         <p:nvSpPr>
           <p:cNvPr id="2" name="タイトル 1"/>
@@ -21857,7 +22311,7 @@
           <a:p>
             <a:fld id="{768BF403-63E9-4BE6-AA0B-408C483EA9DC}" type="slidenum">
               <a:rPr kumimoji="1" lang="ja-JP" altLang="en-US" smtClean="0"/>
-              <a:t>54</a:t>
+              <a:t>55</a:t>
             </a:fld>
             <a:endParaRPr kumimoji="1" lang="ja-JP" altLang="en-US"/>
           </a:p>
@@ -21937,17 +22391,18 @@
           <a:bodyPr/>
           <a:lstStyle/>
           <a:p>
+            <a:pPr>
+              <a:lnSpc>
+                <a:spcPct val="100000"/>
+              </a:lnSpc>
+            </a:pPr>
             <a:r>
               <a:rPr lang="en-US" altLang="ja-JP" dirty="0" smtClean="0"/>
               <a:t>CNN</a:t>
             </a:r>
             <a:r>
               <a:rPr lang="ja-JP" altLang="en-US" dirty="0" smtClean="0"/>
-              <a:t>を</a:t>
-            </a:r>
-            <a:r>
-              <a:rPr lang="ja-JP" altLang="en-US" dirty="0" smtClean="0"/>
-              <a:t>用いて抽出した画像の特徴ベクトルは，画像の意味情報が保持されてると</a:t>
+              <a:t>を用いて抽出した画像の特徴ベクトルは，画像の意味情報が保持されてると</a:t>
             </a:r>
             <a:r>
               <a:rPr lang="ja-JP" altLang="en-US" dirty="0"/>
@@ -21961,11 +22416,19 @@
           </a:p>
           <a:p>
             <a:pPr marL="0" indent="0">
+              <a:lnSpc>
+                <a:spcPct val="100000"/>
+              </a:lnSpc>
               <a:buNone/>
             </a:pPr>
             <a:endParaRPr lang="en-US" altLang="ja-JP" dirty="0"/>
           </a:p>
           <a:p>
+            <a:pPr>
+              <a:lnSpc>
+                <a:spcPct val="100000"/>
+              </a:lnSpc>
+            </a:pPr>
             <a:r>
               <a:rPr kumimoji="1" lang="en-US" altLang="ja-JP" dirty="0"/>
               <a:t>CNN</a:t>
@@ -21989,7 +22452,11 @@
             <a:endParaRPr lang="en-US" altLang="ja-JP" dirty="0"/>
           </a:p>
           <a:p>
-            <a:pPr lvl="1"/>
+            <a:pPr lvl="1">
+              <a:lnSpc>
+                <a:spcPct val="100000"/>
+              </a:lnSpc>
+            </a:pPr>
             <a:r>
               <a:rPr lang="ja-JP" altLang="en-US" dirty="0"/>
               <a:t>識別層</a:t>
@@ -22803,102 +23270,26 @@
           <a:bodyPr/>
           <a:lstStyle/>
           <a:p>
-            <a:r>
-              <a:rPr lang="ja-JP" altLang="ja-JP" dirty="0" smtClean="0"/>
-              <a:t>作成</a:t>
-            </a:r>
+            <a:pPr>
+              <a:lnSpc>
+                <a:spcPct val="100000"/>
+              </a:lnSpc>
+            </a:pPr>
             <a:r>
               <a:rPr lang="ja-JP" altLang="ja-JP" dirty="0"/>
-              <a:t>した次元数</a:t>
-            </a:r>
-            <a:r>
-              <a:rPr lang="ja-JP" altLang="ja-JP" dirty="0" smtClean="0"/>
-              <a:t>の</a:t>
-            </a:r>
-            <a:r>
-              <a:rPr lang="ja-JP" altLang="en-US" dirty="0" smtClean="0"/>
-              <a:t>異なる特徴ベクトルの</a:t>
-            </a:r>
-            <a:r>
-              <a:rPr lang="ja-JP" altLang="ja-JP" dirty="0" smtClean="0"/>
-              <a:t>検索</a:t>
-            </a:r>
-            <a:r>
-              <a:rPr lang="ja-JP" altLang="ja-JP" dirty="0"/>
-              <a:t>精度についての</a:t>
-            </a:r>
-            <a:r>
-              <a:rPr lang="ja-JP" altLang="ja-JP" dirty="0" smtClean="0"/>
-              <a:t>評価</a:t>
-            </a:r>
-            <a:r>
-              <a:rPr lang="ja-JP" altLang="en-US" dirty="0"/>
-              <a:t>を</a:t>
-            </a:r>
-            <a:r>
-              <a:rPr lang="ja-JP" altLang="en-US" dirty="0" smtClean="0"/>
-              <a:t>行う．</a:t>
-            </a:r>
-            <a:endParaRPr lang="en-US" altLang="ja-JP" dirty="0" smtClean="0"/>
-          </a:p>
-          <a:p>
-            <a:endParaRPr lang="en-US" altLang="ja-JP" dirty="0"/>
-          </a:p>
-          <a:p>
-            <a:r>
-              <a:rPr lang="ja-JP" altLang="en-US" dirty="0" smtClean="0"/>
-              <a:t>ユークリッド</a:t>
-            </a:r>
-            <a:r>
-              <a:rPr lang="ja-JP" altLang="ja-JP" dirty="0" smtClean="0"/>
-              <a:t>距離</a:t>
-            </a:r>
-            <a:r>
-              <a:rPr lang="ja-JP" altLang="en-US" dirty="0"/>
-              <a:t>，</a:t>
-            </a:r>
-            <a:r>
-              <a:rPr lang="ja-JP" altLang="ja-JP" dirty="0" smtClean="0"/>
-              <a:t>正解</a:t>
-            </a:r>
-            <a:r>
-              <a:rPr lang="ja-JP" altLang="ja-JP" dirty="0"/>
-              <a:t>ラベル</a:t>
-            </a:r>
-            <a:r>
-              <a:rPr lang="ja-JP" altLang="ja-JP" dirty="0" smtClean="0"/>
-              <a:t>，処理</a:t>
-            </a:r>
-            <a:r>
-              <a:rPr lang="ja-JP" altLang="ja-JP" dirty="0"/>
-              <a:t>にかかった時間を計測</a:t>
+              <a:t>画像検索精度と計算時間の両方の観点から最も良い結果だった次元数を明確に</a:t>
             </a:r>
             <a:r>
               <a:rPr lang="ja-JP" altLang="ja-JP" dirty="0" smtClean="0"/>
               <a:t>する</a:t>
             </a:r>
             <a:r>
-              <a:rPr lang="ja-JP" altLang="en-US" dirty="0" smtClean="0"/>
+              <a:rPr lang="ja-JP" altLang="en-US" dirty="0"/>
               <a:t>．</a:t>
             </a:r>
-            <a:endParaRPr lang="en-US" altLang="ja-JP" dirty="0" smtClean="0"/>
-          </a:p>
-          <a:p>
-            <a:endParaRPr lang="en-US" altLang="ja-JP" dirty="0"/>
-          </a:p>
-          <a:p>
-            <a:r>
-              <a:rPr lang="ja-JP" altLang="ja-JP" dirty="0" smtClean="0"/>
-              <a:t>検索</a:t>
-            </a:r>
-            <a:r>
-              <a:rPr lang="ja-JP" altLang="ja-JP" dirty="0"/>
-              <a:t>精度と計算時間について調査する</a:t>
-            </a:r>
-            <a:r>
-              <a:rPr lang="ja-JP" altLang="ja-JP" dirty="0" smtClean="0"/>
-              <a:t>．</a:t>
-            </a:r>
+            <a:endParaRPr lang="ja-JP" altLang="ja-JP" dirty="0"/>
+          </a:p>
+          <a:p>
             <a:endParaRPr lang="ja-JP" altLang="ja-JP" dirty="0"/>
           </a:p>
           <a:p>
@@ -23013,6 +23404,9 @@
           <a:lstStyle/>
           <a:p>
             <a:pPr marL="514350" indent="-514350">
+              <a:lnSpc>
+                <a:spcPct val="100000"/>
+              </a:lnSpc>
               <a:buFont typeface="+mj-lt"/>
               <a:buAutoNum type="arabicPeriod"/>
             </a:pPr>
@@ -23028,6 +23422,9 @@
           </a:p>
           <a:p>
             <a:pPr marL="514350" indent="-514350">
+              <a:lnSpc>
+                <a:spcPct val="100000"/>
+              </a:lnSpc>
               <a:buFont typeface="+mj-lt"/>
               <a:buAutoNum type="arabicPeriod"/>
             </a:pPr>
@@ -23039,6 +23436,9 @@
           </a:p>
           <a:p>
             <a:pPr marL="514350" indent="-514350">
+              <a:lnSpc>
+                <a:spcPct val="100000"/>
+              </a:lnSpc>
               <a:buFont typeface="+mj-lt"/>
               <a:buAutoNum type="arabicPeriod"/>
             </a:pPr>
@@ -23050,6 +23450,9 @@
           </a:p>
           <a:p>
             <a:pPr marL="514350" indent="-514350">
+              <a:lnSpc>
+                <a:spcPct val="100000"/>
+              </a:lnSpc>
               <a:buFont typeface="+mj-lt"/>
               <a:buAutoNum type="arabicPeriod"/>
             </a:pPr>
@@ -23069,6 +23472,9 @@
           </a:p>
           <a:p>
             <a:pPr marL="514350" indent="-514350">
+              <a:lnSpc>
+                <a:spcPct val="100000"/>
+              </a:lnSpc>
               <a:buFont typeface="+mj-lt"/>
               <a:buAutoNum type="arabicPeriod"/>
             </a:pPr>
@@ -23084,6 +23490,9 @@
           </a:p>
           <a:p>
             <a:pPr marL="514350" indent="-514350">
+              <a:lnSpc>
+                <a:spcPct val="100000"/>
+              </a:lnSpc>
               <a:buFont typeface="+mj-lt"/>
               <a:buAutoNum type="arabicPeriod"/>
             </a:pPr>
@@ -23099,6 +23508,9 @@
           </a:p>
           <a:p>
             <a:pPr marL="514350" indent="-514350">
+              <a:lnSpc>
+                <a:spcPct val="100000"/>
+              </a:lnSpc>
               <a:buFont typeface="+mj-lt"/>
               <a:buAutoNum type="arabicPeriod"/>
             </a:pPr>

--- a/卒研発表/卒論発表0119.pptx
+++ b/卒研発表/卒論発表0119.pptx
@@ -251,7 +251,7 @@
           <a:p>
             <a:fld id="{D359827B-A45A-42A3-8D19-3E0C9B79B6AF}" type="datetimeFigureOut">
               <a:rPr kumimoji="1" lang="ja-JP" altLang="en-US" smtClean="0"/>
-              <a:t>2022/1/19</a:t>
+              <a:t>2022/1/21</a:t>
             </a:fld>
             <a:endParaRPr kumimoji="1" lang="ja-JP" altLang="en-US"/>
           </a:p>
@@ -4183,11 +4183,7 @@
             </a:r>
             <a:r>
               <a:rPr lang="ja-JP" altLang="en-US" dirty="0" smtClean="0"/>
-              <a:t>では</a:t>
-            </a:r>
-            <a:r>
-              <a:rPr lang="ja-JP" altLang="en-US" dirty="0" smtClean="0"/>
-              <a:t>，</a:t>
+              <a:t>では，</a:t>
             </a:r>
             <a:r>
               <a:rPr kumimoji="1" lang="ja-JP" altLang="ja-JP" sz="1200" kern="1200" dirty="0" smtClean="0">
@@ -4667,7 +4663,7 @@
           <a:p>
             <a:fld id="{F97256E2-A65E-4B77-B264-911586924883}" type="datetime1">
               <a:rPr kumimoji="1" lang="ja-JP" altLang="en-US" smtClean="0"/>
-              <a:t>2022/1/19</a:t>
+              <a:t>2022/1/21</a:t>
             </a:fld>
             <a:endParaRPr kumimoji="1" lang="ja-JP" altLang="en-US"/>
           </a:p>
@@ -4869,7 +4865,7 @@
           <a:p>
             <a:fld id="{7D14B865-5DC8-45B1-AA67-F8656352C909}" type="datetime1">
               <a:rPr kumimoji="1" lang="ja-JP" altLang="en-US" smtClean="0"/>
-              <a:t>2022/1/19</a:t>
+              <a:t>2022/1/21</a:t>
             </a:fld>
             <a:endParaRPr kumimoji="1" lang="ja-JP" altLang="en-US"/>
           </a:p>
@@ -5081,7 +5077,7 @@
           <a:p>
             <a:fld id="{02A15EFD-2DFF-458B-A902-73BF4EFB1164}" type="datetime1">
               <a:rPr kumimoji="1" lang="ja-JP" altLang="en-US" smtClean="0"/>
-              <a:t>2022/1/19</a:t>
+              <a:t>2022/1/21</a:t>
             </a:fld>
             <a:endParaRPr kumimoji="1" lang="ja-JP" altLang="en-US"/>
           </a:p>
@@ -5283,7 +5279,7 @@
           <a:p>
             <a:fld id="{9EBF459C-F29A-4B20-A8B3-856EFF20B301}" type="datetime1">
               <a:rPr kumimoji="1" lang="ja-JP" altLang="en-US" smtClean="0"/>
-              <a:t>2022/1/19</a:t>
+              <a:t>2022/1/21</a:t>
             </a:fld>
             <a:endParaRPr kumimoji="1" lang="ja-JP" altLang="en-US"/>
           </a:p>
@@ -5527,7 +5523,7 @@
           <a:p>
             <a:fld id="{E2F1D19E-D3ED-426D-8C0C-A7E859C70D82}" type="datetime1">
               <a:rPr kumimoji="1" lang="ja-JP" altLang="en-US" smtClean="0"/>
-              <a:t>2022/1/19</a:t>
+              <a:t>2022/1/21</a:t>
             </a:fld>
             <a:endParaRPr kumimoji="1" lang="ja-JP" altLang="en-US"/>
           </a:p>
@@ -5823,7 +5819,7 @@
           <a:p>
             <a:fld id="{AC85B4AF-0CA0-4CE4-B5F2-9615981BDB42}" type="datetime1">
               <a:rPr kumimoji="1" lang="ja-JP" altLang="en-US" smtClean="0"/>
-              <a:t>2022/1/19</a:t>
+              <a:t>2022/1/21</a:t>
             </a:fld>
             <a:endParaRPr kumimoji="1" lang="ja-JP" altLang="en-US"/>
           </a:p>
@@ -6254,7 +6250,7 @@
           <a:p>
             <a:fld id="{41CEF983-C0A5-4267-8E2C-E552BBDE4CE2}" type="datetime1">
               <a:rPr kumimoji="1" lang="ja-JP" altLang="en-US" smtClean="0"/>
-              <a:t>2022/1/19</a:t>
+              <a:t>2022/1/21</a:t>
             </a:fld>
             <a:endParaRPr kumimoji="1" lang="ja-JP" altLang="en-US"/>
           </a:p>
@@ -6372,7 +6368,7 @@
           <a:p>
             <a:fld id="{88BDB93D-AD42-430C-B431-09BCC7ABE956}" type="datetime1">
               <a:rPr kumimoji="1" lang="ja-JP" altLang="en-US" smtClean="0"/>
-              <a:t>2022/1/19</a:t>
+              <a:t>2022/1/21</a:t>
             </a:fld>
             <a:endParaRPr kumimoji="1" lang="ja-JP" altLang="en-US"/>
           </a:p>
@@ -6467,7 +6463,7 @@
           <a:p>
             <a:fld id="{D271579B-5523-45D2-8886-921D1D44EEED}" type="datetime1">
               <a:rPr kumimoji="1" lang="ja-JP" altLang="en-US" smtClean="0"/>
-              <a:t>2022/1/19</a:t>
+              <a:t>2022/1/21</a:t>
             </a:fld>
             <a:endParaRPr kumimoji="1" lang="ja-JP" altLang="en-US"/>
           </a:p>
@@ -6776,7 +6772,7 @@
           <a:p>
             <a:fld id="{0E7742D9-CD6D-4362-A175-904BAA441680}" type="datetime1">
               <a:rPr kumimoji="1" lang="ja-JP" altLang="en-US" smtClean="0"/>
-              <a:t>2022/1/19</a:t>
+              <a:t>2022/1/21</a:t>
             </a:fld>
             <a:endParaRPr kumimoji="1" lang="ja-JP" altLang="en-US"/>
           </a:p>
@@ -7033,7 +7029,7 @@
           <a:p>
             <a:fld id="{81F08DD8-F1CF-472A-B406-5FCD361CD16E}" type="datetime1">
               <a:rPr kumimoji="1" lang="ja-JP" altLang="en-US" smtClean="0"/>
-              <a:t>2022/1/19</a:t>
+              <a:t>2022/1/21</a:t>
             </a:fld>
             <a:endParaRPr kumimoji="1" lang="ja-JP" altLang="en-US"/>
           </a:p>
@@ -7278,7 +7274,7 @@
           <a:p>
             <a:fld id="{12578FE9-280D-4954-B807-C67AC8024AE2}" type="datetime1">
               <a:rPr kumimoji="1" lang="ja-JP" altLang="en-US" smtClean="0"/>
-              <a:t>2022/1/19</a:t>
+              <a:t>2022/1/21</a:t>
             </a:fld>
             <a:endParaRPr kumimoji="1" lang="ja-JP" altLang="en-US"/>
           </a:p>
@@ -7773,11 +7769,7 @@
           <a:p>
             <a:r>
               <a:rPr lang="ja-JP" altLang="en-US" dirty="0" smtClean="0"/>
-              <a:t>氏名：吉岡</a:t>
-            </a:r>
-            <a:r>
-              <a:rPr lang="ja-JP" altLang="en-US" dirty="0" smtClean="0"/>
-              <a:t>　拓郎</a:t>
+              <a:t>氏名：吉岡　拓郎</a:t>
             </a:r>
             <a:endParaRPr lang="en-US" altLang="ja-JP" dirty="0" smtClean="0"/>
           </a:p>
@@ -15668,15 +15660,7 @@
             </a:pPr>
             <a:r>
               <a:rPr kumimoji="1" lang="ja-JP" altLang="en-US" dirty="0" smtClean="0"/>
-              <a:t>画像検索において，高次元では，検索精度が良くなり，計算時間が増加する．反対に，低次元で</a:t>
-            </a:r>
-            <a:r>
-              <a:rPr kumimoji="1" lang="ja-JP" altLang="en-US" dirty="0" smtClean="0"/>
-              <a:t>は検索</a:t>
-            </a:r>
-            <a:r>
-              <a:rPr kumimoji="1" lang="ja-JP" altLang="en-US" dirty="0" smtClean="0"/>
-              <a:t>精度が悪くなり，計算時間が減少する．</a:t>
+              <a:t>画像検索において，高次元では，検索精度が良くなり，計算時間が増加する．反対に，低次元では検索精度が悪くなり，計算時間が減少する．</a:t>
             </a:r>
             <a:endParaRPr kumimoji="1" lang="en-US" altLang="ja-JP" dirty="0" smtClean="0"/>
           </a:p>
